--- a/Assicurazioni/Complessità di algoritmi e problemi.pptx
+++ b/Assicurazioni/Complessità di algoritmi e problemi.pptx
@@ -5,14 +5,15 @@
     <p:sldMasterId id="2147483648" r:id="rId5"/>
   </p:sldMasterIdLst>
   <p:notesMasterIdLst>
-    <p:notesMasterId r:id="rId11"/>
+    <p:notesMasterId r:id="rId12"/>
   </p:notesMasterIdLst>
   <p:sldIdLst>
     <p:sldId id="256" r:id="rId6"/>
     <p:sldId id="365" r:id="rId7"/>
     <p:sldId id="367" r:id="rId8"/>
     <p:sldId id="366" r:id="rId9"/>
-    <p:sldId id="343" r:id="rId10"/>
+    <p:sldId id="368" r:id="rId10"/>
+    <p:sldId id="343" r:id="rId11"/>
   </p:sldIdLst>
   <p:sldSz cx="12192000" cy="6858000"/>
   <p:notesSz cx="6858000" cy="9144000"/>
@@ -270,7 +271,7 @@
               <a:pPr>
                 <a:defRPr/>
               </a:pPr>
-              <a:t>3/14/2023</a:t>
+              <a:t>3/18/2023</a:t>
             </a:fld>
             <a:endParaRPr lang="en-US"/>
           </a:p>
@@ -6704,7 +6705,7 @@
           <a:lstStyle/>
           <a:p>
             <a:r>
-              <a:rPr lang="it-IT" smtClean="0">
+              <a:rPr lang="it-IT">
                 <a:solidFill>
                   <a:schemeClr val="tx1"/>
                 </a:solidFill>
@@ -6712,18 +6713,7 @@
                 <a:ea typeface="Tahoma" panose="020B0604030504040204" pitchFamily="34" charset="0"/>
                 <a:cs typeface="Tahoma" panose="020B0604030504040204" pitchFamily="34" charset="0"/>
               </a:rPr>
-              <a:t>Complessità </a:t>
-            </a:r>
-            <a:r>
-              <a:rPr lang="it-IT">
-                <a:solidFill>
-                  <a:schemeClr val="tx1"/>
-                </a:solidFill>
-                <a:latin typeface="Tahoma" panose="020B0604030504040204" pitchFamily="34" charset="0"/>
-                <a:ea typeface="Tahoma" panose="020B0604030504040204" pitchFamily="34" charset="0"/>
-                <a:cs typeface="Tahoma" panose="020B0604030504040204" pitchFamily="34" charset="0"/>
-              </a:rPr>
-              <a:t>di algoritmi e problemi</a:t>
+              <a:t>Complessità di algoritmi e problemi</a:t>
             </a:r>
             <a:br>
               <a:rPr lang="it-IT">
@@ -6869,7 +6859,7 @@
               </a:tabLst>
             </a:pPr>
             <a:r>
-              <a:rPr lang="it-IT" sz="2400" smtClean="0">
+              <a:rPr lang="it-IT" sz="2400">
                 <a:solidFill>
                   <a:schemeClr val="tx1"/>
                 </a:solidFill>
@@ -6921,29 +6911,7 @@
                 <a:ea typeface="Tahoma" panose="020B0604030504040204" pitchFamily="34" charset="0"/>
                 <a:cs typeface="Tahoma" panose="020B0604030504040204" pitchFamily="34" charset="0"/>
               </a:rPr>
-              <a:t>ci si riferisce dunque alle risorse di calcolo richieste. I problemi sono classificati in differenti classi di complessità, in base all'efficienza del migliore algoritmo noto in grado di risolvere quello </a:t>
-            </a:r>
-            <a:r>
-              <a:rPr lang="it-IT" sz="2400">
-                <a:solidFill>
-                  <a:schemeClr val="tx1"/>
-                </a:solidFill>
-                <a:latin typeface="Tahoma" panose="020B0604030504040204" pitchFamily="34" charset="0"/>
-                <a:ea typeface="Tahoma" panose="020B0604030504040204" pitchFamily="34" charset="0"/>
-                <a:cs typeface="Tahoma" panose="020B0604030504040204" pitchFamily="34" charset="0"/>
-              </a:rPr>
-              <a:t>specifico </a:t>
-            </a:r>
-            <a:r>
-              <a:rPr lang="it-IT" sz="2400" smtClean="0">
-                <a:solidFill>
-                  <a:schemeClr val="tx1"/>
-                </a:solidFill>
-                <a:latin typeface="Tahoma" panose="020B0604030504040204" pitchFamily="34" charset="0"/>
-                <a:ea typeface="Tahoma" panose="020B0604030504040204" pitchFamily="34" charset="0"/>
-                <a:cs typeface="Tahoma" panose="020B0604030504040204" pitchFamily="34" charset="0"/>
-              </a:rPr>
-              <a:t>problema. </a:t>
+              <a:t>ci si riferisce dunque alle risorse di calcolo richieste. I problemi sono classificati in differenti classi di complessità, in base all'efficienza del migliore algoritmo noto in grado di risolvere quello specifico problema. </a:t>
             </a:r>
           </a:p>
           <a:p>
@@ -6969,27 +6937,8 @@
                 <a:ea typeface="Tahoma" panose="020B0604030504040204" pitchFamily="34" charset="0"/>
                 <a:cs typeface="Tahoma" panose="020B0604030504040204" pitchFamily="34" charset="0"/>
               </a:rPr>
-              <a:t>Una distinzione informale, ma di grande rilievo, è quella posta tra i cosiddetti problemi facili, di cui si conoscono algoritmi di risoluzione efficienti, e difficili, di cui gli unici algoritmi noti non sono efficienti</a:t>
-            </a:r>
-            <a:r>
-              <a:rPr lang="it-IT" sz="2400">
-                <a:solidFill>
-                  <a:schemeClr val="tx1"/>
-                </a:solidFill>
-                <a:latin typeface="Tahoma" panose="020B0604030504040204" pitchFamily="34" charset="0"/>
-                <a:ea typeface="Tahoma" panose="020B0604030504040204" pitchFamily="34" charset="0"/>
-                <a:cs typeface="Tahoma" panose="020B0604030504040204" pitchFamily="34" charset="0"/>
-              </a:rPr>
-              <a:t>. </a:t>
-            </a:r>
-            <a:endParaRPr lang="it-IT" sz="2400">
-              <a:solidFill>
-                <a:schemeClr val="tx1"/>
-              </a:solidFill>
-              <a:latin typeface="Tahoma" panose="020B0604030504040204" pitchFamily="34" charset="0"/>
-              <a:ea typeface="Tahoma" panose="020B0604030504040204" pitchFamily="34" charset="0"/>
-              <a:cs typeface="Tahoma" panose="020B0604030504040204" pitchFamily="34" charset="0"/>
-            </a:endParaRPr>
+              <a:t>Una distinzione informale, ma di grande rilievo, è quella posta tra i cosiddetti problemi facili, di cui si conoscono algoritmi di risoluzione efficienti, e difficili, di cui gli unici algoritmi noti non sono efficienti. </a:t>
+            </a:r>
           </a:p>
         </p:txBody>
       </p:sp>
@@ -7055,7 +7004,7 @@
           <a:lstStyle/>
           <a:p>
             <a:r>
-              <a:rPr lang="it-IT" smtClean="0">
+              <a:rPr lang="it-IT">
                 <a:solidFill>
                   <a:schemeClr val="tx1"/>
                 </a:solidFill>
@@ -7063,18 +7012,7 @@
                 <a:ea typeface="Tahoma" panose="020B0604030504040204" pitchFamily="34" charset="0"/>
                 <a:cs typeface="Tahoma" panose="020B0604030504040204" pitchFamily="34" charset="0"/>
               </a:rPr>
-              <a:t>Complessità </a:t>
-            </a:r>
-            <a:r>
-              <a:rPr lang="it-IT">
-                <a:solidFill>
-                  <a:schemeClr val="tx1"/>
-                </a:solidFill>
-                <a:latin typeface="Tahoma" panose="020B0604030504040204" pitchFamily="34" charset="0"/>
-                <a:ea typeface="Tahoma" panose="020B0604030504040204" pitchFamily="34" charset="0"/>
-                <a:cs typeface="Tahoma" panose="020B0604030504040204" pitchFamily="34" charset="0"/>
-              </a:rPr>
-              <a:t>di algoritmi e problemi</a:t>
+              <a:t>Complessità di algoritmi e problemi</a:t>
             </a:r>
             <a:br>
               <a:rPr lang="it-IT">
@@ -7190,7 +7128,7 @@
               </a:tabLst>
             </a:pPr>
             <a:r>
-              <a:rPr lang="it-IT" sz="2400" smtClean="0">
+              <a:rPr lang="it-IT" sz="2400">
                 <a:solidFill>
                   <a:schemeClr val="tx1"/>
                 </a:solidFill>
@@ -7198,43 +7136,10 @@
                 <a:ea typeface="Tahoma" panose="020B0604030504040204" pitchFamily="34" charset="0"/>
                 <a:cs typeface="Tahoma" panose="020B0604030504040204" pitchFamily="34" charset="0"/>
               </a:rPr>
-              <a:t>Ad </a:t>
-            </a:r>
-            <a:r>
-              <a:rPr lang="it-IT" sz="2400">
-                <a:solidFill>
-                  <a:schemeClr val="tx1"/>
-                </a:solidFill>
-                <a:latin typeface="Tahoma" panose="020B0604030504040204" pitchFamily="34" charset="0"/>
-                <a:ea typeface="Tahoma" panose="020B0604030504040204" pitchFamily="34" charset="0"/>
-                <a:cs typeface="Tahoma" panose="020B0604030504040204" pitchFamily="34" charset="0"/>
-              </a:rPr>
-              <a:t>esempio la maggior </a:t>
-            </a:r>
-            <a:r>
-              <a:rPr lang="it-IT" sz="2400">
-                <a:solidFill>
-                  <a:schemeClr val="tx1"/>
-                </a:solidFill>
-                <a:latin typeface="Tahoma" panose="020B0604030504040204" pitchFamily="34" charset="0"/>
-                <a:ea typeface="Tahoma" panose="020B0604030504040204" pitchFamily="34" charset="0"/>
-                <a:cs typeface="Tahoma" panose="020B0604030504040204" pitchFamily="34" charset="0"/>
-              </a:rPr>
-              <a:t>parte </a:t>
-            </a:r>
-            <a:r>
-              <a:rPr lang="it-IT" sz="2400" smtClean="0">
-                <a:solidFill>
-                  <a:schemeClr val="tx1"/>
-                </a:solidFill>
-                <a:latin typeface="Tahoma" panose="020B0604030504040204" pitchFamily="34" charset="0"/>
-                <a:ea typeface="Tahoma" panose="020B0604030504040204" pitchFamily="34" charset="0"/>
-                <a:cs typeface="Tahoma" panose="020B0604030504040204" pitchFamily="34" charset="0"/>
-              </a:rPr>
-              <a:t>della </a:t>
-            </a:r>
-            <a:r>
-              <a:rPr lang="it-IT" sz="2400" b="1" smtClean="0">
+              <a:t>Ad esempio la maggior parte della </a:t>
+            </a:r>
+            <a:r>
+              <a:rPr lang="it-IT" sz="2400" b="1">
                 <a:solidFill>
                   <a:schemeClr val="tx1"/>
                 </a:solidFill>
@@ -7245,7 +7150,7 @@
               <a:t>crittografia</a:t>
             </a:r>
             <a:r>
-              <a:rPr lang="it-IT" sz="2400" smtClean="0">
+              <a:rPr lang="it-IT" sz="2400">
                 <a:solidFill>
                   <a:schemeClr val="tx1"/>
                 </a:solidFill>
@@ -7253,40 +7158,7 @@
                 <a:ea typeface="Tahoma" panose="020B0604030504040204" pitchFamily="34" charset="0"/>
                 <a:cs typeface="Tahoma" panose="020B0604030504040204" pitchFamily="34" charset="0"/>
               </a:rPr>
-              <a:t> moderna </a:t>
-            </a:r>
-            <a:r>
-              <a:rPr lang="it-IT" sz="2400">
-                <a:solidFill>
-                  <a:schemeClr val="tx1"/>
-                </a:solidFill>
-                <a:latin typeface="Tahoma" panose="020B0604030504040204" pitchFamily="34" charset="0"/>
-                <a:ea typeface="Tahoma" panose="020B0604030504040204" pitchFamily="34" charset="0"/>
-                <a:cs typeface="Tahoma" panose="020B0604030504040204" pitchFamily="34" charset="0"/>
-              </a:rPr>
-              <a:t>si fonda sull'esistenza di problemi </a:t>
-            </a:r>
-            <a:r>
-              <a:rPr lang="it-IT" sz="2400">
-                <a:solidFill>
-                  <a:schemeClr val="tx1"/>
-                </a:solidFill>
-                <a:latin typeface="Tahoma" panose="020B0604030504040204" pitchFamily="34" charset="0"/>
-                <a:ea typeface="Tahoma" panose="020B0604030504040204" pitchFamily="34" charset="0"/>
-                <a:cs typeface="Tahoma" panose="020B0604030504040204" pitchFamily="34" charset="0"/>
-              </a:rPr>
-              <a:t>ritenuti </a:t>
-            </a:r>
-            <a:r>
-              <a:rPr lang="it-IT" sz="2400" smtClean="0">
-                <a:solidFill>
-                  <a:schemeClr val="tx1"/>
-                </a:solidFill>
-                <a:latin typeface="Tahoma" panose="020B0604030504040204" pitchFamily="34" charset="0"/>
-                <a:ea typeface="Tahoma" panose="020B0604030504040204" pitchFamily="34" charset="0"/>
-                <a:cs typeface="Tahoma" panose="020B0604030504040204" pitchFamily="34" charset="0"/>
-              </a:rPr>
-              <a:t>difficili. </a:t>
+              <a:t> moderna si fonda sull'esistenza di problemi ritenuti difficili. </a:t>
             </a:r>
           </a:p>
           <a:p>
@@ -7304,7 +7176,7 @@
               </a:tabLst>
             </a:pPr>
             <a:r>
-              <a:rPr lang="it-IT" sz="2400" smtClean="0">
+              <a:rPr lang="it-IT" sz="2400">
                 <a:solidFill>
                   <a:schemeClr val="tx1"/>
                 </a:solidFill>
@@ -7312,18 +7184,7 @@
                 <a:ea typeface="Tahoma" panose="020B0604030504040204" pitchFamily="34" charset="0"/>
                 <a:cs typeface="Tahoma" panose="020B0604030504040204" pitchFamily="34" charset="0"/>
               </a:rPr>
-              <a:t>Ha </a:t>
-            </a:r>
-            <a:r>
-              <a:rPr lang="it-IT" sz="2400">
-                <a:solidFill>
-                  <a:schemeClr val="tx1"/>
-                </a:solidFill>
-                <a:latin typeface="Tahoma" panose="020B0604030504040204" pitchFamily="34" charset="0"/>
-                <a:ea typeface="Tahoma" panose="020B0604030504040204" pitchFamily="34" charset="0"/>
-                <a:cs typeface="Tahoma" panose="020B0604030504040204" pitchFamily="34" charset="0"/>
-              </a:rPr>
-              <a:t>enorme rilevanza lo studio di tali problemi, poiché, qualora si dimostrasse l'esistenza di un </a:t>
+              <a:t>Ha enorme rilevanza lo studio di tali problemi, poiché, qualora si dimostrasse l'esistenza di un </a:t>
             </a:r>
             <a:r>
               <a:rPr lang="it-IT" sz="2400" b="1">
@@ -7345,27 +7206,8 @@
                 <a:ea typeface="Tahoma" panose="020B0604030504040204" pitchFamily="34" charset="0"/>
                 <a:cs typeface="Tahoma" panose="020B0604030504040204" pitchFamily="34" charset="0"/>
               </a:rPr>
-              <a:t> per un problema ritenuto difficile, i sistemi crittografici basati su di esso non sarebbero più sicuri</a:t>
-            </a:r>
-            <a:r>
-              <a:rPr lang="it-IT" sz="2400">
-                <a:solidFill>
-                  <a:schemeClr val="tx1"/>
-                </a:solidFill>
-                <a:latin typeface="Tahoma" panose="020B0604030504040204" pitchFamily="34" charset="0"/>
-                <a:ea typeface="Tahoma" panose="020B0604030504040204" pitchFamily="34" charset="0"/>
-                <a:cs typeface="Tahoma" panose="020B0604030504040204" pitchFamily="34" charset="0"/>
-              </a:rPr>
-              <a:t>. </a:t>
-            </a:r>
-            <a:endParaRPr lang="it-IT" sz="2400" smtClean="0">
-              <a:solidFill>
-                <a:schemeClr val="tx1"/>
-              </a:solidFill>
-              <a:latin typeface="Tahoma" panose="020B0604030504040204" pitchFamily="34" charset="0"/>
-              <a:ea typeface="Tahoma" panose="020B0604030504040204" pitchFamily="34" charset="0"/>
-              <a:cs typeface="Tahoma" panose="020B0604030504040204" pitchFamily="34" charset="0"/>
-            </a:endParaRPr>
+              <a:t> per un problema ritenuto difficile, i sistemi crittografici basati su di esso non sarebbero più sicuri. </a:t>
+            </a:r>
           </a:p>
           <a:p>
             <a:pPr marL="342900" indent="-342900" algn="just">
@@ -7478,27 +7320,8 @@
                 <a:ea typeface="Tahoma" panose="020B0604030504040204" pitchFamily="34" charset="0"/>
                 <a:cs typeface="Tahoma" panose="020B0604030504040204" pitchFamily="34" charset="0"/>
               </a:rPr>
-              <a:t> di elaborazione</a:t>
-            </a:r>
-            <a:r>
-              <a:rPr lang="it-IT" sz="2400">
-                <a:solidFill>
-                  <a:schemeClr val="tx1"/>
-                </a:solidFill>
-                <a:latin typeface="Tahoma" panose="020B0604030504040204" pitchFamily="34" charset="0"/>
-                <a:ea typeface="Tahoma" panose="020B0604030504040204" pitchFamily="34" charset="0"/>
-                <a:cs typeface="Tahoma" panose="020B0604030504040204" pitchFamily="34" charset="0"/>
-              </a:rPr>
-              <a:t>. </a:t>
-            </a:r>
-            <a:endParaRPr lang="it-IT" sz="2400">
-              <a:solidFill>
-                <a:schemeClr val="tx1"/>
-              </a:solidFill>
-              <a:latin typeface="Tahoma" panose="020B0604030504040204" pitchFamily="34" charset="0"/>
-              <a:ea typeface="Tahoma" panose="020B0604030504040204" pitchFamily="34" charset="0"/>
-              <a:cs typeface="Tahoma" panose="020B0604030504040204" pitchFamily="34" charset="0"/>
-            </a:endParaRPr>
+              <a:t> di elaborazione. </a:t>
+            </a:r>
           </a:p>
         </p:txBody>
       </p:sp>
@@ -7678,7 +7501,7 @@
               </a:tabLst>
             </a:pPr>
             <a:r>
-              <a:rPr lang="it-IT" sz="2400" b="1" smtClean="0">
+              <a:rPr lang="it-IT" sz="2400" b="1">
                 <a:solidFill>
                   <a:schemeClr val="tx1"/>
                 </a:solidFill>
@@ -7689,7 +7512,7 @@
               <a:t>Complessità spaziale:</a:t>
             </a:r>
             <a:r>
-              <a:rPr lang="it-IT" sz="2400" smtClean="0">
+              <a:rPr lang="it-IT" sz="2400">
                 <a:solidFill>
                   <a:schemeClr val="tx1"/>
                 </a:solidFill>
@@ -7697,40 +7520,7 @@
                 <a:ea typeface="Tahoma" panose="020B0604030504040204" pitchFamily="34" charset="0"/>
                 <a:cs typeface="Tahoma" panose="020B0604030504040204" pitchFamily="34" charset="0"/>
               </a:rPr>
-              <a:t> riguarda l'utilizzo </a:t>
-            </a:r>
-            <a:r>
-              <a:rPr lang="it-IT" sz="2400">
-                <a:solidFill>
-                  <a:schemeClr val="tx1"/>
-                </a:solidFill>
-                <a:latin typeface="Tahoma" panose="020B0604030504040204" pitchFamily="34" charset="0"/>
-                <a:ea typeface="Tahoma" panose="020B0604030504040204" pitchFamily="34" charset="0"/>
-                <a:cs typeface="Tahoma" panose="020B0604030504040204" pitchFamily="34" charset="0"/>
-              </a:rPr>
-              <a:t>delle risorse da parte di </a:t>
-            </a:r>
-            <a:r>
-              <a:rPr lang="it-IT" sz="2400">
-                <a:solidFill>
-                  <a:schemeClr val="tx1"/>
-                </a:solidFill>
-                <a:latin typeface="Tahoma" panose="020B0604030504040204" pitchFamily="34" charset="0"/>
-                <a:ea typeface="Tahoma" panose="020B0604030504040204" pitchFamily="34" charset="0"/>
-                <a:cs typeface="Tahoma" panose="020B0604030504040204" pitchFamily="34" charset="0"/>
-              </a:rPr>
-              <a:t>un </a:t>
-            </a:r>
-            <a:r>
-              <a:rPr lang="it-IT" sz="2400" smtClean="0">
-                <a:solidFill>
-                  <a:schemeClr val="tx1"/>
-                </a:solidFill>
-                <a:latin typeface="Tahoma" panose="020B0604030504040204" pitchFamily="34" charset="0"/>
-                <a:ea typeface="Tahoma" panose="020B0604030504040204" pitchFamily="34" charset="0"/>
-                <a:cs typeface="Tahoma" panose="020B0604030504040204" pitchFamily="34" charset="0"/>
-              </a:rPr>
-              <a:t>programma.</a:t>
+              <a:t> riguarda l'utilizzo delle risorse da parte di un programma.</a:t>
             </a:r>
           </a:p>
           <a:p>
@@ -7748,7 +7538,7 @@
               </a:tabLst>
             </a:pPr>
             <a:r>
-              <a:rPr lang="it-IT" sz="2400" b="1" smtClean="0">
+              <a:rPr lang="it-IT" sz="2400" b="1">
                 <a:solidFill>
                   <a:schemeClr val="tx1"/>
                 </a:solidFill>
@@ -7759,7 +7549,7 @@
               <a:t>Complessità temporale:</a:t>
             </a:r>
             <a:r>
-              <a:rPr lang="it-IT" sz="2400" smtClean="0">
+              <a:rPr lang="it-IT" sz="2400">
                 <a:solidFill>
                   <a:schemeClr val="tx1"/>
                 </a:solidFill>
@@ -7767,40 +7557,7 @@
                 <a:ea typeface="Tahoma" panose="020B0604030504040204" pitchFamily="34" charset="0"/>
                 <a:cs typeface="Tahoma" panose="020B0604030504040204" pitchFamily="34" charset="0"/>
               </a:rPr>
-              <a:t> riguarda il </a:t>
-            </a:r>
-            <a:r>
-              <a:rPr lang="it-IT" sz="2400">
-                <a:solidFill>
-                  <a:schemeClr val="tx1"/>
-                </a:solidFill>
-                <a:latin typeface="Tahoma" panose="020B0604030504040204" pitchFamily="34" charset="0"/>
-                <a:ea typeface="Tahoma" panose="020B0604030504040204" pitchFamily="34" charset="0"/>
-                <a:cs typeface="Tahoma" panose="020B0604030504040204" pitchFamily="34" charset="0"/>
-              </a:rPr>
-              <a:t>tempo di esecuzione di </a:t>
-            </a:r>
-            <a:r>
-              <a:rPr lang="it-IT" sz="2400">
-                <a:solidFill>
-                  <a:schemeClr val="tx1"/>
-                </a:solidFill>
-                <a:latin typeface="Tahoma" panose="020B0604030504040204" pitchFamily="34" charset="0"/>
-                <a:ea typeface="Tahoma" panose="020B0604030504040204" pitchFamily="34" charset="0"/>
-                <a:cs typeface="Tahoma" panose="020B0604030504040204" pitchFamily="34" charset="0"/>
-              </a:rPr>
-              <a:t>un </a:t>
-            </a:r>
-            <a:r>
-              <a:rPr lang="it-IT" sz="2400" smtClean="0">
-                <a:solidFill>
-                  <a:schemeClr val="tx1"/>
-                </a:solidFill>
-                <a:latin typeface="Tahoma" panose="020B0604030504040204" pitchFamily="34" charset="0"/>
-                <a:ea typeface="Tahoma" panose="020B0604030504040204" pitchFamily="34" charset="0"/>
-                <a:cs typeface="Tahoma" panose="020B0604030504040204" pitchFamily="34" charset="0"/>
-              </a:rPr>
-              <a:t>programma.</a:t>
+              <a:t> riguarda il tempo di esecuzione di un programma.</a:t>
             </a:r>
           </a:p>
           <a:p>
@@ -7818,7 +7575,7 @@
               </a:tabLst>
             </a:pPr>
             <a:r>
-              <a:rPr lang="it-IT" sz="2400" smtClean="0">
+              <a:rPr lang="it-IT" sz="2400">
                 <a:solidFill>
                   <a:schemeClr val="tx1"/>
                 </a:solidFill>
@@ -7826,10 +7583,10 @@
                 <a:ea typeface="Tahoma" panose="020B0604030504040204" pitchFamily="34" charset="0"/>
                 <a:cs typeface="Tahoma" panose="020B0604030504040204" pitchFamily="34" charset="0"/>
               </a:rPr>
-              <a:t>Nello </a:t>
-            </a:r>
-            <a:r>
-              <a:rPr lang="it-IT" sz="2400">
+              <a:t>Nello sviluppo di un algoritmo è particolarmente importante la complessità temporale. La </a:t>
+            </a:r>
+            <a:r>
+              <a:rPr lang="it-IT" sz="2400" b="1">
                 <a:solidFill>
                   <a:schemeClr val="tx1"/>
                 </a:solidFill>
@@ -7837,7 +7594,7 @@
                 <a:ea typeface="Tahoma" panose="020B0604030504040204" pitchFamily="34" charset="0"/>
                 <a:cs typeface="Tahoma" panose="020B0604030504040204" pitchFamily="34" charset="0"/>
               </a:rPr>
-              <a:t>sviluppo di un algoritmo è particolarmente importante la complessità </a:t>
+              <a:t>complessità spaziale</a:t>
             </a:r>
             <a:r>
               <a:rPr lang="it-IT" sz="2400">
@@ -7848,73 +7605,7 @@
                 <a:ea typeface="Tahoma" panose="020B0604030504040204" pitchFamily="34" charset="0"/>
                 <a:cs typeface="Tahoma" panose="020B0604030504040204" pitchFamily="34" charset="0"/>
               </a:rPr>
-              <a:t>temporale</a:t>
-            </a:r>
-            <a:r>
-              <a:rPr lang="it-IT" sz="2400" smtClean="0">
-                <a:solidFill>
-                  <a:schemeClr val="tx1"/>
-                </a:solidFill>
-                <a:latin typeface="Tahoma" panose="020B0604030504040204" pitchFamily="34" charset="0"/>
-                <a:ea typeface="Tahoma" panose="020B0604030504040204" pitchFamily="34" charset="0"/>
-                <a:cs typeface="Tahoma" panose="020B0604030504040204" pitchFamily="34" charset="0"/>
-              </a:rPr>
-              <a:t>. La </a:t>
-            </a:r>
-            <a:r>
-              <a:rPr lang="it-IT" sz="2400" b="1">
-                <a:solidFill>
-                  <a:schemeClr val="tx1"/>
-                </a:solidFill>
-                <a:latin typeface="Tahoma" panose="020B0604030504040204" pitchFamily="34" charset="0"/>
-                <a:ea typeface="Tahoma" panose="020B0604030504040204" pitchFamily="34" charset="0"/>
-                <a:cs typeface="Tahoma" panose="020B0604030504040204" pitchFamily="34" charset="0"/>
-              </a:rPr>
-              <a:t>complessità </a:t>
-            </a:r>
-            <a:r>
-              <a:rPr lang="it-IT" sz="2400" b="1">
-                <a:solidFill>
-                  <a:schemeClr val="tx1"/>
-                </a:solidFill>
-                <a:latin typeface="Tahoma" panose="020B0604030504040204" pitchFamily="34" charset="0"/>
-                <a:ea typeface="Tahoma" panose="020B0604030504040204" pitchFamily="34" charset="0"/>
-                <a:cs typeface="Tahoma" panose="020B0604030504040204" pitchFamily="34" charset="0"/>
-              </a:rPr>
-              <a:t>spaziale</a:t>
-            </a:r>
-            <a:r>
-              <a:rPr lang="it-IT" sz="2400">
-                <a:solidFill>
-                  <a:schemeClr val="tx1"/>
-                </a:solidFill>
-                <a:latin typeface="Tahoma" panose="020B0604030504040204" pitchFamily="34" charset="0"/>
-                <a:ea typeface="Tahoma" panose="020B0604030504040204" pitchFamily="34" charset="0"/>
-                <a:cs typeface="Tahoma" panose="020B0604030504040204" pitchFamily="34" charset="0"/>
-              </a:rPr>
-              <a:t> </a:t>
-            </a:r>
-            <a:r>
-              <a:rPr lang="it-IT" sz="2400" smtClean="0">
-                <a:solidFill>
-                  <a:schemeClr val="tx1"/>
-                </a:solidFill>
-                <a:latin typeface="Tahoma" panose="020B0604030504040204" pitchFamily="34" charset="0"/>
-                <a:ea typeface="Tahoma" panose="020B0604030504040204" pitchFamily="34" charset="0"/>
-                <a:cs typeface="Tahoma" panose="020B0604030504040204" pitchFamily="34" charset="0"/>
-              </a:rPr>
-              <a:t>è meno importante, in quanto spesso </a:t>
-            </a:r>
-            <a:r>
-              <a:rPr lang="it-IT" sz="2400">
-                <a:solidFill>
-                  <a:schemeClr val="tx1"/>
-                </a:solidFill>
-                <a:latin typeface="Tahoma" panose="020B0604030504040204" pitchFamily="34" charset="0"/>
-                <a:ea typeface="Tahoma" panose="020B0604030504040204" pitchFamily="34" charset="0"/>
-                <a:cs typeface="Tahoma" panose="020B0604030504040204" pitchFamily="34" charset="0"/>
-              </a:rPr>
-              <a:t>compensata dai progressi tecnologici sui componenti hardware del computer ( es. hard disk e memorie ram più capienti ).</a:t>
+              <a:t> è meno importante, in quanto spesso compensata dai progressi tecnologici sui componenti hardware del computer ( es. hard disk e memorie ram più capienti ).</a:t>
             </a:r>
           </a:p>
           <a:p>
@@ -8080,6 +7771,249 @@
       </p:grpSpPr>
       <p:sp>
         <p:nvSpPr>
+          <p:cNvPr id="2" name="Segnaposto testo 1">
+            <a:extLst>
+              <a:ext uri="{FF2B5EF4-FFF2-40B4-BE49-F238E27FC236}">
+                <a16:creationId xmlns:a16="http://schemas.microsoft.com/office/drawing/2014/main" id="{E5AE986C-196F-4141-A898-FA4C4198CDCC}"/>
+              </a:ext>
+            </a:extLst>
+          </p:cNvPr>
+          <p:cNvSpPr>
+            <a:spLocks noGrp="1"/>
+          </p:cNvSpPr>
+          <p:nvPr>
+            <p:ph type="body" idx="1"/>
+          </p:nvPr>
+        </p:nvSpPr>
+        <p:spPr>
+          <a:xfrm>
+            <a:off x="326297" y="1213805"/>
+            <a:ext cx="11269662" cy="4764963"/>
+          </a:xfrm>
+        </p:spPr>
+        <p:txBody>
+          <a:bodyPr/>
+          <a:lstStyle/>
+          <a:p>
+            <a:pPr marL="342900" indent="-342900" algn="just">
+              <a:lnSpc>
+                <a:spcPct val="115000"/>
+              </a:lnSpc>
+              <a:spcBef>
+                <a:spcPts val="2400"/>
+              </a:spcBef>
+              <a:buFont typeface="Wingdings" panose="05000000000000000000" pitchFamily="2" charset="2"/>
+              <a:buChar char="ü"/>
+              <a:tabLst>
+                <a:tab pos="457200" algn="l"/>
+              </a:tabLst>
+            </a:pPr>
+            <a:r>
+              <a:rPr lang="it-IT" sz="2400" b="0" i="0">
+                <a:solidFill>
+                  <a:srgbClr val="000000"/>
+                </a:solidFill>
+                <a:effectLst/>
+                <a:latin typeface="Verdana" panose="020B0604030504040204" pitchFamily="34" charset="0"/>
+              </a:rPr>
+              <a:t>La </a:t>
+            </a:r>
+            <a:r>
+              <a:rPr lang="it-IT" sz="2400" b="1" i="0">
+                <a:solidFill>
+                  <a:srgbClr val="000000"/>
+                </a:solidFill>
+                <a:effectLst/>
+                <a:latin typeface="Verdana" panose="020B0604030504040204" pitchFamily="34" charset="0"/>
+              </a:rPr>
+              <a:t>complessità temporale</a:t>
+            </a:r>
+            <a:r>
+              <a:rPr lang="it-IT" sz="2400" b="0" i="0">
+                <a:solidFill>
+                  <a:srgbClr val="000000"/>
+                </a:solidFill>
+                <a:effectLst/>
+                <a:latin typeface="Verdana" panose="020B0604030504040204" pitchFamily="34" charset="0"/>
+              </a:rPr>
+              <a:t> cresce al crescere della </a:t>
+            </a:r>
+            <a:r>
+              <a:rPr lang="it-IT" sz="2400" b="1" i="0">
+                <a:solidFill>
+                  <a:srgbClr val="000000"/>
+                </a:solidFill>
+                <a:effectLst/>
+                <a:latin typeface="Verdana" panose="020B0604030504040204" pitchFamily="34" charset="0"/>
+              </a:rPr>
+              <a:t>dimensione n dei dati in input</a:t>
+            </a:r>
+            <a:r>
+              <a:rPr lang="it-IT" sz="2400" b="0" i="0">
+                <a:solidFill>
+                  <a:srgbClr val="000000"/>
+                </a:solidFill>
+                <a:effectLst/>
+                <a:latin typeface="Verdana" panose="020B0604030504040204" pitchFamily="34" charset="0"/>
+              </a:rPr>
+              <a:t>. Per dimensione dell'input intendiamo la quantità dei dati in input di un algoritmo.</a:t>
+            </a:r>
+          </a:p>
+          <a:p>
+            <a:pPr marL="342900" indent="-342900" algn="just">
+              <a:lnSpc>
+                <a:spcPct val="115000"/>
+              </a:lnSpc>
+              <a:spcBef>
+                <a:spcPts val="2400"/>
+              </a:spcBef>
+              <a:buFont typeface="Wingdings" panose="05000000000000000000" pitchFamily="2" charset="2"/>
+              <a:buChar char="ü"/>
+              <a:tabLst>
+                <a:tab pos="457200" algn="l"/>
+              </a:tabLst>
+            </a:pPr>
+            <a:r>
+              <a:rPr lang="it-IT" sz="2400" b="0" i="0">
+                <a:solidFill>
+                  <a:srgbClr val="000000"/>
+                </a:solidFill>
+                <a:effectLst/>
+                <a:latin typeface="Verdana" panose="020B0604030504040204" pitchFamily="34" charset="0"/>
+              </a:rPr>
+              <a:t>Il</a:t>
+            </a:r>
+            <a:r>
+              <a:rPr lang="it-IT" sz="2400" b="1" i="0">
+                <a:solidFill>
+                  <a:srgbClr val="000000"/>
+                </a:solidFill>
+                <a:effectLst/>
+                <a:latin typeface="Verdana" panose="020B0604030504040204" pitchFamily="34" charset="0"/>
+              </a:rPr>
+              <a:t> tempo di esecuzione</a:t>
+            </a:r>
+            <a:r>
+              <a:rPr lang="it-IT" sz="2400" b="0" i="0">
+                <a:solidFill>
+                  <a:srgbClr val="000000"/>
+                </a:solidFill>
+                <a:effectLst/>
+                <a:latin typeface="Verdana" panose="020B0604030504040204" pitchFamily="34" charset="0"/>
+              </a:rPr>
+              <a:t> di un algoritmo è strettamente legato al funzionamento di un algoritmo. Per </a:t>
+            </a:r>
+            <a:r>
+              <a:rPr lang="it-IT" sz="2400" b="1" i="0">
+                <a:solidFill>
+                  <a:srgbClr val="000000"/>
+                </a:solidFill>
+                <a:effectLst/>
+                <a:latin typeface="Verdana" panose="020B0604030504040204" pitchFamily="34" charset="0"/>
+              </a:rPr>
+              <a:t>raggiungere</a:t>
+            </a:r>
+            <a:r>
+              <a:rPr lang="it-IT" sz="2400" b="0" i="0">
+                <a:solidFill>
+                  <a:srgbClr val="000000"/>
+                </a:solidFill>
+                <a:effectLst/>
+                <a:latin typeface="Verdana" panose="020B0604030504040204" pitchFamily="34" charset="0"/>
+              </a:rPr>
+              <a:t> </a:t>
+            </a:r>
+            <a:r>
+              <a:rPr lang="it-IT" sz="2400" b="1" i="0">
+                <a:solidFill>
+                  <a:srgbClr val="000000"/>
+                </a:solidFill>
+                <a:effectLst/>
+                <a:latin typeface="Verdana" panose="020B0604030504040204" pitchFamily="34" charset="0"/>
+              </a:rPr>
+              <a:t>un</a:t>
+            </a:r>
+            <a:r>
+              <a:rPr lang="it-IT" sz="2400" b="0" i="0">
+                <a:solidFill>
+                  <a:srgbClr val="000000"/>
+                </a:solidFill>
+                <a:effectLst/>
+                <a:latin typeface="Verdana" panose="020B0604030504040204" pitchFamily="34" charset="0"/>
+              </a:rPr>
+              <a:t> </a:t>
+            </a:r>
+            <a:r>
+              <a:rPr lang="it-IT" sz="2400" b="1" i="0">
+                <a:solidFill>
+                  <a:srgbClr val="000000"/>
+                </a:solidFill>
+                <a:effectLst/>
+                <a:latin typeface="Verdana" panose="020B0604030504040204" pitchFamily="34" charset="0"/>
+              </a:rPr>
+              <a:t>obiettivo</a:t>
+            </a:r>
+            <a:r>
+              <a:rPr lang="it-IT" sz="2400" b="0" i="0">
+                <a:solidFill>
+                  <a:srgbClr val="000000"/>
+                </a:solidFill>
+                <a:effectLst/>
+                <a:latin typeface="Verdana" panose="020B0604030504040204" pitchFamily="34" charset="0"/>
+              </a:rPr>
+              <a:t> esistono algoritmo più efficienti di altri.</a:t>
+            </a:r>
+          </a:p>
+          <a:p>
+            <a:pPr marL="342900" indent="-342900" algn="just">
+              <a:lnSpc>
+                <a:spcPct val="115000"/>
+              </a:lnSpc>
+              <a:spcBef>
+                <a:spcPts val="2400"/>
+              </a:spcBef>
+              <a:buFont typeface="Wingdings" panose="05000000000000000000" pitchFamily="2" charset="2"/>
+              <a:buChar char="ü"/>
+              <a:tabLst>
+                <a:tab pos="457200" algn="l"/>
+              </a:tabLst>
+            </a:pPr>
+            <a:endParaRPr lang="it-IT" sz="2400">
+              <a:solidFill>
+                <a:schemeClr val="tx1"/>
+              </a:solidFill>
+              <a:latin typeface="Tahoma" panose="020B0604030504040204" pitchFamily="34" charset="0"/>
+              <a:ea typeface="Tahoma" panose="020B0604030504040204" pitchFamily="34" charset="0"/>
+              <a:cs typeface="Tahoma" panose="020B0604030504040204" pitchFamily="34" charset="0"/>
+            </a:endParaRPr>
+          </a:p>
+          <a:p>
+            <a:pPr marL="342900" indent="-342900" algn="just">
+              <a:lnSpc>
+                <a:spcPct val="115000"/>
+              </a:lnSpc>
+              <a:spcBef>
+                <a:spcPts val="2400"/>
+              </a:spcBef>
+              <a:buFont typeface="Wingdings" panose="05000000000000000000" pitchFamily="2" charset="2"/>
+              <a:buChar char="ü"/>
+              <a:tabLst>
+                <a:tab pos="457200" algn="l"/>
+              </a:tabLst>
+            </a:pPr>
+            <a:endParaRPr lang="it-IT" sz="2400">
+              <a:solidFill>
+                <a:schemeClr val="tx1"/>
+              </a:solidFill>
+              <a:latin typeface="Tahoma" panose="020B0604030504040204" pitchFamily="34" charset="0"/>
+              <a:ea typeface="Tahoma" panose="020B0604030504040204" pitchFamily="34" charset="0"/>
+              <a:cs typeface="Tahoma" panose="020B0604030504040204" pitchFamily="34" charset="0"/>
+            </a:endParaRPr>
+          </a:p>
+        </p:txBody>
+      </p:sp>
+      <p:sp>
+        <p:nvSpPr>
           <p:cNvPr id="7" name="Segnaposto numero diapositiva 6">
             <a:extLst>
               <a:ext uri="{FF2B5EF4-FFF2-40B4-BE49-F238E27FC236}">
@@ -8108,6 +8042,142 @@
                 <a:defRPr/>
               </a:pPr>
               <a:t>5</a:t>
+            </a:fld>
+            <a:endParaRPr lang="en-US" dirty="0"/>
+          </a:p>
+        </p:txBody>
+      </p:sp>
+      <p:sp>
+        <p:nvSpPr>
+          <p:cNvPr id="6" name="Titolo 4">
+            <a:extLst>
+              <a:ext uri="{FF2B5EF4-FFF2-40B4-BE49-F238E27FC236}">
+                <a16:creationId xmlns:a16="http://schemas.microsoft.com/office/drawing/2014/main" id="{CF9A4806-60B4-80DC-1F76-D2EB3E6C376B}"/>
+              </a:ext>
+            </a:extLst>
+          </p:cNvPr>
+          <p:cNvSpPr>
+            <a:spLocks noGrp="1"/>
+          </p:cNvSpPr>
+          <p:nvPr>
+            <p:ph type="title"/>
+          </p:nvPr>
+        </p:nvSpPr>
+        <p:spPr>
+          <a:xfrm>
+            <a:off x="397304" y="410627"/>
+            <a:ext cx="11269662" cy="384721"/>
+          </a:xfrm>
+        </p:spPr>
+        <p:txBody>
+          <a:bodyPr/>
+          <a:lstStyle/>
+          <a:p>
+            <a:r>
+              <a:rPr lang="it-IT">
+                <a:solidFill>
+                  <a:schemeClr val="tx1"/>
+                </a:solidFill>
+                <a:latin typeface="Tahoma" panose="020B0604030504040204" pitchFamily="34" charset="0"/>
+                <a:ea typeface="Tahoma" panose="020B0604030504040204" pitchFamily="34" charset="0"/>
+                <a:cs typeface="Tahoma" panose="020B0604030504040204" pitchFamily="34" charset="0"/>
+              </a:rPr>
+              <a:t>Complessità Temporale</a:t>
+            </a:r>
+            <a:endParaRPr lang="it-IT" dirty="0"/>
+          </a:p>
+        </p:txBody>
+      </p:sp>
+      <p:pic>
+        <p:nvPicPr>
+          <p:cNvPr id="5" name="Immagine 4" descr="Immagine che contiene diagramma&#10;&#10;Descrizione generata automaticamente">
+            <a:extLst>
+              <a:ext uri="{FF2B5EF4-FFF2-40B4-BE49-F238E27FC236}">
+                <a16:creationId xmlns:a16="http://schemas.microsoft.com/office/drawing/2014/main" id="{FC3B4118-5EFA-0A78-5CF5-CD5136CE6180}"/>
+              </a:ext>
+            </a:extLst>
+          </p:cNvPr>
+          <p:cNvPicPr>
+            <a:picLocks noChangeAspect="1"/>
+          </p:cNvPicPr>
+          <p:nvPr/>
+        </p:nvPicPr>
+        <p:blipFill>
+          <a:blip r:embed="rId2"/>
+          <a:stretch>
+            <a:fillRect/>
+          </a:stretch>
+        </p:blipFill>
+        <p:spPr>
+          <a:xfrm>
+            <a:off x="1067030" y="4163296"/>
+            <a:ext cx="10057939" cy="2694704"/>
+          </a:xfrm>
+          <a:prstGeom prst="rect">
+            <a:avLst/>
+          </a:prstGeom>
+        </p:spPr>
+      </p:pic>
+    </p:spTree>
+    <p:extLst>
+      <p:ext uri="{BB962C8B-B14F-4D97-AF65-F5344CB8AC3E}">
+        <p14:creationId xmlns:p14="http://schemas.microsoft.com/office/powerpoint/2010/main" val="966790899"/>
+      </p:ext>
+    </p:extLst>
+  </p:cSld>
+  <p:clrMapOvr>
+    <a:masterClrMapping/>
+  </p:clrMapOvr>
+</p:sld>
+</file>
+
+<file path=ppt/slides/slide6.xml><?xml version="1.0" encoding="utf-8"?>
+<p:sld xmlns:a="http://schemas.openxmlformats.org/drawingml/2006/main" xmlns:r="http://schemas.openxmlformats.org/officeDocument/2006/relationships" xmlns:p="http://schemas.openxmlformats.org/presentationml/2006/main">
+  <p:cSld>
+    <p:spTree>
+      <p:nvGrpSpPr>
+        <p:cNvPr id="1" name=""/>
+        <p:cNvGrpSpPr/>
+        <p:nvPr/>
+      </p:nvGrpSpPr>
+      <p:grpSpPr>
+        <a:xfrm>
+          <a:off x="0" y="0"/>
+          <a:ext cx="0" cy="0"/>
+          <a:chOff x="0" y="0"/>
+          <a:chExt cx="0" cy="0"/>
+        </a:xfrm>
+      </p:grpSpPr>
+      <p:sp>
+        <p:nvSpPr>
+          <p:cNvPr id="7" name="Segnaposto numero diapositiva 6">
+            <a:extLst>
+              <a:ext uri="{FF2B5EF4-FFF2-40B4-BE49-F238E27FC236}">
+                <a16:creationId xmlns:a16="http://schemas.microsoft.com/office/drawing/2014/main" id="{AB740BE9-E218-4144-BFDE-AE473D230A3D}"/>
+              </a:ext>
+            </a:extLst>
+          </p:cNvPr>
+          <p:cNvSpPr>
+            <a:spLocks noGrp="1"/>
+          </p:cNvSpPr>
+          <p:nvPr>
+            <p:ph type="sldNum" sz="quarter" idx="12"/>
+          </p:nvPr>
+        </p:nvSpPr>
+        <p:spPr/>
+        <p:txBody>
+          <a:bodyPr/>
+          <a:lstStyle/>
+          <a:p>
+            <a:pPr>
+              <a:defRPr/>
+            </a:pPr>
+            <a:fld id="{48B4153A-D4C5-4CEF-8992-0D8815C829E3}" type="slidenum">
+              <a:rPr lang="en-US" smtClean="0"/>
+              <a:pPr>
+                <a:defRPr/>
+              </a:pPr>
+              <a:t>6</a:t>
             </a:fld>
             <a:endParaRPr lang="en-US" dirty="0"/>
           </a:p>
@@ -8814,6 +8884,79 @@
 </file>
 
 <file path=customXml/item1.xml><?xml version="1.0" encoding="utf-8"?>
+<p:properties xmlns:p="http://schemas.microsoft.com/office/2006/metadata/properties" xmlns:xsi="http://www.w3.org/2001/XMLSchema-instance" xmlns:pc="http://schemas.microsoft.com/office/infopath/2007/PartnerControls">
+  <documentManagement>
+    <SottoCategoria xmlns="679261c3-551f-4e86-913f-177e0e529669">-</SottoCategoria>
+    <Categoria xmlns="c58f2efd-82a8-4ecf-b395-8c25e928921d">Power Point</Categoria>
+    <_dlc_DocId xmlns="459159c4-d20a-4ff3-9b11-fbd127bd52e5">INTRANET-14-158</_dlc_DocId>
+    <_dlc_DocIdUrl xmlns="459159c4-d20a-4ff3-9b11-fbd127bd52e5">
+      <Url>https://intranet.istat.it/Collaborativi/_layouts/15/DocIdRedir.aspx?ID=INTRANET-14-158</Url>
+      <Description>INTRANET-14-158</Description>
+    </_dlc_DocIdUrl>
+  </documentManagement>
+</p:properties>
+</file>
+
+<file path=customXml/item2.xml><?xml version="1.0" encoding="utf-8"?>
+<?mso-contentType ?>
+<FormTemplates xmlns="http://schemas.microsoft.com/sharepoint/v3/contenttype/forms">
+  <Display>DocumentLibraryForm</Display>
+  <Edit>DocumentLibraryForm</Edit>
+  <New>DocumentLibraryForm</New>
+</FormTemplates>
+</file>
+
+<file path=customXml/item3.xml><?xml version="1.0" encoding="utf-8"?>
+<?mso-contentType ?>
+<spe:Receivers xmlns:spe="http://schemas.microsoft.com/sharepoint/events">
+  <Receiver>
+    <Name>Document ID Generator</Name>
+    <Synchronization>Synchronous</Synchronization>
+    <Type>10001</Type>
+    <SequenceNumber>1000</SequenceNumber>
+    <Url/>
+    <Assembly>Microsoft.Office.DocumentManagement, Version=15.0.0.0, Culture=neutral, PublicKeyToken=71e9bce111e9429c</Assembly>
+    <Class>Microsoft.Office.DocumentManagement.Internal.DocIdHandler</Class>
+    <Data/>
+    <Filter/>
+  </Receiver>
+  <Receiver>
+    <Name>Document ID Generator</Name>
+    <Synchronization>Synchronous</Synchronization>
+    <Type>10002</Type>
+    <SequenceNumber>1001</SequenceNumber>
+    <Url/>
+    <Assembly>Microsoft.Office.DocumentManagement, Version=15.0.0.0, Culture=neutral, PublicKeyToken=71e9bce111e9429c</Assembly>
+    <Class>Microsoft.Office.DocumentManagement.Internal.DocIdHandler</Class>
+    <Data/>
+    <Filter/>
+  </Receiver>
+  <Receiver>
+    <Name>Document ID Generator</Name>
+    <Synchronization>Synchronous</Synchronization>
+    <Type>10004</Type>
+    <SequenceNumber>1002</SequenceNumber>
+    <Url/>
+    <Assembly>Microsoft.Office.DocumentManagement, Version=15.0.0.0, Culture=neutral, PublicKeyToken=71e9bce111e9429c</Assembly>
+    <Class>Microsoft.Office.DocumentManagement.Internal.DocIdHandler</Class>
+    <Data/>
+    <Filter/>
+  </Receiver>
+  <Receiver>
+    <Name>Document ID Generator</Name>
+    <Synchronization>Synchronous</Synchronization>
+    <Type>10006</Type>
+    <SequenceNumber>1003</SequenceNumber>
+    <Url/>
+    <Assembly>Microsoft.Office.DocumentManagement, Version=15.0.0.0, Culture=neutral, PublicKeyToken=71e9bce111e9429c</Assembly>
+    <Class>Microsoft.Office.DocumentManagement.Internal.DocIdHandler</Class>
+    <Data/>
+    <Filter/>
+  </Receiver>
+</spe:Receivers>
+</file>
+
+<file path=customXml/item4.xml><?xml version="1.0" encoding="utf-8"?>
 <ct:contentTypeSchema xmlns:ct="http://schemas.microsoft.com/office/2006/metadata/contentType" xmlns:ma="http://schemas.microsoft.com/office/2006/metadata/properties/metaAttributes" ct:_="" ma:_="" ma:contentTypeName="Documento" ma:contentTypeID="0x010100661A2BE3120D674DA36C11D6006822D4" ma:contentTypeVersion="3" ma:contentTypeDescription="Creare un nuovo documento." ma:contentTypeScope="" ma:versionID="2ad8b07f9840a1ce9cd199d874146b74">
   <xsd:schema xmlns:xsd="http://www.w3.org/2001/XMLSchema" xmlns:xs="http://www.w3.org/2001/XMLSchema" xmlns:p="http://schemas.microsoft.com/office/2006/metadata/properties" xmlns:ns2="c58f2efd-82a8-4ecf-b395-8c25e928921d" xmlns:ns3="459159c4-d20a-4ff3-9b11-fbd127bd52e5" xmlns:ns4="679261c3-551f-4e86-913f-177e0e529669" targetNamespace="http://schemas.microsoft.com/office/2006/metadata/properties" ma:root="true" ma:fieldsID="fffb0e16fb90ffea59fef1085e90ecca" ns2:_="" ns3:_="" ns4:_="">
     <xsd:import namespace="c58f2efd-82a8-4ecf-b395-8c25e928921d"/>
@@ -9000,80 +9143,41 @@
 </ct:contentTypeSchema>
 </file>
 
-<file path=customXml/item2.xml><?xml version="1.0" encoding="utf-8"?>
-<?mso-contentType ?>
-<spe:Receivers xmlns:spe="http://schemas.microsoft.com/sharepoint/events">
-  <Receiver>
-    <Name>Document ID Generator</Name>
-    <Synchronization>Synchronous</Synchronization>
-    <Type>10001</Type>
-    <SequenceNumber>1000</SequenceNumber>
-    <Url/>
-    <Assembly>Microsoft.Office.DocumentManagement, Version=15.0.0.0, Culture=neutral, PublicKeyToken=71e9bce111e9429c</Assembly>
-    <Class>Microsoft.Office.DocumentManagement.Internal.DocIdHandler</Class>
-    <Data/>
-    <Filter/>
-  </Receiver>
-  <Receiver>
-    <Name>Document ID Generator</Name>
-    <Synchronization>Synchronous</Synchronization>
-    <Type>10002</Type>
-    <SequenceNumber>1001</SequenceNumber>
-    <Url/>
-    <Assembly>Microsoft.Office.DocumentManagement, Version=15.0.0.0, Culture=neutral, PublicKeyToken=71e9bce111e9429c</Assembly>
-    <Class>Microsoft.Office.DocumentManagement.Internal.DocIdHandler</Class>
-    <Data/>
-    <Filter/>
-  </Receiver>
-  <Receiver>
-    <Name>Document ID Generator</Name>
-    <Synchronization>Synchronous</Synchronization>
-    <Type>10004</Type>
-    <SequenceNumber>1002</SequenceNumber>
-    <Url/>
-    <Assembly>Microsoft.Office.DocumentManagement, Version=15.0.0.0, Culture=neutral, PublicKeyToken=71e9bce111e9429c</Assembly>
-    <Class>Microsoft.Office.DocumentManagement.Internal.DocIdHandler</Class>
-    <Data/>
-    <Filter/>
-  </Receiver>
-  <Receiver>
-    <Name>Document ID Generator</Name>
-    <Synchronization>Synchronous</Synchronization>
-    <Type>10006</Type>
-    <SequenceNumber>1003</SequenceNumber>
-    <Url/>
-    <Assembly>Microsoft.Office.DocumentManagement, Version=15.0.0.0, Culture=neutral, PublicKeyToken=71e9bce111e9429c</Assembly>
-    <Class>Microsoft.Office.DocumentManagement.Internal.DocIdHandler</Class>
-    <Data/>
-    <Filter/>
-  </Receiver>
-</spe:Receivers>
+<file path=customXml/itemProps1.xml><?xml version="1.0" encoding="utf-8"?>
+<ds:datastoreItem xmlns:ds="http://schemas.openxmlformats.org/officeDocument/2006/customXml" ds:itemID="{3EF378BC-F4D0-4510-B4EC-07B6EFE18CF8}">
+  <ds:schemaRefs>
+    <ds:schemaRef ds:uri="http://schemas.microsoft.com/office/infopath/2007/PartnerControls"/>
+    <ds:schemaRef ds:uri="http://purl.org/dc/elements/1.1/"/>
+    <ds:schemaRef ds:uri="http://schemas.microsoft.com/office/2006/metadata/properties"/>
+    <ds:schemaRef ds:uri="http://schemas.openxmlformats.org/package/2006/metadata/core-properties"/>
+    <ds:schemaRef ds:uri="http://purl.org/dc/terms/"/>
+    <ds:schemaRef ds:uri="679261c3-551f-4e86-913f-177e0e529669"/>
+    <ds:schemaRef ds:uri="459159c4-d20a-4ff3-9b11-fbd127bd52e5"/>
+    <ds:schemaRef ds:uri="http://schemas.microsoft.com/office/2006/documentManagement/types"/>
+    <ds:schemaRef ds:uri="c58f2efd-82a8-4ecf-b395-8c25e928921d"/>
+    <ds:schemaRef ds:uri="http://www.w3.org/XML/1998/namespace"/>
+    <ds:schemaRef ds:uri="http://purl.org/dc/dcmitype/"/>
+  </ds:schemaRefs>
+</ds:datastoreItem>
 </file>
 
-<file path=customXml/item3.xml><?xml version="1.0" encoding="utf-8"?>
-<?mso-contentType ?>
-<FormTemplates xmlns="http://schemas.microsoft.com/sharepoint/v3/contenttype/forms">
-  <Display>DocumentLibraryForm</Display>
-  <Edit>DocumentLibraryForm</Edit>
-  <New>DocumentLibraryForm</New>
-</FormTemplates>
+<file path=customXml/itemProps2.xml><?xml version="1.0" encoding="utf-8"?>
+<ds:datastoreItem xmlns:ds="http://schemas.openxmlformats.org/officeDocument/2006/customXml" ds:itemID="{BD9C238D-4D5C-4783-820B-4854DCE45D41}">
+  <ds:schemaRefs>
+    <ds:schemaRef ds:uri="http://schemas.microsoft.com/sharepoint/v3/contenttype/forms"/>
+  </ds:schemaRefs>
+</ds:datastoreItem>
 </file>
 
-<file path=customXml/item4.xml><?xml version="1.0" encoding="utf-8"?>
-<p:properties xmlns:p="http://schemas.microsoft.com/office/2006/metadata/properties" xmlns:xsi="http://www.w3.org/2001/XMLSchema-instance" xmlns:pc="http://schemas.microsoft.com/office/infopath/2007/PartnerControls">
-  <documentManagement>
-    <SottoCategoria xmlns="679261c3-551f-4e86-913f-177e0e529669">-</SottoCategoria>
-    <Categoria xmlns="c58f2efd-82a8-4ecf-b395-8c25e928921d">Power Point</Categoria>
-    <_dlc_DocId xmlns="459159c4-d20a-4ff3-9b11-fbd127bd52e5">INTRANET-14-158</_dlc_DocId>
-    <_dlc_DocIdUrl xmlns="459159c4-d20a-4ff3-9b11-fbd127bd52e5">
-      <Url>https://intranet.istat.it/Collaborativi/_layouts/15/DocIdRedir.aspx?ID=INTRANET-14-158</Url>
-      <Description>INTRANET-14-158</Description>
-    </_dlc_DocIdUrl>
-  </documentManagement>
-</p:properties>
+<file path=customXml/itemProps3.xml><?xml version="1.0" encoding="utf-8"?>
+<ds:datastoreItem xmlns:ds="http://schemas.openxmlformats.org/officeDocument/2006/customXml" ds:itemID="{D9296C4F-9DE9-4B43-AA80-1FC85656CFFA}">
+  <ds:schemaRefs>
+    <ds:schemaRef ds:uri="http://schemas.microsoft.com/sharepoint/events"/>
+  </ds:schemaRefs>
+</ds:datastoreItem>
 </file>
 
-<file path=customXml/itemProps1.xml><?xml version="1.0" encoding="utf-8"?>
+<file path=customXml/itemProps4.xml><?xml version="1.0" encoding="utf-8"?>
 <ds:datastoreItem xmlns:ds="http://schemas.openxmlformats.org/officeDocument/2006/customXml" ds:itemID="{3F66F418-6054-4EA5-BF8E-6AF3CEAE6265}">
   <ds:schemaRefs>
     <ds:schemaRef ds:uri="http://schemas.microsoft.com/office/2006/metadata/contentType"/>
@@ -9091,38 +9195,4 @@
     <ds:schemaRef ds:uri="http://schemas.microsoft.com/internal/obd"/>
   </ds:schemaRefs>
 </ds:datastoreItem>
-</file>
-
-<file path=customXml/itemProps2.xml><?xml version="1.0" encoding="utf-8"?>
-<ds:datastoreItem xmlns:ds="http://schemas.openxmlformats.org/officeDocument/2006/customXml" ds:itemID="{D9296C4F-9DE9-4B43-AA80-1FC85656CFFA}">
-  <ds:schemaRefs>
-    <ds:schemaRef ds:uri="http://schemas.microsoft.com/sharepoint/events"/>
-  </ds:schemaRefs>
-</ds:datastoreItem>
-</file>
-
-<file path=customXml/itemProps3.xml><?xml version="1.0" encoding="utf-8"?>
-<ds:datastoreItem xmlns:ds="http://schemas.openxmlformats.org/officeDocument/2006/customXml" ds:itemID="{BD9C238D-4D5C-4783-820B-4854DCE45D41}">
-  <ds:schemaRefs>
-    <ds:schemaRef ds:uri="http://schemas.microsoft.com/sharepoint/v3/contenttype/forms"/>
-  </ds:schemaRefs>
-</ds:datastoreItem>
-</file>
-
-<file path=customXml/itemProps4.xml><?xml version="1.0" encoding="utf-8"?>
-<ds:datastoreItem xmlns:ds="http://schemas.openxmlformats.org/officeDocument/2006/customXml" ds:itemID="{3EF378BC-F4D0-4510-B4EC-07B6EFE18CF8}">
-  <ds:schemaRefs>
-    <ds:schemaRef ds:uri="http://schemas.microsoft.com/office/infopath/2007/PartnerControls"/>
-    <ds:schemaRef ds:uri="http://purl.org/dc/elements/1.1/"/>
-    <ds:schemaRef ds:uri="http://schemas.microsoft.com/office/2006/metadata/properties"/>
-    <ds:schemaRef ds:uri="http://schemas.openxmlformats.org/package/2006/metadata/core-properties"/>
-    <ds:schemaRef ds:uri="http://purl.org/dc/terms/"/>
-    <ds:schemaRef ds:uri="679261c3-551f-4e86-913f-177e0e529669"/>
-    <ds:schemaRef ds:uri="459159c4-d20a-4ff3-9b11-fbd127bd52e5"/>
-    <ds:schemaRef ds:uri="http://schemas.microsoft.com/office/2006/documentManagement/types"/>
-    <ds:schemaRef ds:uri="c58f2efd-82a8-4ecf-b395-8c25e928921d"/>
-    <ds:schemaRef ds:uri="http://www.w3.org/XML/1998/namespace"/>
-    <ds:schemaRef ds:uri="http://purl.org/dc/dcmitype/"/>
-  </ds:schemaRefs>
-</ds:datastoreItem>
 </file>
--- a/Assicurazioni/Complessità di algoritmi e problemi.pptx
+++ b/Assicurazioni/Complessità di algoritmi e problemi.pptx
@@ -5,7 +5,7 @@
     <p:sldMasterId id="2147483648" r:id="rId5"/>
   </p:sldMasterIdLst>
   <p:notesMasterIdLst>
-    <p:notesMasterId r:id="rId12"/>
+    <p:notesMasterId r:id="rId25"/>
   </p:notesMasterIdLst>
   <p:sldIdLst>
     <p:sldId id="256" r:id="rId6"/>
@@ -13,7 +13,20 @@
     <p:sldId id="367" r:id="rId8"/>
     <p:sldId id="366" r:id="rId9"/>
     <p:sldId id="368" r:id="rId10"/>
-    <p:sldId id="343" r:id="rId11"/>
+    <p:sldId id="369" r:id="rId11"/>
+    <p:sldId id="370" r:id="rId12"/>
+    <p:sldId id="371" r:id="rId13"/>
+    <p:sldId id="372" r:id="rId14"/>
+    <p:sldId id="373" r:id="rId15"/>
+    <p:sldId id="374" r:id="rId16"/>
+    <p:sldId id="375" r:id="rId17"/>
+    <p:sldId id="376" r:id="rId18"/>
+    <p:sldId id="377" r:id="rId19"/>
+    <p:sldId id="378" r:id="rId20"/>
+    <p:sldId id="379" r:id="rId21"/>
+    <p:sldId id="380" r:id="rId22"/>
+    <p:sldId id="381" r:id="rId23"/>
+    <p:sldId id="343" r:id="rId24"/>
   </p:sldIdLst>
   <p:sldSz cx="12192000" cy="6858000"/>
   <p:notesSz cx="6858000" cy="9144000"/>
@@ -271,7 +284,7 @@
               <a:pPr>
                 <a:defRPr/>
               </a:pPr>
-              <a:t>3/18/2023</a:t>
+              <a:t>3/25/2023</a:t>
             </a:fld>
             <a:endParaRPr lang="en-US"/>
           </a:p>
@@ -6802,6 +6815,3655 @@
 </p:sld>
 </file>
 
+<file path=ppt/slides/slide10.xml><?xml version="1.0" encoding="utf-8"?>
+<p:sld xmlns:a="http://schemas.openxmlformats.org/drawingml/2006/main" xmlns:r="http://schemas.openxmlformats.org/officeDocument/2006/relationships" xmlns:p="http://schemas.openxmlformats.org/presentationml/2006/main">
+  <p:cSld>
+    <p:spTree>
+      <p:nvGrpSpPr>
+        <p:cNvPr id="1" name=""/>
+        <p:cNvGrpSpPr/>
+        <p:nvPr/>
+      </p:nvGrpSpPr>
+      <p:grpSpPr>
+        <a:xfrm>
+          <a:off x="0" y="0"/>
+          <a:ext cx="0" cy="0"/>
+          <a:chOff x="0" y="0"/>
+          <a:chExt cx="0" cy="0"/>
+        </a:xfrm>
+      </p:grpSpPr>
+      <p:sp>
+        <p:nvSpPr>
+          <p:cNvPr id="2" name="Segnaposto testo 1">
+            <a:extLst>
+              <a:ext uri="{FF2B5EF4-FFF2-40B4-BE49-F238E27FC236}">
+                <a16:creationId xmlns:a16="http://schemas.microsoft.com/office/drawing/2014/main" id="{E5AE986C-196F-4141-A898-FA4C4198CDCC}"/>
+              </a:ext>
+            </a:extLst>
+          </p:cNvPr>
+          <p:cNvSpPr>
+            <a:spLocks noGrp="1"/>
+          </p:cNvSpPr>
+          <p:nvPr>
+            <p:ph type="body" idx="1"/>
+          </p:nvPr>
+        </p:nvSpPr>
+        <p:spPr>
+          <a:xfrm>
+            <a:off x="326297" y="1213805"/>
+            <a:ext cx="11269662" cy="4764963"/>
+          </a:xfrm>
+        </p:spPr>
+        <p:txBody>
+          <a:bodyPr/>
+          <a:lstStyle/>
+          <a:p>
+            <a:pPr marL="342900" indent="-342900" algn="just">
+              <a:lnSpc>
+                <a:spcPct val="115000"/>
+              </a:lnSpc>
+              <a:spcBef>
+                <a:spcPts val="2400"/>
+              </a:spcBef>
+              <a:buFont typeface="Wingdings" panose="05000000000000000000" pitchFamily="2" charset="2"/>
+              <a:buChar char="ü"/>
+              <a:tabLst>
+                <a:tab pos="457200" algn="l"/>
+              </a:tabLst>
+            </a:pPr>
+            <a:r>
+              <a:rPr lang="it-IT" sz="2400" b="0" i="0">
+                <a:solidFill>
+                  <a:srgbClr val="000000"/>
+                </a:solidFill>
+                <a:effectLst/>
+                <a:latin typeface="Tahoma" panose="020B0604030504040204" pitchFamily="34" charset="0"/>
+                <a:ea typeface="Tahoma" panose="020B0604030504040204" pitchFamily="34" charset="0"/>
+                <a:cs typeface="Tahoma" panose="020B0604030504040204" pitchFamily="34" charset="0"/>
+              </a:rPr>
+              <a:t>Possono verificarsi tre casi:</a:t>
+            </a:r>
+          </a:p>
+          <a:p>
+            <a:pPr lvl="2">
+              <a:buFont typeface="Arial" panose="020B0604020202020204" pitchFamily="34" charset="0"/>
+              <a:buChar char="•"/>
+            </a:pPr>
+            <a:r>
+              <a:rPr lang="it-IT" sz="2400" b="1" i="0">
+                <a:solidFill>
+                  <a:srgbClr val="000000"/>
+                </a:solidFill>
+                <a:effectLst/>
+                <a:latin typeface="Tahoma" panose="020B0604030504040204" pitchFamily="34" charset="0"/>
+                <a:ea typeface="Tahoma" panose="020B0604030504040204" pitchFamily="34" charset="0"/>
+                <a:cs typeface="Tahoma" panose="020B0604030504040204" pitchFamily="34" charset="0"/>
+              </a:rPr>
+              <a:t>Caso migliore</a:t>
+            </a:r>
+            <a:r>
+              <a:rPr lang="it-IT" sz="2400" b="0" i="0">
+                <a:solidFill>
+                  <a:srgbClr val="000000"/>
+                </a:solidFill>
+                <a:effectLst/>
+                <a:latin typeface="Tahoma" panose="020B0604030504040204" pitchFamily="34" charset="0"/>
+                <a:ea typeface="Tahoma" panose="020B0604030504040204" pitchFamily="34" charset="0"/>
+                <a:cs typeface="Tahoma" panose="020B0604030504040204" pitchFamily="34" charset="0"/>
+              </a:rPr>
+              <a:t>. Il </a:t>
+            </a:r>
+            <a:r>
+              <a:rPr lang="it-IT" sz="2400" i="0">
+                <a:solidFill>
+                  <a:srgbClr val="000000"/>
+                </a:solidFill>
+                <a:effectLst/>
+                <a:latin typeface="Tahoma" panose="020B0604030504040204" pitchFamily="34" charset="0"/>
+                <a:ea typeface="Tahoma" panose="020B0604030504040204" pitchFamily="34" charset="0"/>
+                <a:cs typeface="Tahoma" panose="020B0604030504040204" pitchFamily="34" charset="0"/>
+              </a:rPr>
+              <a:t>dato X</a:t>
+            </a:r>
+            <a:r>
+              <a:rPr lang="it-IT" sz="2400" b="0" i="0">
+                <a:solidFill>
+                  <a:srgbClr val="000000"/>
+                </a:solidFill>
+                <a:effectLst/>
+                <a:latin typeface="Tahoma" panose="020B0604030504040204" pitchFamily="34" charset="0"/>
+                <a:ea typeface="Tahoma" panose="020B0604030504040204" pitchFamily="34" charset="0"/>
+                <a:cs typeface="Tahoma" panose="020B0604030504040204" pitchFamily="34" charset="0"/>
+              </a:rPr>
+              <a:t> si trova al primo record (1 iterazione).</a:t>
+            </a:r>
+          </a:p>
+          <a:p>
+            <a:pPr lvl="2">
+              <a:buFont typeface="Arial" panose="020B0604020202020204" pitchFamily="34" charset="0"/>
+              <a:buChar char="•"/>
+            </a:pPr>
+            <a:endParaRPr lang="it-IT" sz="2400" b="1" i="0">
+              <a:solidFill>
+                <a:srgbClr val="000000"/>
+              </a:solidFill>
+              <a:effectLst/>
+              <a:latin typeface="Tahoma" panose="020B0604030504040204" pitchFamily="34" charset="0"/>
+              <a:ea typeface="Tahoma" panose="020B0604030504040204" pitchFamily="34" charset="0"/>
+              <a:cs typeface="Tahoma" panose="020B0604030504040204" pitchFamily="34" charset="0"/>
+            </a:endParaRPr>
+          </a:p>
+          <a:p>
+            <a:pPr lvl="2">
+              <a:buFont typeface="Arial" panose="020B0604020202020204" pitchFamily="34" charset="0"/>
+              <a:buChar char="•"/>
+            </a:pPr>
+            <a:r>
+              <a:rPr lang="it-IT" sz="2400" b="1" i="0">
+                <a:solidFill>
+                  <a:srgbClr val="000000"/>
+                </a:solidFill>
+                <a:effectLst/>
+                <a:latin typeface="Tahoma" panose="020B0604030504040204" pitchFamily="34" charset="0"/>
+                <a:ea typeface="Tahoma" panose="020B0604030504040204" pitchFamily="34" charset="0"/>
+                <a:cs typeface="Tahoma" panose="020B0604030504040204" pitchFamily="34" charset="0"/>
+              </a:rPr>
+              <a:t>Caso intermedio</a:t>
+            </a:r>
+            <a:r>
+              <a:rPr lang="it-IT" sz="2400" b="0" i="0">
+                <a:solidFill>
+                  <a:srgbClr val="000000"/>
+                </a:solidFill>
+                <a:effectLst/>
+                <a:latin typeface="Tahoma" panose="020B0604030504040204" pitchFamily="34" charset="0"/>
+                <a:ea typeface="Tahoma" panose="020B0604030504040204" pitchFamily="34" charset="0"/>
+                <a:cs typeface="Tahoma" panose="020B0604030504040204" pitchFamily="34" charset="0"/>
+              </a:rPr>
+              <a:t>. Il </a:t>
+            </a:r>
+            <a:r>
+              <a:rPr lang="it-IT" sz="2400" i="0">
+                <a:solidFill>
+                  <a:srgbClr val="000000"/>
+                </a:solidFill>
+                <a:effectLst/>
+                <a:latin typeface="Tahoma" panose="020B0604030504040204" pitchFamily="34" charset="0"/>
+                <a:ea typeface="Tahoma" panose="020B0604030504040204" pitchFamily="34" charset="0"/>
+                <a:cs typeface="Tahoma" panose="020B0604030504040204" pitchFamily="34" charset="0"/>
+              </a:rPr>
+              <a:t>dato X</a:t>
+            </a:r>
+            <a:r>
+              <a:rPr lang="it-IT" sz="2400" b="0" i="0">
+                <a:solidFill>
+                  <a:srgbClr val="000000"/>
+                </a:solidFill>
+                <a:effectLst/>
+                <a:latin typeface="Tahoma" panose="020B0604030504040204" pitchFamily="34" charset="0"/>
+                <a:ea typeface="Tahoma" panose="020B0604030504040204" pitchFamily="34" charset="0"/>
+                <a:cs typeface="Tahoma" panose="020B0604030504040204" pitchFamily="34" charset="0"/>
+              </a:rPr>
+              <a:t> si trova alla metà del file (500 iterazioni).</a:t>
+            </a:r>
+          </a:p>
+          <a:p>
+            <a:pPr lvl="2">
+              <a:buFont typeface="Arial" panose="020B0604020202020204" pitchFamily="34" charset="0"/>
+              <a:buChar char="•"/>
+            </a:pPr>
+            <a:endParaRPr lang="it-IT" sz="2400" b="1" i="0">
+              <a:solidFill>
+                <a:srgbClr val="000000"/>
+              </a:solidFill>
+              <a:effectLst/>
+              <a:latin typeface="Tahoma" panose="020B0604030504040204" pitchFamily="34" charset="0"/>
+              <a:ea typeface="Tahoma" panose="020B0604030504040204" pitchFamily="34" charset="0"/>
+              <a:cs typeface="Tahoma" panose="020B0604030504040204" pitchFamily="34" charset="0"/>
+            </a:endParaRPr>
+          </a:p>
+          <a:p>
+            <a:pPr lvl="2">
+              <a:buFont typeface="Arial" panose="020B0604020202020204" pitchFamily="34" charset="0"/>
+              <a:buChar char="•"/>
+            </a:pPr>
+            <a:r>
+              <a:rPr lang="it-IT" sz="2400" b="1" i="0">
+                <a:solidFill>
+                  <a:srgbClr val="000000"/>
+                </a:solidFill>
+                <a:effectLst/>
+                <a:latin typeface="Tahoma" panose="020B0604030504040204" pitchFamily="34" charset="0"/>
+                <a:ea typeface="Tahoma" panose="020B0604030504040204" pitchFamily="34" charset="0"/>
+                <a:cs typeface="Tahoma" panose="020B0604030504040204" pitchFamily="34" charset="0"/>
+              </a:rPr>
+              <a:t>Caso peggiore</a:t>
+            </a:r>
+            <a:r>
+              <a:rPr lang="it-IT" sz="2400" b="0" i="0">
+                <a:solidFill>
+                  <a:srgbClr val="000000"/>
+                </a:solidFill>
+                <a:effectLst/>
+                <a:latin typeface="Tahoma" panose="020B0604030504040204" pitchFamily="34" charset="0"/>
+                <a:ea typeface="Tahoma" panose="020B0604030504040204" pitchFamily="34" charset="0"/>
+                <a:cs typeface="Tahoma" panose="020B0604030504040204" pitchFamily="34" charset="0"/>
+              </a:rPr>
+              <a:t>. Il </a:t>
+            </a:r>
+            <a:r>
+              <a:rPr lang="it-IT" sz="2400" i="0">
+                <a:solidFill>
+                  <a:srgbClr val="000000"/>
+                </a:solidFill>
+                <a:effectLst/>
+                <a:latin typeface="Tahoma" panose="020B0604030504040204" pitchFamily="34" charset="0"/>
+                <a:ea typeface="Tahoma" panose="020B0604030504040204" pitchFamily="34" charset="0"/>
+                <a:cs typeface="Tahoma" panose="020B0604030504040204" pitchFamily="34" charset="0"/>
+              </a:rPr>
+              <a:t>dato X</a:t>
+            </a:r>
+            <a:r>
+              <a:rPr lang="it-IT" sz="2400" b="0" i="0">
+                <a:solidFill>
+                  <a:srgbClr val="000000"/>
+                </a:solidFill>
+                <a:effectLst/>
+                <a:latin typeface="Tahoma" panose="020B0604030504040204" pitchFamily="34" charset="0"/>
+                <a:ea typeface="Tahoma" panose="020B0604030504040204" pitchFamily="34" charset="0"/>
+                <a:cs typeface="Tahoma" panose="020B0604030504040204" pitchFamily="34" charset="0"/>
+              </a:rPr>
+              <a:t> si trova alla fine del file (1000 iterazioni). Per arrivarci l'algoritmo deve leggere tutto il file.</a:t>
+            </a:r>
+          </a:p>
+          <a:p>
+            <a:endParaRPr lang="it-IT" sz="2400">
+              <a:solidFill>
+                <a:srgbClr val="000000"/>
+              </a:solidFill>
+              <a:latin typeface="Tahoma" panose="020B0604030504040204" pitchFamily="34" charset="0"/>
+              <a:ea typeface="Tahoma" panose="020B0604030504040204" pitchFamily="34" charset="0"/>
+              <a:cs typeface="Tahoma" panose="020B0604030504040204" pitchFamily="34" charset="0"/>
+            </a:endParaRPr>
+          </a:p>
+          <a:p>
+            <a:pPr marL="342900" indent="-342900">
+              <a:buFont typeface="Wingdings" panose="05000000000000000000" pitchFamily="2" charset="2"/>
+              <a:buChar char="ü"/>
+            </a:pPr>
+            <a:r>
+              <a:rPr lang="it-IT" sz="2400">
+                <a:solidFill>
+                  <a:srgbClr val="000000"/>
+                </a:solidFill>
+                <a:latin typeface="Tahoma" panose="020B0604030504040204" pitchFamily="34" charset="0"/>
+                <a:ea typeface="Tahoma" panose="020B0604030504040204" pitchFamily="34" charset="0"/>
+                <a:cs typeface="Tahoma" panose="020B0604030504040204" pitchFamily="34" charset="0"/>
+              </a:rPr>
+              <a:t>Nell'</a:t>
+            </a:r>
+            <a:r>
+              <a:rPr lang="it-IT" sz="2400" b="1">
+                <a:solidFill>
+                  <a:srgbClr val="000000"/>
+                </a:solidFill>
+                <a:latin typeface="Tahoma" panose="020B0604030504040204" pitchFamily="34" charset="0"/>
+                <a:ea typeface="Tahoma" panose="020B0604030504040204" pitchFamily="34" charset="0"/>
+                <a:cs typeface="Tahoma" panose="020B0604030504040204" pitchFamily="34" charset="0"/>
+              </a:rPr>
+              <a:t>analisi</a:t>
+            </a:r>
+            <a:r>
+              <a:rPr lang="it-IT" sz="2400" b="1" i="0">
+                <a:solidFill>
+                  <a:srgbClr val="000000"/>
+                </a:solidFill>
+                <a:effectLst/>
+                <a:latin typeface="Tahoma" panose="020B0604030504040204" pitchFamily="34" charset="0"/>
+                <a:ea typeface="Tahoma" panose="020B0604030504040204" pitchFamily="34" charset="0"/>
+                <a:cs typeface="Tahoma" panose="020B0604030504040204" pitchFamily="34" charset="0"/>
+              </a:rPr>
+              <a:t> di un algoritmo</a:t>
+            </a:r>
+            <a:r>
+              <a:rPr lang="it-IT" sz="2400" b="0" i="0">
+                <a:solidFill>
+                  <a:srgbClr val="000000"/>
+                </a:solidFill>
+                <a:effectLst/>
+                <a:latin typeface="Tahoma" panose="020B0604030504040204" pitchFamily="34" charset="0"/>
+                <a:ea typeface="Tahoma" panose="020B0604030504040204" pitchFamily="34" charset="0"/>
+                <a:cs typeface="Tahoma" panose="020B0604030504040204" pitchFamily="34" charset="0"/>
+              </a:rPr>
+              <a:t> si utilizza il caso peggiore, perché è quello che ne misura meglio l'efficienza dal punto di vista tecnico.</a:t>
+            </a:r>
+          </a:p>
+          <a:p>
+            <a:pPr marL="342900" indent="-342900" algn="just">
+              <a:lnSpc>
+                <a:spcPct val="115000"/>
+              </a:lnSpc>
+              <a:spcBef>
+                <a:spcPts val="2400"/>
+              </a:spcBef>
+              <a:buFont typeface="Wingdings" panose="05000000000000000000" pitchFamily="2" charset="2"/>
+              <a:buChar char="ü"/>
+              <a:tabLst>
+                <a:tab pos="457200" algn="l"/>
+              </a:tabLst>
+            </a:pPr>
+            <a:endParaRPr lang="it-IT" sz="2400">
+              <a:solidFill>
+                <a:srgbClr val="000000"/>
+              </a:solidFill>
+              <a:latin typeface="Tahoma" panose="020B0604030504040204" pitchFamily="34" charset="0"/>
+              <a:ea typeface="Tahoma" panose="020B0604030504040204" pitchFamily="34" charset="0"/>
+              <a:cs typeface="Tahoma" panose="020B0604030504040204" pitchFamily="34" charset="0"/>
+            </a:endParaRPr>
+          </a:p>
+        </p:txBody>
+      </p:sp>
+      <p:sp>
+        <p:nvSpPr>
+          <p:cNvPr id="7" name="Segnaposto numero diapositiva 6">
+            <a:extLst>
+              <a:ext uri="{FF2B5EF4-FFF2-40B4-BE49-F238E27FC236}">
+                <a16:creationId xmlns:a16="http://schemas.microsoft.com/office/drawing/2014/main" id="{AB740BE9-E218-4144-BFDE-AE473D230A3D}"/>
+              </a:ext>
+            </a:extLst>
+          </p:cNvPr>
+          <p:cNvSpPr>
+            <a:spLocks noGrp="1"/>
+          </p:cNvSpPr>
+          <p:nvPr>
+            <p:ph type="sldNum" sz="quarter" idx="12"/>
+          </p:nvPr>
+        </p:nvSpPr>
+        <p:spPr/>
+        <p:txBody>
+          <a:bodyPr/>
+          <a:lstStyle/>
+          <a:p>
+            <a:pPr>
+              <a:defRPr/>
+            </a:pPr>
+            <a:fld id="{48B4153A-D4C5-4CEF-8992-0D8815C829E3}" type="slidenum">
+              <a:rPr lang="en-US" smtClean="0"/>
+              <a:pPr>
+                <a:defRPr/>
+              </a:pPr>
+              <a:t>10</a:t>
+            </a:fld>
+            <a:endParaRPr lang="en-US" dirty="0"/>
+          </a:p>
+        </p:txBody>
+      </p:sp>
+      <p:sp>
+        <p:nvSpPr>
+          <p:cNvPr id="6" name="Titolo 4">
+            <a:extLst>
+              <a:ext uri="{FF2B5EF4-FFF2-40B4-BE49-F238E27FC236}">
+                <a16:creationId xmlns:a16="http://schemas.microsoft.com/office/drawing/2014/main" id="{CF9A4806-60B4-80DC-1F76-D2EB3E6C376B}"/>
+              </a:ext>
+            </a:extLst>
+          </p:cNvPr>
+          <p:cNvSpPr>
+            <a:spLocks noGrp="1"/>
+          </p:cNvSpPr>
+          <p:nvPr>
+            <p:ph type="title"/>
+          </p:nvPr>
+        </p:nvSpPr>
+        <p:spPr>
+          <a:xfrm>
+            <a:off x="397304" y="410627"/>
+            <a:ext cx="11269662" cy="384721"/>
+          </a:xfrm>
+        </p:spPr>
+        <p:txBody>
+          <a:bodyPr/>
+          <a:lstStyle/>
+          <a:p>
+            <a:r>
+              <a:rPr lang="it-IT">
+                <a:solidFill>
+                  <a:schemeClr val="tx1"/>
+                </a:solidFill>
+                <a:latin typeface="Tahoma" panose="020B0604030504040204" pitchFamily="34" charset="0"/>
+                <a:ea typeface="Tahoma" panose="020B0604030504040204" pitchFamily="34" charset="0"/>
+                <a:cs typeface="Tahoma" panose="020B0604030504040204" pitchFamily="34" charset="0"/>
+              </a:rPr>
+              <a:t>Complessità Temporale</a:t>
+            </a:r>
+            <a:endParaRPr lang="it-IT" dirty="0"/>
+          </a:p>
+        </p:txBody>
+      </p:sp>
+    </p:spTree>
+    <p:extLst>
+      <p:ext uri="{BB962C8B-B14F-4D97-AF65-F5344CB8AC3E}">
+        <p14:creationId xmlns:p14="http://schemas.microsoft.com/office/powerpoint/2010/main" val="1994664840"/>
+      </p:ext>
+    </p:extLst>
+  </p:cSld>
+  <p:clrMapOvr>
+    <a:masterClrMapping/>
+  </p:clrMapOvr>
+</p:sld>
+</file>
+
+<file path=ppt/slides/slide11.xml><?xml version="1.0" encoding="utf-8"?>
+<p:sld xmlns:a="http://schemas.openxmlformats.org/drawingml/2006/main" xmlns:r="http://schemas.openxmlformats.org/officeDocument/2006/relationships" xmlns:p="http://schemas.openxmlformats.org/presentationml/2006/main">
+  <p:cSld>
+    <p:spTree>
+      <p:nvGrpSpPr>
+        <p:cNvPr id="1" name=""/>
+        <p:cNvGrpSpPr/>
+        <p:nvPr/>
+      </p:nvGrpSpPr>
+      <p:grpSpPr>
+        <a:xfrm>
+          <a:off x="0" y="0"/>
+          <a:ext cx="0" cy="0"/>
+          <a:chOff x="0" y="0"/>
+          <a:chExt cx="0" cy="0"/>
+        </a:xfrm>
+      </p:grpSpPr>
+      <p:sp>
+        <p:nvSpPr>
+          <p:cNvPr id="7" name="Segnaposto numero diapositiva 6">
+            <a:extLst>
+              <a:ext uri="{FF2B5EF4-FFF2-40B4-BE49-F238E27FC236}">
+                <a16:creationId xmlns:a16="http://schemas.microsoft.com/office/drawing/2014/main" id="{AB740BE9-E218-4144-BFDE-AE473D230A3D}"/>
+              </a:ext>
+            </a:extLst>
+          </p:cNvPr>
+          <p:cNvSpPr>
+            <a:spLocks noGrp="1"/>
+          </p:cNvSpPr>
+          <p:nvPr>
+            <p:ph type="sldNum" sz="quarter" idx="12"/>
+          </p:nvPr>
+        </p:nvSpPr>
+        <p:spPr/>
+        <p:txBody>
+          <a:bodyPr/>
+          <a:lstStyle/>
+          <a:p>
+            <a:pPr>
+              <a:defRPr/>
+            </a:pPr>
+            <a:fld id="{48B4153A-D4C5-4CEF-8992-0D8815C829E3}" type="slidenum">
+              <a:rPr lang="en-US" smtClean="0"/>
+              <a:pPr>
+                <a:defRPr/>
+              </a:pPr>
+              <a:t>11</a:t>
+            </a:fld>
+            <a:endParaRPr lang="en-US" dirty="0"/>
+          </a:p>
+        </p:txBody>
+      </p:sp>
+      <p:sp>
+        <p:nvSpPr>
+          <p:cNvPr id="6" name="Titolo 4">
+            <a:extLst>
+              <a:ext uri="{FF2B5EF4-FFF2-40B4-BE49-F238E27FC236}">
+                <a16:creationId xmlns:a16="http://schemas.microsoft.com/office/drawing/2014/main" id="{CF9A4806-60B4-80DC-1F76-D2EB3E6C376B}"/>
+              </a:ext>
+            </a:extLst>
+          </p:cNvPr>
+          <p:cNvSpPr>
+            <a:spLocks noGrp="1"/>
+          </p:cNvSpPr>
+          <p:nvPr>
+            <p:ph type="title"/>
+          </p:nvPr>
+        </p:nvSpPr>
+        <p:spPr>
+          <a:xfrm>
+            <a:off x="397304" y="410627"/>
+            <a:ext cx="11269662" cy="384721"/>
+          </a:xfrm>
+        </p:spPr>
+        <p:txBody>
+          <a:bodyPr/>
+          <a:lstStyle/>
+          <a:p>
+            <a:r>
+              <a:rPr lang="it-IT">
+                <a:solidFill>
+                  <a:schemeClr val="tx1"/>
+                </a:solidFill>
+                <a:latin typeface="Tahoma" panose="020B0604030504040204" pitchFamily="34" charset="0"/>
+                <a:ea typeface="Tahoma" panose="020B0604030504040204" pitchFamily="34" charset="0"/>
+                <a:cs typeface="Tahoma" panose="020B0604030504040204" pitchFamily="34" charset="0"/>
+              </a:rPr>
+              <a:t>Complessità Temporale</a:t>
+            </a:r>
+            <a:endParaRPr lang="it-IT" dirty="0"/>
+          </a:p>
+        </p:txBody>
+      </p:sp>
+      <p:sp>
+        <p:nvSpPr>
+          <p:cNvPr id="3" name="Segnaposto testo 2">
+            <a:extLst>
+              <a:ext uri="{FF2B5EF4-FFF2-40B4-BE49-F238E27FC236}">
+                <a16:creationId xmlns:a16="http://schemas.microsoft.com/office/drawing/2014/main" id="{F15B28AB-8720-E62B-6D01-393C590EDE2E}"/>
+              </a:ext>
+            </a:extLst>
+          </p:cNvPr>
+          <p:cNvSpPr>
+            <a:spLocks noGrp="1"/>
+          </p:cNvSpPr>
+          <p:nvPr>
+            <p:ph type="body" idx="1"/>
+          </p:nvPr>
+        </p:nvSpPr>
+        <p:spPr>
+          <a:xfrm>
+            <a:off x="574294" y="1399980"/>
+            <a:ext cx="10813780" cy="4392612"/>
+          </a:xfrm>
+        </p:spPr>
+        <p:txBody>
+          <a:bodyPr/>
+          <a:lstStyle/>
+          <a:p>
+            <a:pPr marL="342900" indent="-342900">
+              <a:buFont typeface="Wingdings" panose="05000000000000000000" pitchFamily="2" charset="2"/>
+              <a:buChar char="ü"/>
+            </a:pPr>
+            <a:r>
+              <a:rPr lang="it-IT" sz="2400">
+                <a:solidFill>
+                  <a:srgbClr val="000000"/>
+                </a:solidFill>
+                <a:latin typeface="Tahoma" panose="020B0604030504040204" pitchFamily="34" charset="0"/>
+                <a:ea typeface="Tahoma" panose="020B0604030504040204" pitchFamily="34" charset="0"/>
+                <a:cs typeface="Tahoma" panose="020B0604030504040204" pitchFamily="34" charset="0"/>
+              </a:rPr>
+              <a:t>Viceversa, il caso migliore non permette di distinguere un algoritmo inefficiente da uno efficiente.</a:t>
+            </a:r>
+          </a:p>
+        </p:txBody>
+      </p:sp>
+      <p:pic>
+        <p:nvPicPr>
+          <p:cNvPr id="5" name="Immagine 4" descr="Immagine che contiene testo&#10;&#10;Descrizione generata automaticamente">
+            <a:extLst>
+              <a:ext uri="{FF2B5EF4-FFF2-40B4-BE49-F238E27FC236}">
+                <a16:creationId xmlns:a16="http://schemas.microsoft.com/office/drawing/2014/main" id="{5C3DAEA1-E37D-6FD0-A925-35570472CFC2}"/>
+              </a:ext>
+            </a:extLst>
+          </p:cNvPr>
+          <p:cNvPicPr>
+            <a:picLocks noChangeAspect="1"/>
+          </p:cNvPicPr>
+          <p:nvPr/>
+        </p:nvPicPr>
+        <p:blipFill>
+          <a:blip r:embed="rId2"/>
+          <a:stretch>
+            <a:fillRect/>
+          </a:stretch>
+        </p:blipFill>
+        <p:spPr>
+          <a:xfrm>
+            <a:off x="912901" y="2043166"/>
+            <a:ext cx="10820526" cy="3864474"/>
+          </a:xfrm>
+          <a:prstGeom prst="rect">
+            <a:avLst/>
+          </a:prstGeom>
+        </p:spPr>
+      </p:pic>
+    </p:spTree>
+    <p:extLst>
+      <p:ext uri="{BB962C8B-B14F-4D97-AF65-F5344CB8AC3E}">
+        <p14:creationId xmlns:p14="http://schemas.microsoft.com/office/powerpoint/2010/main" val="1255320021"/>
+      </p:ext>
+    </p:extLst>
+  </p:cSld>
+  <p:clrMapOvr>
+    <a:masterClrMapping/>
+  </p:clrMapOvr>
+</p:sld>
+</file>
+
+<file path=ppt/slides/slide12.xml><?xml version="1.0" encoding="utf-8"?>
+<p:sld xmlns:a="http://schemas.openxmlformats.org/drawingml/2006/main" xmlns:r="http://schemas.openxmlformats.org/officeDocument/2006/relationships" xmlns:p="http://schemas.openxmlformats.org/presentationml/2006/main">
+  <p:cSld>
+    <p:spTree>
+      <p:nvGrpSpPr>
+        <p:cNvPr id="1" name=""/>
+        <p:cNvGrpSpPr/>
+        <p:nvPr/>
+      </p:nvGrpSpPr>
+      <p:grpSpPr>
+        <a:xfrm>
+          <a:off x="0" y="0"/>
+          <a:ext cx="0" cy="0"/>
+          <a:chOff x="0" y="0"/>
+          <a:chExt cx="0" cy="0"/>
+        </a:xfrm>
+      </p:grpSpPr>
+      <p:sp>
+        <p:nvSpPr>
+          <p:cNvPr id="7" name="Segnaposto numero diapositiva 6">
+            <a:extLst>
+              <a:ext uri="{FF2B5EF4-FFF2-40B4-BE49-F238E27FC236}">
+                <a16:creationId xmlns:a16="http://schemas.microsoft.com/office/drawing/2014/main" id="{AB740BE9-E218-4144-BFDE-AE473D230A3D}"/>
+              </a:ext>
+            </a:extLst>
+          </p:cNvPr>
+          <p:cNvSpPr>
+            <a:spLocks noGrp="1"/>
+          </p:cNvSpPr>
+          <p:nvPr>
+            <p:ph type="sldNum" sz="quarter" idx="12"/>
+          </p:nvPr>
+        </p:nvSpPr>
+        <p:spPr/>
+        <p:txBody>
+          <a:bodyPr/>
+          <a:lstStyle/>
+          <a:p>
+            <a:pPr>
+              <a:defRPr/>
+            </a:pPr>
+            <a:fld id="{48B4153A-D4C5-4CEF-8992-0D8815C829E3}" type="slidenum">
+              <a:rPr lang="en-US" smtClean="0"/>
+              <a:pPr>
+                <a:defRPr/>
+              </a:pPr>
+              <a:t>12</a:t>
+            </a:fld>
+            <a:endParaRPr lang="en-US" dirty="0"/>
+          </a:p>
+        </p:txBody>
+      </p:sp>
+      <p:sp>
+        <p:nvSpPr>
+          <p:cNvPr id="6" name="Titolo 4">
+            <a:extLst>
+              <a:ext uri="{FF2B5EF4-FFF2-40B4-BE49-F238E27FC236}">
+                <a16:creationId xmlns:a16="http://schemas.microsoft.com/office/drawing/2014/main" id="{CF9A4806-60B4-80DC-1F76-D2EB3E6C376B}"/>
+              </a:ext>
+            </a:extLst>
+          </p:cNvPr>
+          <p:cNvSpPr>
+            <a:spLocks noGrp="1"/>
+          </p:cNvSpPr>
+          <p:nvPr>
+            <p:ph type="title"/>
+          </p:nvPr>
+        </p:nvSpPr>
+        <p:spPr>
+          <a:xfrm>
+            <a:off x="397304" y="410627"/>
+            <a:ext cx="11269662" cy="384721"/>
+          </a:xfrm>
+        </p:spPr>
+        <p:txBody>
+          <a:bodyPr/>
+          <a:lstStyle/>
+          <a:p>
+            <a:r>
+              <a:rPr lang="it-IT">
+                <a:solidFill>
+                  <a:schemeClr val="tx1"/>
+                </a:solidFill>
+                <a:latin typeface="Tahoma" panose="020B0604030504040204" pitchFamily="34" charset="0"/>
+                <a:ea typeface="Tahoma" panose="020B0604030504040204" pitchFamily="34" charset="0"/>
+                <a:cs typeface="Tahoma" panose="020B0604030504040204" pitchFamily="34" charset="0"/>
+              </a:rPr>
+              <a:t>Calcolare la Complessità Temporale di un Algoritmo</a:t>
+            </a:r>
+            <a:endParaRPr lang="it-IT" dirty="0"/>
+          </a:p>
+        </p:txBody>
+      </p:sp>
+      <p:sp>
+        <p:nvSpPr>
+          <p:cNvPr id="3" name="Segnaposto testo 2">
+            <a:extLst>
+              <a:ext uri="{FF2B5EF4-FFF2-40B4-BE49-F238E27FC236}">
+                <a16:creationId xmlns:a16="http://schemas.microsoft.com/office/drawing/2014/main" id="{F15B28AB-8720-E62B-6D01-393C590EDE2E}"/>
+              </a:ext>
+            </a:extLst>
+          </p:cNvPr>
+          <p:cNvSpPr>
+            <a:spLocks noGrp="1"/>
+          </p:cNvSpPr>
+          <p:nvPr>
+            <p:ph type="body" idx="1"/>
+          </p:nvPr>
+        </p:nvSpPr>
+        <p:spPr>
+          <a:xfrm>
+            <a:off x="574293" y="1399980"/>
+            <a:ext cx="11269662" cy="4392612"/>
+          </a:xfrm>
+        </p:spPr>
+        <p:txBody>
+          <a:bodyPr/>
+          <a:lstStyle/>
+          <a:p>
+            <a:pPr marL="342900" indent="-342900">
+              <a:buFont typeface="Wingdings" panose="05000000000000000000" pitchFamily="2" charset="2"/>
+              <a:buChar char="ü"/>
+            </a:pPr>
+            <a:r>
+              <a:rPr lang="it-IT" sz="2400">
+                <a:solidFill>
+                  <a:srgbClr val="000000"/>
+                </a:solidFill>
+                <a:latin typeface="Tahoma" panose="020B0604030504040204" pitchFamily="34" charset="0"/>
+                <a:ea typeface="Tahoma" panose="020B0604030504040204" pitchFamily="34" charset="0"/>
+                <a:cs typeface="Tahoma" panose="020B0604030504040204" pitchFamily="34" charset="0"/>
+              </a:rPr>
+              <a:t>A volte il caso medio è utile se l'algoritmo deve essere eseguito </a:t>
+            </a:r>
+            <a:r>
+              <a:rPr lang="it-IT" sz="2400" b="1">
+                <a:solidFill>
+                  <a:srgbClr val="000000"/>
+                </a:solidFill>
+                <a:latin typeface="Tahoma" panose="020B0604030504040204" pitchFamily="34" charset="0"/>
+                <a:ea typeface="Tahoma" panose="020B0604030504040204" pitchFamily="34" charset="0"/>
+                <a:cs typeface="Tahoma" panose="020B0604030504040204" pitchFamily="34" charset="0"/>
+              </a:rPr>
+              <a:t>moltissime</a:t>
+            </a:r>
+            <a:r>
+              <a:rPr lang="it-IT" sz="2400">
+                <a:solidFill>
+                  <a:srgbClr val="000000"/>
+                </a:solidFill>
+                <a:latin typeface="Tahoma" panose="020B0604030504040204" pitchFamily="34" charset="0"/>
+                <a:ea typeface="Tahoma" panose="020B0604030504040204" pitchFamily="34" charset="0"/>
+                <a:cs typeface="Tahoma" panose="020B0604030504040204" pitchFamily="34" charset="0"/>
+              </a:rPr>
+              <a:t> </a:t>
+            </a:r>
+            <a:r>
+              <a:rPr lang="it-IT" sz="2400" b="1">
+                <a:solidFill>
+                  <a:srgbClr val="000000"/>
+                </a:solidFill>
+                <a:latin typeface="Tahoma" panose="020B0604030504040204" pitchFamily="34" charset="0"/>
+                <a:ea typeface="Tahoma" panose="020B0604030504040204" pitchFamily="34" charset="0"/>
+                <a:cs typeface="Tahoma" panose="020B0604030504040204" pitchFamily="34" charset="0"/>
+              </a:rPr>
+              <a:t>volte</a:t>
+            </a:r>
+            <a:r>
+              <a:rPr lang="it-IT" sz="2400">
+                <a:solidFill>
+                  <a:srgbClr val="000000"/>
+                </a:solidFill>
+                <a:latin typeface="Tahoma" panose="020B0604030504040204" pitchFamily="34" charset="0"/>
+                <a:ea typeface="Tahoma" panose="020B0604030504040204" pitchFamily="34" charset="0"/>
+                <a:cs typeface="Tahoma" panose="020B0604030504040204" pitchFamily="34" charset="0"/>
+              </a:rPr>
+              <a:t> perché il caso peggiore e quello migliore si compensano tra loro nel corso del tempo. E' comunque preferibile analizzare sempre anche il caso peggiore, perlomeno per evitare il rischio di sviluppare un </a:t>
+            </a:r>
+            <a:r>
+              <a:rPr lang="it-IT" sz="2400" b="1">
+                <a:solidFill>
+                  <a:srgbClr val="000000"/>
+                </a:solidFill>
+                <a:latin typeface="Tahoma" panose="020B0604030504040204" pitchFamily="34" charset="0"/>
+                <a:ea typeface="Tahoma" panose="020B0604030504040204" pitchFamily="34" charset="0"/>
+                <a:cs typeface="Tahoma" panose="020B0604030504040204" pitchFamily="34" charset="0"/>
+              </a:rPr>
+              <a:t>"algoritmo eterno"</a:t>
+            </a:r>
+            <a:r>
+              <a:rPr lang="it-IT" sz="2400">
+                <a:solidFill>
+                  <a:srgbClr val="000000"/>
+                </a:solidFill>
+                <a:latin typeface="Tahoma" panose="020B0604030504040204" pitchFamily="34" charset="0"/>
+                <a:ea typeface="Tahoma" panose="020B0604030504040204" pitchFamily="34" charset="0"/>
+                <a:cs typeface="Tahoma" panose="020B0604030504040204" pitchFamily="34" charset="0"/>
+              </a:rPr>
+              <a:t>.</a:t>
+            </a:r>
+          </a:p>
+        </p:txBody>
+      </p:sp>
+      <p:pic>
+        <p:nvPicPr>
+          <p:cNvPr id="4" name="Immagine 3">
+            <a:extLst>
+              <a:ext uri="{FF2B5EF4-FFF2-40B4-BE49-F238E27FC236}">
+                <a16:creationId xmlns:a16="http://schemas.microsoft.com/office/drawing/2014/main" id="{919BBEF7-180E-98C2-277F-87ADAC2A22B1}"/>
+              </a:ext>
+            </a:extLst>
+          </p:cNvPr>
+          <p:cNvPicPr>
+            <a:picLocks noChangeAspect="1"/>
+          </p:cNvPicPr>
+          <p:nvPr/>
+        </p:nvPicPr>
+        <p:blipFill>
+          <a:blip r:embed="rId2"/>
+          <a:stretch>
+            <a:fillRect/>
+          </a:stretch>
+        </p:blipFill>
+        <p:spPr>
+          <a:xfrm>
+            <a:off x="1810947" y="3090733"/>
+            <a:ext cx="9392966" cy="3004175"/>
+          </a:xfrm>
+          <a:prstGeom prst="rect">
+            <a:avLst/>
+          </a:prstGeom>
+        </p:spPr>
+      </p:pic>
+    </p:spTree>
+    <p:extLst>
+      <p:ext uri="{BB962C8B-B14F-4D97-AF65-F5344CB8AC3E}">
+        <p14:creationId xmlns:p14="http://schemas.microsoft.com/office/powerpoint/2010/main" val="2866005160"/>
+      </p:ext>
+    </p:extLst>
+  </p:cSld>
+  <p:clrMapOvr>
+    <a:masterClrMapping/>
+  </p:clrMapOvr>
+</p:sld>
+</file>
+
+<file path=ppt/slides/slide13.xml><?xml version="1.0" encoding="utf-8"?>
+<p:sld xmlns:a="http://schemas.openxmlformats.org/drawingml/2006/main" xmlns:r="http://schemas.openxmlformats.org/officeDocument/2006/relationships" xmlns:p="http://schemas.openxmlformats.org/presentationml/2006/main">
+  <p:cSld>
+    <p:spTree>
+      <p:nvGrpSpPr>
+        <p:cNvPr id="1" name=""/>
+        <p:cNvGrpSpPr/>
+        <p:nvPr/>
+      </p:nvGrpSpPr>
+      <p:grpSpPr>
+        <a:xfrm>
+          <a:off x="0" y="0"/>
+          <a:ext cx="0" cy="0"/>
+          <a:chOff x="0" y="0"/>
+          <a:chExt cx="0" cy="0"/>
+        </a:xfrm>
+      </p:grpSpPr>
+      <p:sp>
+        <p:nvSpPr>
+          <p:cNvPr id="7" name="Segnaposto numero diapositiva 6">
+            <a:extLst>
+              <a:ext uri="{FF2B5EF4-FFF2-40B4-BE49-F238E27FC236}">
+                <a16:creationId xmlns:a16="http://schemas.microsoft.com/office/drawing/2014/main" id="{AB740BE9-E218-4144-BFDE-AE473D230A3D}"/>
+              </a:ext>
+            </a:extLst>
+          </p:cNvPr>
+          <p:cNvSpPr>
+            <a:spLocks noGrp="1"/>
+          </p:cNvSpPr>
+          <p:nvPr>
+            <p:ph type="sldNum" sz="quarter" idx="12"/>
+          </p:nvPr>
+        </p:nvSpPr>
+        <p:spPr/>
+        <p:txBody>
+          <a:bodyPr/>
+          <a:lstStyle/>
+          <a:p>
+            <a:pPr>
+              <a:defRPr/>
+            </a:pPr>
+            <a:fld id="{48B4153A-D4C5-4CEF-8992-0D8815C829E3}" type="slidenum">
+              <a:rPr lang="en-US" smtClean="0"/>
+              <a:pPr>
+                <a:defRPr/>
+              </a:pPr>
+              <a:t>13</a:t>
+            </a:fld>
+            <a:endParaRPr lang="en-US" dirty="0"/>
+          </a:p>
+        </p:txBody>
+      </p:sp>
+      <p:sp>
+        <p:nvSpPr>
+          <p:cNvPr id="3" name="Segnaposto testo 2">
+            <a:extLst>
+              <a:ext uri="{FF2B5EF4-FFF2-40B4-BE49-F238E27FC236}">
+                <a16:creationId xmlns:a16="http://schemas.microsoft.com/office/drawing/2014/main" id="{F15B28AB-8720-E62B-6D01-393C590EDE2E}"/>
+              </a:ext>
+            </a:extLst>
+          </p:cNvPr>
+          <p:cNvSpPr>
+            <a:spLocks noGrp="1"/>
+          </p:cNvSpPr>
+          <p:nvPr>
+            <p:ph type="body" idx="1"/>
+          </p:nvPr>
+        </p:nvSpPr>
+        <p:spPr>
+          <a:xfrm>
+            <a:off x="574294" y="1399980"/>
+            <a:ext cx="10813780" cy="4392612"/>
+          </a:xfrm>
+        </p:spPr>
+        <p:txBody>
+          <a:bodyPr/>
+          <a:lstStyle/>
+          <a:p>
+            <a:pPr marL="342900" indent="-342900">
+              <a:buFont typeface="Wingdings" panose="05000000000000000000" pitchFamily="2" charset="2"/>
+              <a:buChar char="ü"/>
+            </a:pPr>
+            <a:r>
+              <a:rPr lang="it-IT" sz="2400" b="0" i="0">
+                <a:solidFill>
+                  <a:srgbClr val="000000"/>
+                </a:solidFill>
+                <a:effectLst/>
+                <a:latin typeface="Verdana" panose="020B0604030504040204" pitchFamily="34" charset="0"/>
+              </a:rPr>
+              <a:t>Per semplicità usiamo lo stesso </a:t>
+            </a:r>
+            <a:r>
+              <a:rPr lang="it-IT" sz="2400" b="1" i="0">
+                <a:solidFill>
+                  <a:srgbClr val="000000"/>
+                </a:solidFill>
+                <a:effectLst/>
+                <a:latin typeface="Verdana" panose="020B0604030504040204" pitchFamily="34" charset="0"/>
+              </a:rPr>
+              <a:t>costo c</a:t>
+            </a:r>
+            <a:r>
+              <a:rPr lang="it-IT" sz="2400" b="0" i="0">
+                <a:solidFill>
+                  <a:srgbClr val="000000"/>
+                </a:solidFill>
+                <a:effectLst/>
+                <a:latin typeface="Verdana" panose="020B0604030504040204" pitchFamily="34" charset="0"/>
+              </a:rPr>
+              <a:t> per ogni istruzione. In realtà, il </a:t>
+            </a:r>
+            <a:r>
+              <a:rPr lang="it-IT" sz="2400" b="1" i="0">
+                <a:solidFill>
+                  <a:srgbClr val="000000"/>
+                </a:solidFill>
+                <a:effectLst/>
+                <a:latin typeface="Verdana" panose="020B0604030504040204" pitchFamily="34" charset="0"/>
+              </a:rPr>
+              <a:t>costo</a:t>
+            </a:r>
+            <a:r>
+              <a:rPr lang="it-IT" sz="2400" b="0" i="0">
+                <a:solidFill>
+                  <a:srgbClr val="000000"/>
+                </a:solidFill>
+                <a:effectLst/>
+                <a:latin typeface="Verdana" panose="020B0604030504040204" pitchFamily="34" charset="0"/>
+              </a:rPr>
+              <a:t> </a:t>
+            </a:r>
+            <a:r>
+              <a:rPr lang="it-IT" sz="2400" b="1" i="0">
+                <a:solidFill>
+                  <a:srgbClr val="000000"/>
+                </a:solidFill>
+                <a:effectLst/>
+                <a:latin typeface="Verdana" panose="020B0604030504040204" pitchFamily="34" charset="0"/>
+              </a:rPr>
+              <a:t>computazionale</a:t>
+            </a:r>
+            <a:r>
+              <a:rPr lang="it-IT" sz="2400" b="0" i="0">
+                <a:solidFill>
+                  <a:srgbClr val="000000"/>
+                </a:solidFill>
+                <a:effectLst/>
+                <a:latin typeface="Verdana" panose="020B0604030504040204" pitchFamily="34" charset="0"/>
+              </a:rPr>
+              <a:t> varia a seconda se si tratta di un'assegnazione, di un confronto, ecc. </a:t>
+            </a:r>
+          </a:p>
+          <a:p>
+            <a:pPr marL="342900" indent="-342900">
+              <a:buFont typeface="Wingdings" panose="05000000000000000000" pitchFamily="2" charset="2"/>
+              <a:buChar char="ü"/>
+            </a:pPr>
+            <a:r>
+              <a:rPr lang="it-IT" sz="2400" b="0" i="0">
+                <a:solidFill>
+                  <a:srgbClr val="000000"/>
+                </a:solidFill>
+                <a:effectLst/>
+                <a:latin typeface="Verdana" panose="020B0604030504040204" pitchFamily="34" charset="0"/>
+              </a:rPr>
+              <a:t>Inoltre, per semplicità sto utilizzando uno </a:t>
+            </a:r>
+            <a:r>
+              <a:rPr lang="it-IT" sz="2400" b="1" i="0">
+                <a:solidFill>
+                  <a:srgbClr val="000000"/>
+                </a:solidFill>
+                <a:effectLst/>
+                <a:latin typeface="Verdana" panose="020B0604030504040204" pitchFamily="34" charset="0"/>
+              </a:rPr>
+              <a:t>pseudocodice</a:t>
+            </a:r>
+            <a:r>
+              <a:rPr lang="it-IT" sz="2400" b="0" i="0">
+                <a:solidFill>
+                  <a:srgbClr val="000000"/>
+                </a:solidFill>
+                <a:effectLst/>
+                <a:latin typeface="Verdana" panose="020B0604030504040204" pitchFamily="34" charset="0"/>
+              </a:rPr>
+              <a:t>. Un algoritmo scritto in pseudocodice può comunque essere implementato in un </a:t>
+            </a:r>
+            <a:r>
+              <a:rPr lang="it-IT" sz="2400" b="1" i="0">
+                <a:solidFill>
+                  <a:srgbClr val="000000"/>
+                </a:solidFill>
+                <a:effectLst/>
+                <a:latin typeface="Verdana" panose="020B0604030504040204" pitchFamily="34" charset="0"/>
+              </a:rPr>
+              <a:t>programma</a:t>
+            </a:r>
+            <a:r>
+              <a:rPr lang="it-IT" sz="2400" b="0" i="0">
+                <a:solidFill>
+                  <a:srgbClr val="000000"/>
+                </a:solidFill>
+                <a:effectLst/>
+                <a:latin typeface="Verdana" panose="020B0604030504040204" pitchFamily="34" charset="0"/>
+              </a:rPr>
+              <a:t> utilizzando qualsiasi linguaggio di programmazione.</a:t>
+            </a:r>
+            <a:endParaRPr lang="it-IT" sz="2400" b="0" i="0">
+              <a:solidFill>
+                <a:srgbClr val="000000"/>
+              </a:solidFill>
+              <a:effectLst/>
+              <a:latin typeface="Verdana" panose="020B0604030504040204" pitchFamily="34" charset="0"/>
+              <a:ea typeface="Tahoma" panose="020B0604030504040204" pitchFamily="34" charset="0"/>
+              <a:cs typeface="Tahoma" panose="020B0604030504040204" pitchFamily="34" charset="0"/>
+            </a:endParaRPr>
+          </a:p>
+          <a:p>
+            <a:pPr marL="342900" indent="-342900">
+              <a:buFont typeface="Wingdings" panose="05000000000000000000" pitchFamily="2" charset="2"/>
+              <a:buChar char="ü"/>
+            </a:pPr>
+            <a:r>
+              <a:rPr lang="it-IT" sz="2400" b="0" i="0">
+                <a:solidFill>
+                  <a:srgbClr val="000000"/>
+                </a:solidFill>
+                <a:effectLst/>
+                <a:latin typeface="Verdana" panose="020B0604030504040204" pitchFamily="34" charset="0"/>
+              </a:rPr>
+              <a:t>L'algoritmo di sopra prende in input un </a:t>
+            </a:r>
+            <a:r>
+              <a:rPr lang="it-IT" sz="2400" b="1" i="0">
+                <a:solidFill>
+                  <a:srgbClr val="000000"/>
+                </a:solidFill>
+                <a:effectLst/>
+                <a:latin typeface="Verdana" panose="020B0604030504040204" pitchFamily="34" charset="0"/>
+              </a:rPr>
+              <a:t>vettore M</a:t>
+            </a:r>
+            <a:r>
+              <a:rPr lang="it-IT" sz="2400" b="0" i="0">
+                <a:solidFill>
+                  <a:srgbClr val="000000"/>
+                </a:solidFill>
+                <a:effectLst/>
+                <a:latin typeface="Verdana" panose="020B0604030504040204" pitchFamily="34" charset="0"/>
+              </a:rPr>
+              <a:t> composto da </a:t>
+            </a:r>
+            <a:r>
+              <a:rPr lang="it-IT" sz="2400" b="1" i="0">
+                <a:solidFill>
+                  <a:srgbClr val="000000"/>
+                </a:solidFill>
+                <a:effectLst/>
+                <a:latin typeface="Verdana" panose="020B0604030504040204" pitchFamily="34" charset="0"/>
+              </a:rPr>
+              <a:t>5 elementi ( length=5 )</a:t>
+            </a:r>
+            <a:r>
+              <a:rPr lang="it-IT" sz="2400" b="0" i="0">
+                <a:solidFill>
+                  <a:srgbClr val="000000"/>
+                </a:solidFill>
+                <a:effectLst/>
+                <a:latin typeface="Verdana" panose="020B0604030504040204" pitchFamily="34" charset="0"/>
+              </a:rPr>
+              <a:t>.</a:t>
+            </a:r>
+          </a:p>
+          <a:p>
+            <a:pPr marL="342900" indent="-342900">
+              <a:buFont typeface="Wingdings" panose="05000000000000000000" pitchFamily="2" charset="2"/>
+              <a:buChar char="ü"/>
+            </a:pPr>
+            <a:r>
+              <a:rPr lang="it-IT" sz="2400" b="0" i="0">
+                <a:solidFill>
+                  <a:srgbClr val="000000"/>
+                </a:solidFill>
+                <a:effectLst/>
+                <a:latin typeface="Verdana" panose="020B0604030504040204" pitchFamily="34" charset="0"/>
+              </a:rPr>
+              <a:t>La prima </a:t>
+            </a:r>
+            <a:r>
+              <a:rPr lang="it-IT" sz="2400" b="1" i="0">
+                <a:solidFill>
+                  <a:srgbClr val="000000"/>
+                </a:solidFill>
+                <a:effectLst/>
+                <a:latin typeface="Verdana" panose="020B0604030504040204" pitchFamily="34" charset="0"/>
+              </a:rPr>
+              <a:t>linea (1)</a:t>
+            </a:r>
+            <a:r>
+              <a:rPr lang="it-IT" sz="2400" b="0" i="0">
+                <a:solidFill>
+                  <a:srgbClr val="000000"/>
+                </a:solidFill>
+                <a:effectLst/>
+                <a:latin typeface="Verdana" panose="020B0604030504040204" pitchFamily="34" charset="0"/>
+              </a:rPr>
+              <a:t> e </a:t>
+            </a:r>
+            <a:r>
+              <a:rPr lang="it-IT" sz="2400" b="1" i="0">
+                <a:solidFill>
+                  <a:srgbClr val="000000"/>
+                </a:solidFill>
+                <a:effectLst/>
+                <a:latin typeface="Verdana" panose="020B0604030504040204" pitchFamily="34" charset="0"/>
+              </a:rPr>
+              <a:t>l'ultima (2)</a:t>
+            </a:r>
+            <a:r>
+              <a:rPr lang="it-IT" sz="2400" b="0" i="0">
+                <a:solidFill>
+                  <a:srgbClr val="000000"/>
+                </a:solidFill>
+                <a:effectLst/>
+                <a:latin typeface="Verdana" panose="020B0604030504040204" pitchFamily="34" charset="0"/>
+              </a:rPr>
+              <a:t> sono eseguite una sola volta durante l'esecuzione del </a:t>
+            </a:r>
+            <a:r>
+              <a:rPr lang="it-IT" sz="2400" b="1" i="0">
+                <a:solidFill>
+                  <a:srgbClr val="000000"/>
+                </a:solidFill>
+                <a:effectLst/>
+                <a:latin typeface="Verdana" panose="020B0604030504040204" pitchFamily="34" charset="0"/>
+              </a:rPr>
+              <a:t>programma (n=1)</a:t>
+            </a:r>
+            <a:r>
+              <a:rPr lang="it-IT" sz="2400" b="0" i="0">
+                <a:solidFill>
+                  <a:srgbClr val="000000"/>
+                </a:solidFill>
+                <a:effectLst/>
+                <a:latin typeface="Verdana" panose="020B0604030504040204" pitchFamily="34" charset="0"/>
+              </a:rPr>
+              <a:t>.</a:t>
+            </a:r>
+          </a:p>
+        </p:txBody>
+      </p:sp>
+      <p:sp>
+        <p:nvSpPr>
+          <p:cNvPr id="4" name="Titolo 4">
+            <a:extLst>
+              <a:ext uri="{FF2B5EF4-FFF2-40B4-BE49-F238E27FC236}">
+                <a16:creationId xmlns:a16="http://schemas.microsoft.com/office/drawing/2014/main" id="{23B75AD8-16D2-EBD7-75AA-3D80D99D3CE5}"/>
+              </a:ext>
+            </a:extLst>
+          </p:cNvPr>
+          <p:cNvSpPr txBox="1">
+            <a:spLocks/>
+          </p:cNvSpPr>
+          <p:nvPr/>
+        </p:nvSpPr>
+        <p:spPr bwMode="auto">
+          <a:xfrm>
+            <a:off x="397304" y="410627"/>
+            <a:ext cx="11269662" cy="384721"/>
+          </a:xfrm>
+          <a:prstGeom prst="rect">
+            <a:avLst/>
+          </a:prstGeom>
+          <a:noFill/>
+          <a:ln>
+            <a:noFill/>
+          </a:ln>
+          <a:extLst>
+            <a:ext uri="{909E8E84-426E-40DD-AFC4-6F175D3DCCD1}">
+              <a14:hiddenFill xmlns:a14="http://schemas.microsoft.com/office/drawing/2010/main">
+                <a:solidFill>
+                  <a:srgbClr val="FFFFFF"/>
+                </a:solidFill>
+              </a14:hiddenFill>
+            </a:ext>
+            <a:ext uri="{91240B29-F687-4F45-9708-019B960494DF}">
+              <a14:hiddenLine xmlns:a14="http://schemas.microsoft.com/office/drawing/2010/main" w="9525">
+                <a:solidFill>
+                  <a:srgbClr val="000000"/>
+                </a:solidFill>
+                <a:miter lim="800000"/>
+                <a:headEnd/>
+                <a:tailEnd/>
+              </a14:hiddenLine>
+            </a:ext>
+          </a:extLst>
+        </p:spPr>
+        <p:txBody>
+          <a:bodyPr vert="horz" wrap="square" lIns="0" tIns="0" rIns="0" bIns="0" numCol="1" rtlCol="0" anchor="b" anchorCtr="0" compatLnSpc="1">
+            <a:prstTxWarp prst="textNoShape">
+              <a:avLst/>
+            </a:prstTxWarp>
+            <a:spAutoFit/>
+          </a:bodyPr>
+          <a:lstStyle>
+            <a:lvl1pPr algn="l" defTabSz="457200" rtl="0" fontAlgn="base">
+              <a:lnSpc>
+                <a:spcPts val="3000"/>
+              </a:lnSpc>
+              <a:spcBef>
+                <a:spcPct val="0"/>
+              </a:spcBef>
+              <a:spcAft>
+                <a:spcPct val="0"/>
+              </a:spcAft>
+              <a:defRPr sz="2800" b="1" kern="1200" cap="none" baseline="0">
+                <a:solidFill>
+                  <a:srgbClr val="595959"/>
+                </a:solidFill>
+                <a:latin typeface="Arial" panose="020B0604020202020204" pitchFamily="34" charset="0"/>
+                <a:ea typeface="+mj-ea"/>
+                <a:cs typeface="Arial" panose="020B0604020202020204" pitchFamily="34" charset="0"/>
+              </a:defRPr>
+            </a:lvl1pPr>
+            <a:lvl2pPr algn="l" defTabSz="457200" rtl="0" fontAlgn="base">
+              <a:spcBef>
+                <a:spcPct val="0"/>
+              </a:spcBef>
+              <a:spcAft>
+                <a:spcPct val="0"/>
+              </a:spcAft>
+              <a:defRPr sz="2400" b="1">
+                <a:solidFill>
+                  <a:srgbClr val="595959"/>
+                </a:solidFill>
+                <a:latin typeface="Arial" panose="020B0604020202020204" pitchFamily="34" charset="0"/>
+                <a:cs typeface="Arial" panose="020B0604020202020204" pitchFamily="34" charset="0"/>
+              </a:defRPr>
+            </a:lvl2pPr>
+            <a:lvl3pPr algn="l" defTabSz="457200" rtl="0" fontAlgn="base">
+              <a:spcBef>
+                <a:spcPct val="0"/>
+              </a:spcBef>
+              <a:spcAft>
+                <a:spcPct val="0"/>
+              </a:spcAft>
+              <a:defRPr sz="2400" b="1">
+                <a:solidFill>
+                  <a:srgbClr val="595959"/>
+                </a:solidFill>
+                <a:latin typeface="Arial" panose="020B0604020202020204" pitchFamily="34" charset="0"/>
+                <a:cs typeface="Arial" panose="020B0604020202020204" pitchFamily="34" charset="0"/>
+              </a:defRPr>
+            </a:lvl3pPr>
+            <a:lvl4pPr algn="l" defTabSz="457200" rtl="0" fontAlgn="base">
+              <a:spcBef>
+                <a:spcPct val="0"/>
+              </a:spcBef>
+              <a:spcAft>
+                <a:spcPct val="0"/>
+              </a:spcAft>
+              <a:defRPr sz="2400" b="1">
+                <a:solidFill>
+                  <a:srgbClr val="595959"/>
+                </a:solidFill>
+                <a:latin typeface="Arial" panose="020B0604020202020204" pitchFamily="34" charset="0"/>
+                <a:cs typeface="Arial" panose="020B0604020202020204" pitchFamily="34" charset="0"/>
+              </a:defRPr>
+            </a:lvl4pPr>
+            <a:lvl5pPr algn="l" defTabSz="457200" rtl="0" fontAlgn="base">
+              <a:spcBef>
+                <a:spcPct val="0"/>
+              </a:spcBef>
+              <a:spcAft>
+                <a:spcPct val="0"/>
+              </a:spcAft>
+              <a:defRPr sz="2400" b="1">
+                <a:solidFill>
+                  <a:srgbClr val="595959"/>
+                </a:solidFill>
+                <a:latin typeface="Arial" panose="020B0604020202020204" pitchFamily="34" charset="0"/>
+                <a:cs typeface="Arial" panose="020B0604020202020204" pitchFamily="34" charset="0"/>
+              </a:defRPr>
+            </a:lvl5pPr>
+            <a:lvl6pPr eaLnBrk="1" hangingPunct="1">
+              <a:defRPr>
+                <a:solidFill>
+                  <a:schemeClr val="tx2"/>
+                </a:solidFill>
+              </a:defRPr>
+            </a:lvl6pPr>
+            <a:lvl7pPr eaLnBrk="1" hangingPunct="1">
+              <a:defRPr>
+                <a:solidFill>
+                  <a:schemeClr val="tx2"/>
+                </a:solidFill>
+              </a:defRPr>
+            </a:lvl7pPr>
+            <a:lvl8pPr eaLnBrk="1" hangingPunct="1">
+              <a:defRPr>
+                <a:solidFill>
+                  <a:schemeClr val="tx2"/>
+                </a:solidFill>
+              </a:defRPr>
+            </a:lvl8pPr>
+            <a:lvl9pPr eaLnBrk="1" hangingPunct="1">
+              <a:defRPr>
+                <a:solidFill>
+                  <a:schemeClr val="tx2"/>
+                </a:solidFill>
+              </a:defRPr>
+            </a:lvl9pPr>
+          </a:lstStyle>
+          <a:p>
+            <a:pPr eaLnBrk="1" hangingPunct="1"/>
+            <a:r>
+              <a:rPr lang="it-IT">
+                <a:solidFill>
+                  <a:schemeClr val="tx1"/>
+                </a:solidFill>
+                <a:latin typeface="Tahoma" panose="020B0604030504040204" pitchFamily="34" charset="0"/>
+                <a:ea typeface="Tahoma" panose="020B0604030504040204" pitchFamily="34" charset="0"/>
+                <a:cs typeface="Tahoma" panose="020B0604030504040204" pitchFamily="34" charset="0"/>
+              </a:rPr>
+              <a:t>Calcolare la Complessità Temporale di un Algoritmo</a:t>
+            </a:r>
+            <a:endParaRPr lang="it-IT" dirty="0"/>
+          </a:p>
+        </p:txBody>
+      </p:sp>
+    </p:spTree>
+    <p:extLst>
+      <p:ext uri="{BB962C8B-B14F-4D97-AF65-F5344CB8AC3E}">
+        <p14:creationId xmlns:p14="http://schemas.microsoft.com/office/powerpoint/2010/main" val="115782758"/>
+      </p:ext>
+    </p:extLst>
+  </p:cSld>
+  <p:clrMapOvr>
+    <a:masterClrMapping/>
+  </p:clrMapOvr>
+</p:sld>
+</file>
+
+<file path=ppt/slides/slide14.xml><?xml version="1.0" encoding="utf-8"?>
+<p:sld xmlns:a="http://schemas.openxmlformats.org/drawingml/2006/main" xmlns:r="http://schemas.openxmlformats.org/officeDocument/2006/relationships" xmlns:p="http://schemas.openxmlformats.org/presentationml/2006/main">
+  <p:cSld>
+    <p:spTree>
+      <p:nvGrpSpPr>
+        <p:cNvPr id="1" name=""/>
+        <p:cNvGrpSpPr/>
+        <p:nvPr/>
+      </p:nvGrpSpPr>
+      <p:grpSpPr>
+        <a:xfrm>
+          <a:off x="0" y="0"/>
+          <a:ext cx="0" cy="0"/>
+          <a:chOff x="0" y="0"/>
+          <a:chExt cx="0" cy="0"/>
+        </a:xfrm>
+      </p:grpSpPr>
+      <p:sp>
+        <p:nvSpPr>
+          <p:cNvPr id="7" name="Segnaposto numero diapositiva 6">
+            <a:extLst>
+              <a:ext uri="{FF2B5EF4-FFF2-40B4-BE49-F238E27FC236}">
+                <a16:creationId xmlns:a16="http://schemas.microsoft.com/office/drawing/2014/main" id="{AB740BE9-E218-4144-BFDE-AE473D230A3D}"/>
+              </a:ext>
+            </a:extLst>
+          </p:cNvPr>
+          <p:cNvSpPr>
+            <a:spLocks noGrp="1"/>
+          </p:cNvSpPr>
+          <p:nvPr>
+            <p:ph type="sldNum" sz="quarter" idx="12"/>
+          </p:nvPr>
+        </p:nvSpPr>
+        <p:spPr/>
+        <p:txBody>
+          <a:bodyPr/>
+          <a:lstStyle/>
+          <a:p>
+            <a:pPr>
+              <a:defRPr/>
+            </a:pPr>
+            <a:fld id="{48B4153A-D4C5-4CEF-8992-0D8815C829E3}" type="slidenum">
+              <a:rPr lang="en-US" smtClean="0"/>
+              <a:pPr>
+                <a:defRPr/>
+              </a:pPr>
+              <a:t>14</a:t>
+            </a:fld>
+            <a:endParaRPr lang="en-US" dirty="0"/>
+          </a:p>
+        </p:txBody>
+      </p:sp>
+      <p:sp>
+        <p:nvSpPr>
+          <p:cNvPr id="3" name="Segnaposto testo 2">
+            <a:extLst>
+              <a:ext uri="{FF2B5EF4-FFF2-40B4-BE49-F238E27FC236}">
+                <a16:creationId xmlns:a16="http://schemas.microsoft.com/office/drawing/2014/main" id="{F15B28AB-8720-E62B-6D01-393C590EDE2E}"/>
+              </a:ext>
+            </a:extLst>
+          </p:cNvPr>
+          <p:cNvSpPr>
+            <a:spLocks noGrp="1"/>
+          </p:cNvSpPr>
+          <p:nvPr>
+            <p:ph type="body" idx="1"/>
+          </p:nvPr>
+        </p:nvSpPr>
+        <p:spPr>
+          <a:xfrm>
+            <a:off x="574294" y="1399980"/>
+            <a:ext cx="10813780" cy="4392612"/>
+          </a:xfrm>
+        </p:spPr>
+        <p:txBody>
+          <a:bodyPr/>
+          <a:lstStyle/>
+          <a:p>
+            <a:pPr marL="342900" indent="-342900">
+              <a:buFont typeface="Wingdings" panose="05000000000000000000" pitchFamily="2" charset="2"/>
+              <a:buChar char="ü"/>
+            </a:pPr>
+            <a:r>
+              <a:rPr lang="it-IT" sz="2400">
+                <a:solidFill>
+                  <a:srgbClr val="000000"/>
+                </a:solidFill>
+                <a:latin typeface="Tahoma" panose="020B0604030504040204" pitchFamily="34" charset="0"/>
+                <a:ea typeface="Tahoma" panose="020B0604030504040204" pitchFamily="34" charset="0"/>
+                <a:cs typeface="Tahoma" panose="020B0604030504040204" pitchFamily="34" charset="0"/>
+              </a:rPr>
+              <a:t>Viceversa, il caso migliore non permette di distinguere un algoritmo inefficiente da uno efficiente.</a:t>
+            </a:r>
+          </a:p>
+        </p:txBody>
+      </p:sp>
+      <p:sp>
+        <p:nvSpPr>
+          <p:cNvPr id="4" name="Titolo 4">
+            <a:extLst>
+              <a:ext uri="{FF2B5EF4-FFF2-40B4-BE49-F238E27FC236}">
+                <a16:creationId xmlns:a16="http://schemas.microsoft.com/office/drawing/2014/main" id="{B0CAFD71-4F5B-319A-8F68-C27ACA49FC3B}"/>
+              </a:ext>
+            </a:extLst>
+          </p:cNvPr>
+          <p:cNvSpPr txBox="1">
+            <a:spLocks/>
+          </p:cNvSpPr>
+          <p:nvPr/>
+        </p:nvSpPr>
+        <p:spPr bwMode="auto">
+          <a:xfrm>
+            <a:off x="397304" y="410627"/>
+            <a:ext cx="11269662" cy="384721"/>
+          </a:xfrm>
+          <a:prstGeom prst="rect">
+            <a:avLst/>
+          </a:prstGeom>
+          <a:noFill/>
+          <a:ln>
+            <a:noFill/>
+          </a:ln>
+          <a:extLst>
+            <a:ext uri="{909E8E84-426E-40DD-AFC4-6F175D3DCCD1}">
+              <a14:hiddenFill xmlns:a14="http://schemas.microsoft.com/office/drawing/2010/main">
+                <a:solidFill>
+                  <a:srgbClr val="FFFFFF"/>
+                </a:solidFill>
+              </a14:hiddenFill>
+            </a:ext>
+            <a:ext uri="{91240B29-F687-4F45-9708-019B960494DF}">
+              <a14:hiddenLine xmlns:a14="http://schemas.microsoft.com/office/drawing/2010/main" w="9525">
+                <a:solidFill>
+                  <a:srgbClr val="000000"/>
+                </a:solidFill>
+                <a:miter lim="800000"/>
+                <a:headEnd/>
+                <a:tailEnd/>
+              </a14:hiddenLine>
+            </a:ext>
+          </a:extLst>
+        </p:spPr>
+        <p:txBody>
+          <a:bodyPr vert="horz" wrap="square" lIns="0" tIns="0" rIns="0" bIns="0" numCol="1" rtlCol="0" anchor="b" anchorCtr="0" compatLnSpc="1">
+            <a:prstTxWarp prst="textNoShape">
+              <a:avLst/>
+            </a:prstTxWarp>
+            <a:spAutoFit/>
+          </a:bodyPr>
+          <a:lstStyle>
+            <a:lvl1pPr algn="l" defTabSz="457200" rtl="0" fontAlgn="base">
+              <a:lnSpc>
+                <a:spcPts val="3000"/>
+              </a:lnSpc>
+              <a:spcBef>
+                <a:spcPct val="0"/>
+              </a:spcBef>
+              <a:spcAft>
+                <a:spcPct val="0"/>
+              </a:spcAft>
+              <a:defRPr sz="2800" b="1" kern="1200" cap="none" baseline="0">
+                <a:solidFill>
+                  <a:srgbClr val="595959"/>
+                </a:solidFill>
+                <a:latin typeface="Arial" panose="020B0604020202020204" pitchFamily="34" charset="0"/>
+                <a:ea typeface="+mj-ea"/>
+                <a:cs typeface="Arial" panose="020B0604020202020204" pitchFamily="34" charset="0"/>
+              </a:defRPr>
+            </a:lvl1pPr>
+            <a:lvl2pPr algn="l" defTabSz="457200" rtl="0" fontAlgn="base">
+              <a:spcBef>
+                <a:spcPct val="0"/>
+              </a:spcBef>
+              <a:spcAft>
+                <a:spcPct val="0"/>
+              </a:spcAft>
+              <a:defRPr sz="2400" b="1">
+                <a:solidFill>
+                  <a:srgbClr val="595959"/>
+                </a:solidFill>
+                <a:latin typeface="Arial" panose="020B0604020202020204" pitchFamily="34" charset="0"/>
+                <a:cs typeface="Arial" panose="020B0604020202020204" pitchFamily="34" charset="0"/>
+              </a:defRPr>
+            </a:lvl2pPr>
+            <a:lvl3pPr algn="l" defTabSz="457200" rtl="0" fontAlgn="base">
+              <a:spcBef>
+                <a:spcPct val="0"/>
+              </a:spcBef>
+              <a:spcAft>
+                <a:spcPct val="0"/>
+              </a:spcAft>
+              <a:defRPr sz="2400" b="1">
+                <a:solidFill>
+                  <a:srgbClr val="595959"/>
+                </a:solidFill>
+                <a:latin typeface="Arial" panose="020B0604020202020204" pitchFamily="34" charset="0"/>
+                <a:cs typeface="Arial" panose="020B0604020202020204" pitchFamily="34" charset="0"/>
+              </a:defRPr>
+            </a:lvl3pPr>
+            <a:lvl4pPr algn="l" defTabSz="457200" rtl="0" fontAlgn="base">
+              <a:spcBef>
+                <a:spcPct val="0"/>
+              </a:spcBef>
+              <a:spcAft>
+                <a:spcPct val="0"/>
+              </a:spcAft>
+              <a:defRPr sz="2400" b="1">
+                <a:solidFill>
+                  <a:srgbClr val="595959"/>
+                </a:solidFill>
+                <a:latin typeface="Arial" panose="020B0604020202020204" pitchFamily="34" charset="0"/>
+                <a:cs typeface="Arial" panose="020B0604020202020204" pitchFamily="34" charset="0"/>
+              </a:defRPr>
+            </a:lvl4pPr>
+            <a:lvl5pPr algn="l" defTabSz="457200" rtl="0" fontAlgn="base">
+              <a:spcBef>
+                <a:spcPct val="0"/>
+              </a:spcBef>
+              <a:spcAft>
+                <a:spcPct val="0"/>
+              </a:spcAft>
+              <a:defRPr sz="2400" b="1">
+                <a:solidFill>
+                  <a:srgbClr val="595959"/>
+                </a:solidFill>
+                <a:latin typeface="Arial" panose="020B0604020202020204" pitchFamily="34" charset="0"/>
+                <a:cs typeface="Arial" panose="020B0604020202020204" pitchFamily="34" charset="0"/>
+              </a:defRPr>
+            </a:lvl5pPr>
+            <a:lvl6pPr eaLnBrk="1" hangingPunct="1">
+              <a:defRPr>
+                <a:solidFill>
+                  <a:schemeClr val="tx2"/>
+                </a:solidFill>
+              </a:defRPr>
+            </a:lvl6pPr>
+            <a:lvl7pPr eaLnBrk="1" hangingPunct="1">
+              <a:defRPr>
+                <a:solidFill>
+                  <a:schemeClr val="tx2"/>
+                </a:solidFill>
+              </a:defRPr>
+            </a:lvl7pPr>
+            <a:lvl8pPr eaLnBrk="1" hangingPunct="1">
+              <a:defRPr>
+                <a:solidFill>
+                  <a:schemeClr val="tx2"/>
+                </a:solidFill>
+              </a:defRPr>
+            </a:lvl8pPr>
+            <a:lvl9pPr eaLnBrk="1" hangingPunct="1">
+              <a:defRPr>
+                <a:solidFill>
+                  <a:schemeClr val="tx2"/>
+                </a:solidFill>
+              </a:defRPr>
+            </a:lvl9pPr>
+          </a:lstStyle>
+          <a:p>
+            <a:pPr eaLnBrk="1" hangingPunct="1"/>
+            <a:r>
+              <a:rPr lang="it-IT">
+                <a:solidFill>
+                  <a:schemeClr val="tx1"/>
+                </a:solidFill>
+                <a:latin typeface="Tahoma" panose="020B0604030504040204" pitchFamily="34" charset="0"/>
+                <a:ea typeface="Tahoma" panose="020B0604030504040204" pitchFamily="34" charset="0"/>
+                <a:cs typeface="Tahoma" panose="020B0604030504040204" pitchFamily="34" charset="0"/>
+              </a:rPr>
+              <a:t>Calcolare la Complessità Temporale di un Algoritmo</a:t>
+            </a:r>
+            <a:endParaRPr lang="it-IT" dirty="0"/>
+          </a:p>
+        </p:txBody>
+      </p:sp>
+      <p:pic>
+        <p:nvPicPr>
+          <p:cNvPr id="11" name="Immagine 10">
+            <a:extLst>
+              <a:ext uri="{FF2B5EF4-FFF2-40B4-BE49-F238E27FC236}">
+                <a16:creationId xmlns:a16="http://schemas.microsoft.com/office/drawing/2014/main" id="{2607FD7F-ACAC-879F-C08B-D9B61A863F70}"/>
+              </a:ext>
+            </a:extLst>
+          </p:cNvPr>
+          <p:cNvPicPr>
+            <a:picLocks noChangeAspect="1"/>
+          </p:cNvPicPr>
+          <p:nvPr/>
+        </p:nvPicPr>
+        <p:blipFill>
+          <a:blip r:embed="rId2"/>
+          <a:stretch>
+            <a:fillRect/>
+          </a:stretch>
+        </p:blipFill>
+        <p:spPr>
+          <a:xfrm>
+            <a:off x="1277506" y="2318480"/>
+            <a:ext cx="10340199" cy="3085530"/>
+          </a:xfrm>
+          <a:prstGeom prst="rect">
+            <a:avLst/>
+          </a:prstGeom>
+        </p:spPr>
+      </p:pic>
+    </p:spTree>
+    <p:extLst>
+      <p:ext uri="{BB962C8B-B14F-4D97-AF65-F5344CB8AC3E}">
+        <p14:creationId xmlns:p14="http://schemas.microsoft.com/office/powerpoint/2010/main" val="3607053653"/>
+      </p:ext>
+    </p:extLst>
+  </p:cSld>
+  <p:clrMapOvr>
+    <a:masterClrMapping/>
+  </p:clrMapOvr>
+</p:sld>
+</file>
+
+<file path=ppt/slides/slide15.xml><?xml version="1.0" encoding="utf-8"?>
+<p:sld xmlns:a="http://schemas.openxmlformats.org/drawingml/2006/main" xmlns:r="http://schemas.openxmlformats.org/officeDocument/2006/relationships" xmlns:p="http://schemas.openxmlformats.org/presentationml/2006/main">
+  <p:cSld>
+    <p:spTree>
+      <p:nvGrpSpPr>
+        <p:cNvPr id="1" name=""/>
+        <p:cNvGrpSpPr/>
+        <p:nvPr/>
+      </p:nvGrpSpPr>
+      <p:grpSpPr>
+        <a:xfrm>
+          <a:off x="0" y="0"/>
+          <a:ext cx="0" cy="0"/>
+          <a:chOff x="0" y="0"/>
+          <a:chExt cx="0" cy="0"/>
+        </a:xfrm>
+      </p:grpSpPr>
+      <p:sp>
+        <p:nvSpPr>
+          <p:cNvPr id="7" name="Segnaposto numero diapositiva 6">
+            <a:extLst>
+              <a:ext uri="{FF2B5EF4-FFF2-40B4-BE49-F238E27FC236}">
+                <a16:creationId xmlns:a16="http://schemas.microsoft.com/office/drawing/2014/main" id="{AB740BE9-E218-4144-BFDE-AE473D230A3D}"/>
+              </a:ext>
+            </a:extLst>
+          </p:cNvPr>
+          <p:cNvSpPr>
+            <a:spLocks noGrp="1"/>
+          </p:cNvSpPr>
+          <p:nvPr>
+            <p:ph type="sldNum" sz="quarter" idx="12"/>
+          </p:nvPr>
+        </p:nvSpPr>
+        <p:spPr/>
+        <p:txBody>
+          <a:bodyPr/>
+          <a:lstStyle/>
+          <a:p>
+            <a:pPr>
+              <a:defRPr/>
+            </a:pPr>
+            <a:fld id="{48B4153A-D4C5-4CEF-8992-0D8815C829E3}" type="slidenum">
+              <a:rPr lang="en-US" smtClean="0"/>
+              <a:pPr>
+                <a:defRPr/>
+              </a:pPr>
+              <a:t>15</a:t>
+            </a:fld>
+            <a:endParaRPr lang="en-US" dirty="0"/>
+          </a:p>
+        </p:txBody>
+      </p:sp>
+      <p:sp>
+        <p:nvSpPr>
+          <p:cNvPr id="3" name="Segnaposto testo 2">
+            <a:extLst>
+              <a:ext uri="{FF2B5EF4-FFF2-40B4-BE49-F238E27FC236}">
+                <a16:creationId xmlns:a16="http://schemas.microsoft.com/office/drawing/2014/main" id="{F15B28AB-8720-E62B-6D01-393C590EDE2E}"/>
+              </a:ext>
+            </a:extLst>
+          </p:cNvPr>
+          <p:cNvSpPr>
+            <a:spLocks noGrp="1"/>
+          </p:cNvSpPr>
+          <p:nvPr>
+            <p:ph type="body" idx="1"/>
+          </p:nvPr>
+        </p:nvSpPr>
+        <p:spPr>
+          <a:xfrm>
+            <a:off x="574294" y="1399980"/>
+            <a:ext cx="10813780" cy="4392612"/>
+          </a:xfrm>
+        </p:spPr>
+        <p:txBody>
+          <a:bodyPr/>
+          <a:lstStyle/>
+          <a:p>
+            <a:pPr marL="342900" indent="-342900">
+              <a:buFont typeface="Wingdings" panose="05000000000000000000" pitchFamily="2" charset="2"/>
+              <a:buChar char="ü"/>
+            </a:pPr>
+            <a:r>
+              <a:rPr lang="it-IT" sz="2400" b="0" i="0">
+                <a:solidFill>
+                  <a:srgbClr val="000000"/>
+                </a:solidFill>
+                <a:effectLst/>
+                <a:latin typeface="Tahoma" panose="020B0604030504040204" pitchFamily="34" charset="0"/>
+                <a:ea typeface="Tahoma" panose="020B0604030504040204" pitchFamily="34" charset="0"/>
+                <a:cs typeface="Tahoma" panose="020B0604030504040204" pitchFamily="34" charset="0"/>
+              </a:rPr>
+              <a:t>Il calcolo si complica un po' quando devo analizzare i cicli.</a:t>
+            </a:r>
+          </a:p>
+          <a:p>
+            <a:pPr marL="342900" indent="-342900">
+              <a:buFont typeface="Wingdings" panose="05000000000000000000" pitchFamily="2" charset="2"/>
+              <a:buChar char="ü"/>
+            </a:pPr>
+            <a:r>
+              <a:rPr lang="it-IT" sz="2400" b="1" i="0">
+                <a:solidFill>
+                  <a:srgbClr val="000000"/>
+                </a:solidFill>
+                <a:effectLst/>
+                <a:latin typeface="Tahoma" panose="020B0604030504040204" pitchFamily="34" charset="0"/>
+                <a:ea typeface="Tahoma" panose="020B0604030504040204" pitchFamily="34" charset="0"/>
+                <a:cs typeface="Tahoma" panose="020B0604030504040204" pitchFamily="34" charset="0"/>
+              </a:rPr>
+              <a:t>Il ciclo esterno: </a:t>
+            </a:r>
+            <a:r>
+              <a:rPr lang="it-IT" sz="2400" i="0">
+                <a:solidFill>
+                  <a:srgbClr val="000000"/>
+                </a:solidFill>
+                <a:effectLst/>
+                <a:latin typeface="Tahoma" panose="020B0604030504040204" pitchFamily="34" charset="0"/>
+                <a:ea typeface="Tahoma" panose="020B0604030504040204" pitchFamily="34" charset="0"/>
+                <a:cs typeface="Tahoma" panose="020B0604030504040204" pitchFamily="34" charset="0"/>
+              </a:rPr>
+              <a:t>l</a:t>
+            </a:r>
+            <a:r>
+              <a:rPr lang="it-IT" sz="2400" b="0" i="0">
+                <a:solidFill>
+                  <a:srgbClr val="000000"/>
+                </a:solidFill>
+                <a:effectLst/>
+                <a:latin typeface="Tahoma" panose="020B0604030504040204" pitchFamily="34" charset="0"/>
+                <a:ea typeface="Tahoma" panose="020B0604030504040204" pitchFamily="34" charset="0"/>
+                <a:cs typeface="Tahoma" panose="020B0604030504040204" pitchFamily="34" charset="0"/>
+              </a:rPr>
+              <a:t>a seconda linea del codice è un'iterazione </a:t>
+            </a:r>
+            <a:r>
+              <a:rPr lang="it-IT" sz="2400" b="1" i="0">
+                <a:solidFill>
+                  <a:srgbClr val="000000"/>
+                </a:solidFill>
+                <a:effectLst/>
+                <a:latin typeface="Tahoma" panose="020B0604030504040204" pitchFamily="34" charset="0"/>
+                <a:ea typeface="Tahoma" panose="020B0604030504040204" pitchFamily="34" charset="0"/>
+                <a:cs typeface="Tahoma" panose="020B0604030504040204" pitchFamily="34" charset="0"/>
+              </a:rPr>
+              <a:t>for</a:t>
+            </a:r>
+            <a:r>
+              <a:rPr lang="it-IT" sz="2400" b="0" i="0">
+                <a:solidFill>
+                  <a:srgbClr val="000000"/>
+                </a:solidFill>
+                <a:effectLst/>
+                <a:latin typeface="Tahoma" panose="020B0604030504040204" pitchFamily="34" charset="0"/>
+                <a:ea typeface="Tahoma" panose="020B0604030504040204" pitchFamily="34" charset="0"/>
+                <a:cs typeface="Tahoma" panose="020B0604030504040204" pitchFamily="34" charset="0"/>
+              </a:rPr>
+              <a:t> che va dal primo elemento del vettore (i=0) al penultimo (i=length-2) ossia 5-2=3 ( incluso ).</a:t>
+            </a:r>
+          </a:p>
+          <a:p>
+            <a:pPr marL="342900" indent="-342900">
+              <a:buFont typeface="Wingdings" panose="05000000000000000000" pitchFamily="2" charset="2"/>
+              <a:buChar char="ü"/>
+            </a:pPr>
+            <a:r>
+              <a:rPr lang="it-IT" sz="2400">
+                <a:solidFill>
+                  <a:srgbClr val="000000"/>
+                </a:solidFill>
+                <a:latin typeface="Tahoma" panose="020B0604030504040204" pitchFamily="34" charset="0"/>
+                <a:ea typeface="Tahoma" panose="020B0604030504040204" pitchFamily="34" charset="0"/>
+                <a:cs typeface="Tahoma" panose="020B0604030504040204" pitchFamily="34" charset="0"/>
+              </a:rPr>
+              <a:t>Negli </a:t>
+            </a:r>
+            <a:r>
+              <a:rPr lang="it-IT" sz="2400" b="1">
+                <a:solidFill>
+                  <a:srgbClr val="000000"/>
+                </a:solidFill>
+                <a:latin typeface="Tahoma" panose="020B0604030504040204" pitchFamily="34" charset="0"/>
+                <a:ea typeface="Tahoma" panose="020B0604030504040204" pitchFamily="34" charset="0"/>
+                <a:cs typeface="Tahoma" panose="020B0604030504040204" pitchFamily="34" charset="0"/>
+              </a:rPr>
+              <a:t>array</a:t>
+            </a:r>
+            <a:r>
+              <a:rPr lang="it-IT" sz="2400">
+                <a:solidFill>
+                  <a:srgbClr val="000000"/>
+                </a:solidFill>
+                <a:latin typeface="Tahoma" panose="020B0604030504040204" pitchFamily="34" charset="0"/>
+                <a:ea typeface="Tahoma" panose="020B0604030504040204" pitchFamily="34" charset="0"/>
+                <a:cs typeface="Tahoma" panose="020B0604030504040204" pitchFamily="34" charset="0"/>
+              </a:rPr>
+              <a:t> il primo elemento dell'array ha sempre l'indice uguale a 0. Quindi l'ultimo elemento del vettore </a:t>
+            </a:r>
+            <a:r>
+              <a:rPr lang="it-IT" sz="2400" b="1">
+                <a:solidFill>
+                  <a:srgbClr val="000000"/>
+                </a:solidFill>
+                <a:latin typeface="Tahoma" panose="020B0604030504040204" pitchFamily="34" charset="0"/>
+                <a:ea typeface="Tahoma" panose="020B0604030504040204" pitchFamily="34" charset="0"/>
+                <a:cs typeface="Tahoma" panose="020B0604030504040204" pitchFamily="34" charset="0"/>
+              </a:rPr>
+              <a:t>M</a:t>
+            </a:r>
+            <a:r>
+              <a:rPr lang="it-IT" sz="2400">
+                <a:solidFill>
+                  <a:srgbClr val="000000"/>
+                </a:solidFill>
+                <a:latin typeface="Tahoma" panose="020B0604030504040204" pitchFamily="34" charset="0"/>
+                <a:ea typeface="Tahoma" panose="020B0604030504040204" pitchFamily="34" charset="0"/>
+                <a:cs typeface="Tahoma" panose="020B0604030504040204" pitchFamily="34" charset="0"/>
+              </a:rPr>
+              <a:t> non è </a:t>
+            </a:r>
+            <a:r>
+              <a:rPr lang="it-IT" sz="2400" b="1">
+                <a:solidFill>
+                  <a:srgbClr val="000000"/>
+                </a:solidFill>
+                <a:latin typeface="Tahoma" panose="020B0604030504040204" pitchFamily="34" charset="0"/>
+                <a:ea typeface="Tahoma" panose="020B0604030504040204" pitchFamily="34" charset="0"/>
+                <a:cs typeface="Tahoma" panose="020B0604030504040204" pitchFamily="34" charset="0"/>
+              </a:rPr>
+              <a:t>M[5]</a:t>
+            </a:r>
+            <a:r>
+              <a:rPr lang="it-IT" sz="2400">
+                <a:solidFill>
+                  <a:srgbClr val="000000"/>
+                </a:solidFill>
+                <a:latin typeface="Tahoma" panose="020B0604030504040204" pitchFamily="34" charset="0"/>
+                <a:ea typeface="Tahoma" panose="020B0604030504040204" pitchFamily="34" charset="0"/>
+                <a:cs typeface="Tahoma" panose="020B0604030504040204" pitchFamily="34" charset="0"/>
+              </a:rPr>
+              <a:t> ma M</a:t>
+            </a:r>
+            <a:r>
+              <a:rPr lang="it-IT" sz="2400" b="1">
+                <a:solidFill>
+                  <a:srgbClr val="000000"/>
+                </a:solidFill>
+                <a:latin typeface="Tahoma" panose="020B0604030504040204" pitchFamily="34" charset="0"/>
+                <a:ea typeface="Tahoma" panose="020B0604030504040204" pitchFamily="34" charset="0"/>
+                <a:cs typeface="Tahoma" panose="020B0604030504040204" pitchFamily="34" charset="0"/>
+              </a:rPr>
+              <a:t>[4]</a:t>
+            </a:r>
+            <a:r>
+              <a:rPr lang="it-IT" sz="2400">
+                <a:solidFill>
+                  <a:srgbClr val="000000"/>
+                </a:solidFill>
+                <a:latin typeface="Tahoma" panose="020B0604030504040204" pitchFamily="34" charset="0"/>
+                <a:ea typeface="Tahoma" panose="020B0604030504040204" pitchFamily="34" charset="0"/>
+                <a:cs typeface="Tahoma" panose="020B0604030504040204" pitchFamily="34" charset="0"/>
+              </a:rPr>
+              <a:t>. E' opportuno non confondersi.</a:t>
+            </a:r>
+          </a:p>
+          <a:p>
+            <a:pPr marL="342900" indent="-342900">
+              <a:buFont typeface="Wingdings" panose="05000000000000000000" pitchFamily="2" charset="2"/>
+              <a:buChar char="ü"/>
+            </a:pPr>
+            <a:endParaRPr lang="it-IT" sz="2400">
+              <a:solidFill>
+                <a:srgbClr val="000000"/>
+              </a:solidFill>
+              <a:latin typeface="Tahoma" panose="020B0604030504040204" pitchFamily="34" charset="0"/>
+              <a:ea typeface="Tahoma" panose="020B0604030504040204" pitchFamily="34" charset="0"/>
+              <a:cs typeface="Tahoma" panose="020B0604030504040204" pitchFamily="34" charset="0"/>
+            </a:endParaRPr>
+          </a:p>
+        </p:txBody>
+      </p:sp>
+      <p:sp>
+        <p:nvSpPr>
+          <p:cNvPr id="4" name="Titolo 4">
+            <a:extLst>
+              <a:ext uri="{FF2B5EF4-FFF2-40B4-BE49-F238E27FC236}">
+                <a16:creationId xmlns:a16="http://schemas.microsoft.com/office/drawing/2014/main" id="{B0CAFD71-4F5B-319A-8F68-C27ACA49FC3B}"/>
+              </a:ext>
+            </a:extLst>
+          </p:cNvPr>
+          <p:cNvSpPr txBox="1">
+            <a:spLocks/>
+          </p:cNvSpPr>
+          <p:nvPr/>
+        </p:nvSpPr>
+        <p:spPr bwMode="auto">
+          <a:xfrm>
+            <a:off x="397304" y="410627"/>
+            <a:ext cx="11269662" cy="384721"/>
+          </a:xfrm>
+          <a:prstGeom prst="rect">
+            <a:avLst/>
+          </a:prstGeom>
+          <a:noFill/>
+          <a:ln>
+            <a:noFill/>
+          </a:ln>
+          <a:extLst>
+            <a:ext uri="{909E8E84-426E-40DD-AFC4-6F175D3DCCD1}">
+              <a14:hiddenFill xmlns:a14="http://schemas.microsoft.com/office/drawing/2010/main">
+                <a:solidFill>
+                  <a:srgbClr val="FFFFFF"/>
+                </a:solidFill>
+              </a14:hiddenFill>
+            </a:ext>
+            <a:ext uri="{91240B29-F687-4F45-9708-019B960494DF}">
+              <a14:hiddenLine xmlns:a14="http://schemas.microsoft.com/office/drawing/2010/main" w="9525">
+                <a:solidFill>
+                  <a:srgbClr val="000000"/>
+                </a:solidFill>
+                <a:miter lim="800000"/>
+                <a:headEnd/>
+                <a:tailEnd/>
+              </a14:hiddenLine>
+            </a:ext>
+          </a:extLst>
+        </p:spPr>
+        <p:txBody>
+          <a:bodyPr vert="horz" wrap="square" lIns="0" tIns="0" rIns="0" bIns="0" numCol="1" rtlCol="0" anchor="b" anchorCtr="0" compatLnSpc="1">
+            <a:prstTxWarp prst="textNoShape">
+              <a:avLst/>
+            </a:prstTxWarp>
+            <a:spAutoFit/>
+          </a:bodyPr>
+          <a:lstStyle>
+            <a:lvl1pPr algn="l" defTabSz="457200" rtl="0" fontAlgn="base">
+              <a:lnSpc>
+                <a:spcPts val="3000"/>
+              </a:lnSpc>
+              <a:spcBef>
+                <a:spcPct val="0"/>
+              </a:spcBef>
+              <a:spcAft>
+                <a:spcPct val="0"/>
+              </a:spcAft>
+              <a:defRPr sz="2800" b="1" kern="1200" cap="none" baseline="0">
+                <a:solidFill>
+                  <a:srgbClr val="595959"/>
+                </a:solidFill>
+                <a:latin typeface="Arial" panose="020B0604020202020204" pitchFamily="34" charset="0"/>
+                <a:ea typeface="+mj-ea"/>
+                <a:cs typeface="Arial" panose="020B0604020202020204" pitchFamily="34" charset="0"/>
+              </a:defRPr>
+            </a:lvl1pPr>
+            <a:lvl2pPr algn="l" defTabSz="457200" rtl="0" fontAlgn="base">
+              <a:spcBef>
+                <a:spcPct val="0"/>
+              </a:spcBef>
+              <a:spcAft>
+                <a:spcPct val="0"/>
+              </a:spcAft>
+              <a:defRPr sz="2400" b="1">
+                <a:solidFill>
+                  <a:srgbClr val="595959"/>
+                </a:solidFill>
+                <a:latin typeface="Arial" panose="020B0604020202020204" pitchFamily="34" charset="0"/>
+                <a:cs typeface="Arial" panose="020B0604020202020204" pitchFamily="34" charset="0"/>
+              </a:defRPr>
+            </a:lvl2pPr>
+            <a:lvl3pPr algn="l" defTabSz="457200" rtl="0" fontAlgn="base">
+              <a:spcBef>
+                <a:spcPct val="0"/>
+              </a:spcBef>
+              <a:spcAft>
+                <a:spcPct val="0"/>
+              </a:spcAft>
+              <a:defRPr sz="2400" b="1">
+                <a:solidFill>
+                  <a:srgbClr val="595959"/>
+                </a:solidFill>
+                <a:latin typeface="Arial" panose="020B0604020202020204" pitchFamily="34" charset="0"/>
+                <a:cs typeface="Arial" panose="020B0604020202020204" pitchFamily="34" charset="0"/>
+              </a:defRPr>
+            </a:lvl3pPr>
+            <a:lvl4pPr algn="l" defTabSz="457200" rtl="0" fontAlgn="base">
+              <a:spcBef>
+                <a:spcPct val="0"/>
+              </a:spcBef>
+              <a:spcAft>
+                <a:spcPct val="0"/>
+              </a:spcAft>
+              <a:defRPr sz="2400" b="1">
+                <a:solidFill>
+                  <a:srgbClr val="595959"/>
+                </a:solidFill>
+                <a:latin typeface="Arial" panose="020B0604020202020204" pitchFamily="34" charset="0"/>
+                <a:cs typeface="Arial" panose="020B0604020202020204" pitchFamily="34" charset="0"/>
+              </a:defRPr>
+            </a:lvl4pPr>
+            <a:lvl5pPr algn="l" defTabSz="457200" rtl="0" fontAlgn="base">
+              <a:spcBef>
+                <a:spcPct val="0"/>
+              </a:spcBef>
+              <a:spcAft>
+                <a:spcPct val="0"/>
+              </a:spcAft>
+              <a:defRPr sz="2400" b="1">
+                <a:solidFill>
+                  <a:srgbClr val="595959"/>
+                </a:solidFill>
+                <a:latin typeface="Arial" panose="020B0604020202020204" pitchFamily="34" charset="0"/>
+                <a:cs typeface="Arial" panose="020B0604020202020204" pitchFamily="34" charset="0"/>
+              </a:defRPr>
+            </a:lvl5pPr>
+            <a:lvl6pPr eaLnBrk="1" hangingPunct="1">
+              <a:defRPr>
+                <a:solidFill>
+                  <a:schemeClr val="tx2"/>
+                </a:solidFill>
+              </a:defRPr>
+            </a:lvl6pPr>
+            <a:lvl7pPr eaLnBrk="1" hangingPunct="1">
+              <a:defRPr>
+                <a:solidFill>
+                  <a:schemeClr val="tx2"/>
+                </a:solidFill>
+              </a:defRPr>
+            </a:lvl7pPr>
+            <a:lvl8pPr eaLnBrk="1" hangingPunct="1">
+              <a:defRPr>
+                <a:solidFill>
+                  <a:schemeClr val="tx2"/>
+                </a:solidFill>
+              </a:defRPr>
+            </a:lvl8pPr>
+            <a:lvl9pPr eaLnBrk="1" hangingPunct="1">
+              <a:defRPr>
+                <a:solidFill>
+                  <a:schemeClr val="tx2"/>
+                </a:solidFill>
+              </a:defRPr>
+            </a:lvl9pPr>
+          </a:lstStyle>
+          <a:p>
+            <a:pPr eaLnBrk="1" hangingPunct="1"/>
+            <a:r>
+              <a:rPr lang="it-IT">
+                <a:solidFill>
+                  <a:schemeClr val="tx1"/>
+                </a:solidFill>
+                <a:latin typeface="Tahoma" panose="020B0604030504040204" pitchFamily="34" charset="0"/>
+                <a:ea typeface="Tahoma" panose="020B0604030504040204" pitchFamily="34" charset="0"/>
+                <a:cs typeface="Tahoma" panose="020B0604030504040204" pitchFamily="34" charset="0"/>
+              </a:rPr>
+              <a:t>Calcolare la Complessità Temporale di un Algoritmo</a:t>
+            </a:r>
+            <a:endParaRPr lang="it-IT" dirty="0"/>
+          </a:p>
+        </p:txBody>
+      </p:sp>
+      <p:pic>
+        <p:nvPicPr>
+          <p:cNvPr id="8" name="Immagine 7">
+            <a:extLst>
+              <a:ext uri="{FF2B5EF4-FFF2-40B4-BE49-F238E27FC236}">
+                <a16:creationId xmlns:a16="http://schemas.microsoft.com/office/drawing/2014/main" id="{2E6D943E-58AE-3F13-DC03-B8B8CDBD7286}"/>
+              </a:ext>
+            </a:extLst>
+          </p:cNvPr>
+          <p:cNvPicPr>
+            <a:picLocks noChangeAspect="1"/>
+          </p:cNvPicPr>
+          <p:nvPr/>
+        </p:nvPicPr>
+        <p:blipFill>
+          <a:blip r:embed="rId2"/>
+          <a:stretch>
+            <a:fillRect/>
+          </a:stretch>
+        </p:blipFill>
+        <p:spPr>
+          <a:xfrm>
+            <a:off x="4347232" y="4236762"/>
+            <a:ext cx="7824169" cy="2525588"/>
+          </a:xfrm>
+          <a:prstGeom prst="rect">
+            <a:avLst/>
+          </a:prstGeom>
+        </p:spPr>
+      </p:pic>
+    </p:spTree>
+    <p:extLst>
+      <p:ext uri="{BB962C8B-B14F-4D97-AF65-F5344CB8AC3E}">
+        <p14:creationId xmlns:p14="http://schemas.microsoft.com/office/powerpoint/2010/main" val="211012309"/>
+      </p:ext>
+    </p:extLst>
+  </p:cSld>
+  <p:clrMapOvr>
+    <a:masterClrMapping/>
+  </p:clrMapOvr>
+</p:sld>
+</file>
+
+<file path=ppt/slides/slide16.xml><?xml version="1.0" encoding="utf-8"?>
+<p:sld xmlns:a="http://schemas.openxmlformats.org/drawingml/2006/main" xmlns:r="http://schemas.openxmlformats.org/officeDocument/2006/relationships" xmlns:p="http://schemas.openxmlformats.org/presentationml/2006/main">
+  <p:cSld>
+    <p:spTree>
+      <p:nvGrpSpPr>
+        <p:cNvPr id="1" name=""/>
+        <p:cNvGrpSpPr/>
+        <p:nvPr/>
+      </p:nvGrpSpPr>
+      <p:grpSpPr>
+        <a:xfrm>
+          <a:off x="0" y="0"/>
+          <a:ext cx="0" cy="0"/>
+          <a:chOff x="0" y="0"/>
+          <a:chExt cx="0" cy="0"/>
+        </a:xfrm>
+      </p:grpSpPr>
+      <p:sp>
+        <p:nvSpPr>
+          <p:cNvPr id="7" name="Segnaposto numero diapositiva 6">
+            <a:extLst>
+              <a:ext uri="{FF2B5EF4-FFF2-40B4-BE49-F238E27FC236}">
+                <a16:creationId xmlns:a16="http://schemas.microsoft.com/office/drawing/2014/main" id="{AB740BE9-E218-4144-BFDE-AE473D230A3D}"/>
+              </a:ext>
+            </a:extLst>
+          </p:cNvPr>
+          <p:cNvSpPr>
+            <a:spLocks noGrp="1"/>
+          </p:cNvSpPr>
+          <p:nvPr>
+            <p:ph type="sldNum" sz="quarter" idx="12"/>
+          </p:nvPr>
+        </p:nvSpPr>
+        <p:spPr/>
+        <p:txBody>
+          <a:bodyPr/>
+          <a:lstStyle/>
+          <a:p>
+            <a:pPr>
+              <a:defRPr/>
+            </a:pPr>
+            <a:fld id="{48B4153A-D4C5-4CEF-8992-0D8815C829E3}" type="slidenum">
+              <a:rPr lang="en-US" smtClean="0"/>
+              <a:pPr>
+                <a:defRPr/>
+              </a:pPr>
+              <a:t>16</a:t>
+            </a:fld>
+            <a:endParaRPr lang="en-US" dirty="0"/>
+          </a:p>
+        </p:txBody>
+      </p:sp>
+      <p:sp>
+        <p:nvSpPr>
+          <p:cNvPr id="3" name="Segnaposto testo 2">
+            <a:extLst>
+              <a:ext uri="{FF2B5EF4-FFF2-40B4-BE49-F238E27FC236}">
+                <a16:creationId xmlns:a16="http://schemas.microsoft.com/office/drawing/2014/main" id="{F15B28AB-8720-E62B-6D01-393C590EDE2E}"/>
+              </a:ext>
+            </a:extLst>
+          </p:cNvPr>
+          <p:cNvSpPr>
+            <a:spLocks noGrp="1"/>
+          </p:cNvSpPr>
+          <p:nvPr>
+            <p:ph type="body" idx="1"/>
+          </p:nvPr>
+        </p:nvSpPr>
+        <p:spPr>
+          <a:xfrm>
+            <a:off x="574294" y="1399980"/>
+            <a:ext cx="5521706" cy="4392612"/>
+          </a:xfrm>
+        </p:spPr>
+        <p:txBody>
+          <a:bodyPr/>
+          <a:lstStyle/>
+          <a:p>
+            <a:pPr marL="342900" indent="-342900">
+              <a:buFont typeface="Wingdings" panose="05000000000000000000" pitchFamily="2" charset="2"/>
+              <a:buChar char="ü"/>
+            </a:pPr>
+            <a:r>
+              <a:rPr lang="it-IT" sz="2400" b="0" i="0">
+                <a:solidFill>
+                  <a:srgbClr val="000000"/>
+                </a:solidFill>
+                <a:effectLst/>
+                <a:latin typeface="Tahoma" panose="020B0604030504040204" pitchFamily="34" charset="0"/>
+                <a:ea typeface="Tahoma" panose="020B0604030504040204" pitchFamily="34" charset="0"/>
+                <a:cs typeface="Tahoma" panose="020B0604030504040204" pitchFamily="34" charset="0"/>
+              </a:rPr>
+              <a:t>Quindi, </a:t>
+            </a:r>
+            <a:r>
+              <a:rPr lang="it-IT" sz="2400" b="1" i="0">
+                <a:solidFill>
+                  <a:srgbClr val="000000"/>
+                </a:solidFill>
+                <a:effectLst/>
+                <a:latin typeface="Tahoma" panose="020B0604030504040204" pitchFamily="34" charset="0"/>
+                <a:ea typeface="Tahoma" panose="020B0604030504040204" pitchFamily="34" charset="0"/>
+                <a:cs typeface="Tahoma" panose="020B0604030504040204" pitchFamily="34" charset="0"/>
+              </a:rPr>
+              <a:t>il ciclo compie n-1 iterazioni</a:t>
+            </a:r>
+            <a:r>
+              <a:rPr lang="it-IT" sz="2400" b="0" i="0">
+                <a:solidFill>
+                  <a:srgbClr val="000000"/>
+                </a:solidFill>
+                <a:effectLst/>
+                <a:latin typeface="Tahoma" panose="020B0604030504040204" pitchFamily="34" charset="0"/>
+                <a:ea typeface="Tahoma" panose="020B0604030504040204" pitchFamily="34" charset="0"/>
+                <a:cs typeface="Tahoma" panose="020B0604030504040204" pitchFamily="34" charset="0"/>
+              </a:rPr>
+              <a:t> dove n=5.</a:t>
+            </a:r>
+          </a:p>
+          <a:p>
+            <a:pPr marL="342900" indent="-342900">
+              <a:buFont typeface="Wingdings" panose="05000000000000000000" pitchFamily="2" charset="2"/>
+              <a:buChar char="ü"/>
+            </a:pPr>
+            <a:endParaRPr lang="it-IT" sz="2400">
+              <a:solidFill>
+                <a:srgbClr val="000000"/>
+              </a:solidFill>
+              <a:latin typeface="Tahoma" panose="020B0604030504040204" pitchFamily="34" charset="0"/>
+              <a:ea typeface="Tahoma" panose="020B0604030504040204" pitchFamily="34" charset="0"/>
+              <a:cs typeface="Tahoma" panose="020B0604030504040204" pitchFamily="34" charset="0"/>
+            </a:endParaRPr>
+          </a:p>
+          <a:p>
+            <a:pPr marL="342900" indent="-342900" algn="l">
+              <a:buFont typeface="Wingdings" panose="05000000000000000000" pitchFamily="2" charset="2"/>
+              <a:buChar char="ü"/>
+            </a:pPr>
+            <a:r>
+              <a:rPr lang="it-IT" sz="2400" b="0" i="0">
+                <a:solidFill>
+                  <a:srgbClr val="000000"/>
+                </a:solidFill>
+                <a:effectLst/>
+                <a:latin typeface="Tahoma" panose="020B0604030504040204" pitchFamily="34" charset="0"/>
+                <a:ea typeface="Tahoma" panose="020B0604030504040204" pitchFamily="34" charset="0"/>
+                <a:cs typeface="Tahoma" panose="020B0604030504040204" pitchFamily="34" charset="0"/>
+              </a:rPr>
+              <a:t>Tuttavia, per calcolare la complessità devo considerare anche </a:t>
+            </a:r>
+            <a:r>
+              <a:rPr lang="it-IT" sz="2400" b="1" i="0">
+                <a:solidFill>
+                  <a:srgbClr val="000000"/>
+                </a:solidFill>
+                <a:effectLst/>
+                <a:latin typeface="Tahoma" panose="020B0604030504040204" pitchFamily="34" charset="0"/>
+                <a:ea typeface="Tahoma" panose="020B0604030504040204" pitchFamily="34" charset="0"/>
+                <a:cs typeface="Tahoma" panose="020B0604030504040204" pitchFamily="34" charset="0"/>
+              </a:rPr>
+              <a:t>il test di chiusura</a:t>
+            </a:r>
+            <a:r>
+              <a:rPr lang="it-IT" sz="2400" b="0" i="0">
+                <a:solidFill>
+                  <a:srgbClr val="000000"/>
+                </a:solidFill>
+                <a:effectLst/>
+                <a:latin typeface="Tahoma" panose="020B0604030504040204" pitchFamily="34" charset="0"/>
+                <a:ea typeface="Tahoma" panose="020B0604030504040204" pitchFamily="34" charset="0"/>
+                <a:cs typeface="Tahoma" panose="020B0604030504040204" pitchFamily="34" charset="0"/>
+              </a:rPr>
+              <a:t> del ciclo.</a:t>
+            </a:r>
+          </a:p>
+          <a:p>
+            <a:pPr marL="342900" indent="-342900" algn="l">
+              <a:buFont typeface="Wingdings" panose="05000000000000000000" pitchFamily="2" charset="2"/>
+              <a:buChar char="ü"/>
+            </a:pPr>
+            <a:endParaRPr lang="it-IT" sz="2400" b="0" i="0">
+              <a:solidFill>
+                <a:srgbClr val="000000"/>
+              </a:solidFill>
+              <a:effectLst/>
+              <a:latin typeface="Tahoma" panose="020B0604030504040204" pitchFamily="34" charset="0"/>
+              <a:ea typeface="Tahoma" panose="020B0604030504040204" pitchFamily="34" charset="0"/>
+              <a:cs typeface="Tahoma" panose="020B0604030504040204" pitchFamily="34" charset="0"/>
+            </a:endParaRPr>
+          </a:p>
+          <a:p>
+            <a:pPr marL="342900" indent="-342900" algn="l">
+              <a:buFont typeface="Wingdings" panose="05000000000000000000" pitchFamily="2" charset="2"/>
+              <a:buChar char="ü"/>
+            </a:pPr>
+            <a:r>
+              <a:rPr lang="it-IT" sz="2400" b="0" i="0">
+                <a:solidFill>
+                  <a:srgbClr val="000000"/>
+                </a:solidFill>
+                <a:effectLst/>
+                <a:latin typeface="Tahoma" panose="020B0604030504040204" pitchFamily="34" charset="0"/>
+                <a:ea typeface="Tahoma" panose="020B0604030504040204" pitchFamily="34" charset="0"/>
+                <a:cs typeface="Tahoma" panose="020B0604030504040204" pitchFamily="34" charset="0"/>
+              </a:rPr>
+              <a:t>La riga di codice viene eseguita anche quando la condizione (i≤M.length) non viene soddisfatta e il programma esce dall'iterazione.</a:t>
+            </a:r>
+          </a:p>
+          <a:p>
+            <a:pPr marL="342900" indent="-342900">
+              <a:buFont typeface="Wingdings" panose="05000000000000000000" pitchFamily="2" charset="2"/>
+              <a:buChar char="ü"/>
+            </a:pPr>
+            <a:endParaRPr lang="it-IT" sz="2400">
+              <a:solidFill>
+                <a:srgbClr val="000000"/>
+              </a:solidFill>
+              <a:latin typeface="Tahoma" panose="020B0604030504040204" pitchFamily="34" charset="0"/>
+              <a:ea typeface="Tahoma" panose="020B0604030504040204" pitchFamily="34" charset="0"/>
+              <a:cs typeface="Tahoma" panose="020B0604030504040204" pitchFamily="34" charset="0"/>
+            </a:endParaRPr>
+          </a:p>
+          <a:p>
+            <a:pPr marL="342900" indent="-342900">
+              <a:buFont typeface="Wingdings" panose="05000000000000000000" pitchFamily="2" charset="2"/>
+              <a:buChar char="ü"/>
+            </a:pPr>
+            <a:endParaRPr lang="it-IT" sz="2400">
+              <a:solidFill>
+                <a:srgbClr val="000000"/>
+              </a:solidFill>
+              <a:latin typeface="Tahoma" panose="020B0604030504040204" pitchFamily="34" charset="0"/>
+              <a:ea typeface="Tahoma" panose="020B0604030504040204" pitchFamily="34" charset="0"/>
+              <a:cs typeface="Tahoma" panose="020B0604030504040204" pitchFamily="34" charset="0"/>
+            </a:endParaRPr>
+          </a:p>
+        </p:txBody>
+      </p:sp>
+      <p:sp>
+        <p:nvSpPr>
+          <p:cNvPr id="4" name="Titolo 4">
+            <a:extLst>
+              <a:ext uri="{FF2B5EF4-FFF2-40B4-BE49-F238E27FC236}">
+                <a16:creationId xmlns:a16="http://schemas.microsoft.com/office/drawing/2014/main" id="{B0CAFD71-4F5B-319A-8F68-C27ACA49FC3B}"/>
+              </a:ext>
+            </a:extLst>
+          </p:cNvPr>
+          <p:cNvSpPr txBox="1">
+            <a:spLocks/>
+          </p:cNvSpPr>
+          <p:nvPr/>
+        </p:nvSpPr>
+        <p:spPr bwMode="auto">
+          <a:xfrm>
+            <a:off x="397304" y="410627"/>
+            <a:ext cx="11269662" cy="384721"/>
+          </a:xfrm>
+          <a:prstGeom prst="rect">
+            <a:avLst/>
+          </a:prstGeom>
+          <a:noFill/>
+          <a:ln>
+            <a:noFill/>
+          </a:ln>
+          <a:extLst>
+            <a:ext uri="{909E8E84-426E-40DD-AFC4-6F175D3DCCD1}">
+              <a14:hiddenFill xmlns:a14="http://schemas.microsoft.com/office/drawing/2010/main">
+                <a:solidFill>
+                  <a:srgbClr val="FFFFFF"/>
+                </a:solidFill>
+              </a14:hiddenFill>
+            </a:ext>
+            <a:ext uri="{91240B29-F687-4F45-9708-019B960494DF}">
+              <a14:hiddenLine xmlns:a14="http://schemas.microsoft.com/office/drawing/2010/main" w="9525">
+                <a:solidFill>
+                  <a:srgbClr val="000000"/>
+                </a:solidFill>
+                <a:miter lim="800000"/>
+                <a:headEnd/>
+                <a:tailEnd/>
+              </a14:hiddenLine>
+            </a:ext>
+          </a:extLst>
+        </p:spPr>
+        <p:txBody>
+          <a:bodyPr vert="horz" wrap="square" lIns="0" tIns="0" rIns="0" bIns="0" numCol="1" rtlCol="0" anchor="b" anchorCtr="0" compatLnSpc="1">
+            <a:prstTxWarp prst="textNoShape">
+              <a:avLst/>
+            </a:prstTxWarp>
+            <a:spAutoFit/>
+          </a:bodyPr>
+          <a:lstStyle>
+            <a:lvl1pPr algn="l" defTabSz="457200" rtl="0" fontAlgn="base">
+              <a:lnSpc>
+                <a:spcPts val="3000"/>
+              </a:lnSpc>
+              <a:spcBef>
+                <a:spcPct val="0"/>
+              </a:spcBef>
+              <a:spcAft>
+                <a:spcPct val="0"/>
+              </a:spcAft>
+              <a:defRPr sz="2800" b="1" kern="1200" cap="none" baseline="0">
+                <a:solidFill>
+                  <a:srgbClr val="595959"/>
+                </a:solidFill>
+                <a:latin typeface="Arial" panose="020B0604020202020204" pitchFamily="34" charset="0"/>
+                <a:ea typeface="+mj-ea"/>
+                <a:cs typeface="Arial" panose="020B0604020202020204" pitchFamily="34" charset="0"/>
+              </a:defRPr>
+            </a:lvl1pPr>
+            <a:lvl2pPr algn="l" defTabSz="457200" rtl="0" fontAlgn="base">
+              <a:spcBef>
+                <a:spcPct val="0"/>
+              </a:spcBef>
+              <a:spcAft>
+                <a:spcPct val="0"/>
+              </a:spcAft>
+              <a:defRPr sz="2400" b="1">
+                <a:solidFill>
+                  <a:srgbClr val="595959"/>
+                </a:solidFill>
+                <a:latin typeface="Arial" panose="020B0604020202020204" pitchFamily="34" charset="0"/>
+                <a:cs typeface="Arial" panose="020B0604020202020204" pitchFamily="34" charset="0"/>
+              </a:defRPr>
+            </a:lvl2pPr>
+            <a:lvl3pPr algn="l" defTabSz="457200" rtl="0" fontAlgn="base">
+              <a:spcBef>
+                <a:spcPct val="0"/>
+              </a:spcBef>
+              <a:spcAft>
+                <a:spcPct val="0"/>
+              </a:spcAft>
+              <a:defRPr sz="2400" b="1">
+                <a:solidFill>
+                  <a:srgbClr val="595959"/>
+                </a:solidFill>
+                <a:latin typeface="Arial" panose="020B0604020202020204" pitchFamily="34" charset="0"/>
+                <a:cs typeface="Arial" panose="020B0604020202020204" pitchFamily="34" charset="0"/>
+              </a:defRPr>
+            </a:lvl3pPr>
+            <a:lvl4pPr algn="l" defTabSz="457200" rtl="0" fontAlgn="base">
+              <a:spcBef>
+                <a:spcPct val="0"/>
+              </a:spcBef>
+              <a:spcAft>
+                <a:spcPct val="0"/>
+              </a:spcAft>
+              <a:defRPr sz="2400" b="1">
+                <a:solidFill>
+                  <a:srgbClr val="595959"/>
+                </a:solidFill>
+                <a:latin typeface="Arial" panose="020B0604020202020204" pitchFamily="34" charset="0"/>
+                <a:cs typeface="Arial" panose="020B0604020202020204" pitchFamily="34" charset="0"/>
+              </a:defRPr>
+            </a:lvl4pPr>
+            <a:lvl5pPr algn="l" defTabSz="457200" rtl="0" fontAlgn="base">
+              <a:spcBef>
+                <a:spcPct val="0"/>
+              </a:spcBef>
+              <a:spcAft>
+                <a:spcPct val="0"/>
+              </a:spcAft>
+              <a:defRPr sz="2400" b="1">
+                <a:solidFill>
+                  <a:srgbClr val="595959"/>
+                </a:solidFill>
+                <a:latin typeface="Arial" panose="020B0604020202020204" pitchFamily="34" charset="0"/>
+                <a:cs typeface="Arial" panose="020B0604020202020204" pitchFamily="34" charset="0"/>
+              </a:defRPr>
+            </a:lvl5pPr>
+            <a:lvl6pPr eaLnBrk="1" hangingPunct="1">
+              <a:defRPr>
+                <a:solidFill>
+                  <a:schemeClr val="tx2"/>
+                </a:solidFill>
+              </a:defRPr>
+            </a:lvl6pPr>
+            <a:lvl7pPr eaLnBrk="1" hangingPunct="1">
+              <a:defRPr>
+                <a:solidFill>
+                  <a:schemeClr val="tx2"/>
+                </a:solidFill>
+              </a:defRPr>
+            </a:lvl7pPr>
+            <a:lvl8pPr eaLnBrk="1" hangingPunct="1">
+              <a:defRPr>
+                <a:solidFill>
+                  <a:schemeClr val="tx2"/>
+                </a:solidFill>
+              </a:defRPr>
+            </a:lvl8pPr>
+            <a:lvl9pPr eaLnBrk="1" hangingPunct="1">
+              <a:defRPr>
+                <a:solidFill>
+                  <a:schemeClr val="tx2"/>
+                </a:solidFill>
+              </a:defRPr>
+            </a:lvl9pPr>
+          </a:lstStyle>
+          <a:p>
+            <a:pPr eaLnBrk="1" hangingPunct="1"/>
+            <a:r>
+              <a:rPr lang="it-IT">
+                <a:solidFill>
+                  <a:schemeClr val="tx1"/>
+                </a:solidFill>
+                <a:latin typeface="Tahoma" panose="020B0604030504040204" pitchFamily="34" charset="0"/>
+                <a:ea typeface="Tahoma" panose="020B0604030504040204" pitchFamily="34" charset="0"/>
+                <a:cs typeface="Tahoma" panose="020B0604030504040204" pitchFamily="34" charset="0"/>
+              </a:rPr>
+              <a:t>Calcolare la Complessità Temporale di un Algoritmo</a:t>
+            </a:r>
+            <a:endParaRPr lang="it-IT" dirty="0"/>
+          </a:p>
+        </p:txBody>
+      </p:sp>
+      <p:pic>
+        <p:nvPicPr>
+          <p:cNvPr id="6" name="Immagine 5">
+            <a:extLst>
+              <a:ext uri="{FF2B5EF4-FFF2-40B4-BE49-F238E27FC236}">
+                <a16:creationId xmlns:a16="http://schemas.microsoft.com/office/drawing/2014/main" id="{D8D7C30B-B5C4-0568-768A-577C8314096A}"/>
+              </a:ext>
+            </a:extLst>
+          </p:cNvPr>
+          <p:cNvPicPr>
+            <a:picLocks noChangeAspect="1"/>
+          </p:cNvPicPr>
+          <p:nvPr/>
+        </p:nvPicPr>
+        <p:blipFill>
+          <a:blip r:embed="rId2"/>
+          <a:stretch>
+            <a:fillRect/>
+          </a:stretch>
+        </p:blipFill>
+        <p:spPr>
+          <a:xfrm>
+            <a:off x="7011277" y="1399980"/>
+            <a:ext cx="4932629" cy="5211835"/>
+          </a:xfrm>
+          <a:prstGeom prst="rect">
+            <a:avLst/>
+          </a:prstGeom>
+        </p:spPr>
+      </p:pic>
+    </p:spTree>
+    <p:extLst>
+      <p:ext uri="{BB962C8B-B14F-4D97-AF65-F5344CB8AC3E}">
+        <p14:creationId xmlns:p14="http://schemas.microsoft.com/office/powerpoint/2010/main" val="1816663197"/>
+      </p:ext>
+    </p:extLst>
+  </p:cSld>
+  <p:clrMapOvr>
+    <a:masterClrMapping/>
+  </p:clrMapOvr>
+</p:sld>
+</file>
+
+<file path=ppt/slides/slide17.xml><?xml version="1.0" encoding="utf-8"?>
+<p:sld xmlns:a="http://schemas.openxmlformats.org/drawingml/2006/main" xmlns:r="http://schemas.openxmlformats.org/officeDocument/2006/relationships" xmlns:p="http://schemas.openxmlformats.org/presentationml/2006/main">
+  <p:cSld>
+    <p:spTree>
+      <p:nvGrpSpPr>
+        <p:cNvPr id="1" name=""/>
+        <p:cNvGrpSpPr/>
+        <p:nvPr/>
+      </p:nvGrpSpPr>
+      <p:grpSpPr>
+        <a:xfrm>
+          <a:off x="0" y="0"/>
+          <a:ext cx="0" cy="0"/>
+          <a:chOff x="0" y="0"/>
+          <a:chExt cx="0" cy="0"/>
+        </a:xfrm>
+      </p:grpSpPr>
+      <p:sp>
+        <p:nvSpPr>
+          <p:cNvPr id="7" name="Segnaposto numero diapositiva 6">
+            <a:extLst>
+              <a:ext uri="{FF2B5EF4-FFF2-40B4-BE49-F238E27FC236}">
+                <a16:creationId xmlns:a16="http://schemas.microsoft.com/office/drawing/2014/main" id="{AB740BE9-E218-4144-BFDE-AE473D230A3D}"/>
+              </a:ext>
+            </a:extLst>
+          </p:cNvPr>
+          <p:cNvSpPr>
+            <a:spLocks noGrp="1"/>
+          </p:cNvSpPr>
+          <p:nvPr>
+            <p:ph type="sldNum" sz="quarter" idx="12"/>
+          </p:nvPr>
+        </p:nvSpPr>
+        <p:spPr/>
+        <p:txBody>
+          <a:bodyPr/>
+          <a:lstStyle/>
+          <a:p>
+            <a:pPr>
+              <a:defRPr/>
+            </a:pPr>
+            <a:fld id="{48B4153A-D4C5-4CEF-8992-0D8815C829E3}" type="slidenum">
+              <a:rPr lang="en-US" smtClean="0"/>
+              <a:pPr>
+                <a:defRPr/>
+              </a:pPr>
+              <a:t>17</a:t>
+            </a:fld>
+            <a:endParaRPr lang="en-US" dirty="0"/>
+          </a:p>
+        </p:txBody>
+      </p:sp>
+      <p:sp>
+        <p:nvSpPr>
+          <p:cNvPr id="3" name="Segnaposto testo 2">
+            <a:extLst>
+              <a:ext uri="{FF2B5EF4-FFF2-40B4-BE49-F238E27FC236}">
+                <a16:creationId xmlns:a16="http://schemas.microsoft.com/office/drawing/2014/main" id="{F15B28AB-8720-E62B-6D01-393C590EDE2E}"/>
+              </a:ext>
+            </a:extLst>
+          </p:cNvPr>
+          <p:cNvSpPr>
+            <a:spLocks noGrp="1"/>
+          </p:cNvSpPr>
+          <p:nvPr>
+            <p:ph type="body" idx="1"/>
+          </p:nvPr>
+        </p:nvSpPr>
+        <p:spPr>
+          <a:xfrm>
+            <a:off x="574294" y="1399980"/>
+            <a:ext cx="4236857" cy="4392612"/>
+          </a:xfrm>
+        </p:spPr>
+        <p:txBody>
+          <a:bodyPr/>
+          <a:lstStyle/>
+          <a:p>
+            <a:pPr marL="342900" indent="-342900">
+              <a:buFont typeface="Wingdings" panose="05000000000000000000" pitchFamily="2" charset="2"/>
+              <a:buChar char="ü"/>
+            </a:pPr>
+            <a:r>
+              <a:rPr lang="it-IT" sz="2400" b="0" i="0">
+                <a:solidFill>
+                  <a:srgbClr val="000000"/>
+                </a:solidFill>
+                <a:effectLst/>
+                <a:latin typeface="Tahoma" panose="020B0604030504040204" pitchFamily="34" charset="0"/>
+                <a:ea typeface="Tahoma" panose="020B0604030504040204" pitchFamily="34" charset="0"/>
+                <a:cs typeface="Tahoma" panose="020B0604030504040204" pitchFamily="34" charset="0"/>
+              </a:rPr>
+              <a:t>Quindi, </a:t>
+            </a:r>
+            <a:r>
+              <a:rPr lang="it-IT" sz="2400" b="1" i="0">
+                <a:solidFill>
+                  <a:srgbClr val="000000"/>
+                </a:solidFill>
+                <a:effectLst/>
+                <a:latin typeface="Tahoma" panose="020B0604030504040204" pitchFamily="34" charset="0"/>
+                <a:ea typeface="Tahoma" panose="020B0604030504040204" pitchFamily="34" charset="0"/>
+                <a:cs typeface="Tahoma" panose="020B0604030504040204" pitchFamily="34" charset="0"/>
+              </a:rPr>
+              <a:t>il ciclo compie n-1 iterazioni</a:t>
+            </a:r>
+            <a:r>
+              <a:rPr lang="it-IT" sz="2400" b="0" i="0">
+                <a:solidFill>
+                  <a:srgbClr val="000000"/>
+                </a:solidFill>
+                <a:effectLst/>
+                <a:latin typeface="Tahoma" panose="020B0604030504040204" pitchFamily="34" charset="0"/>
+                <a:ea typeface="Tahoma" panose="020B0604030504040204" pitchFamily="34" charset="0"/>
+                <a:cs typeface="Tahoma" panose="020B0604030504040204" pitchFamily="34" charset="0"/>
+              </a:rPr>
+              <a:t> dove n=5.</a:t>
+            </a:r>
+          </a:p>
+          <a:p>
+            <a:pPr marL="342900" indent="-342900">
+              <a:buFont typeface="Wingdings" panose="05000000000000000000" pitchFamily="2" charset="2"/>
+              <a:buChar char="ü"/>
+            </a:pPr>
+            <a:endParaRPr lang="it-IT" sz="2400">
+              <a:solidFill>
+                <a:srgbClr val="000000"/>
+              </a:solidFill>
+              <a:latin typeface="Tahoma" panose="020B0604030504040204" pitchFamily="34" charset="0"/>
+              <a:ea typeface="Tahoma" panose="020B0604030504040204" pitchFamily="34" charset="0"/>
+              <a:cs typeface="Tahoma" panose="020B0604030504040204" pitchFamily="34" charset="0"/>
+            </a:endParaRPr>
+          </a:p>
+          <a:p>
+            <a:pPr marL="342900" indent="-342900" algn="l">
+              <a:buFont typeface="Wingdings" panose="05000000000000000000" pitchFamily="2" charset="2"/>
+              <a:buChar char="ü"/>
+            </a:pPr>
+            <a:r>
+              <a:rPr lang="it-IT" sz="2400" b="0" i="0">
+                <a:solidFill>
+                  <a:srgbClr val="000000"/>
+                </a:solidFill>
+                <a:effectLst/>
+                <a:latin typeface="Tahoma" panose="020B0604030504040204" pitchFamily="34" charset="0"/>
+                <a:ea typeface="Tahoma" panose="020B0604030504040204" pitchFamily="34" charset="0"/>
+                <a:cs typeface="Tahoma" panose="020B0604030504040204" pitchFamily="34" charset="0"/>
+              </a:rPr>
+              <a:t>Pertanto, la seconda linea del codice viene eseguita (n-1)+1 volte ossia </a:t>
+            </a:r>
+            <a:r>
+              <a:rPr lang="it-IT" sz="2400" b="1" i="0">
+                <a:solidFill>
+                  <a:srgbClr val="000000"/>
+                </a:solidFill>
+                <a:effectLst/>
+                <a:latin typeface="Tahoma" panose="020B0604030504040204" pitchFamily="34" charset="0"/>
+                <a:ea typeface="Tahoma" panose="020B0604030504040204" pitchFamily="34" charset="0"/>
+                <a:cs typeface="Tahoma" panose="020B0604030504040204" pitchFamily="34" charset="0"/>
+              </a:rPr>
+              <a:t>n volte</a:t>
+            </a:r>
+            <a:r>
+              <a:rPr lang="it-IT" sz="2400" b="0" i="0">
+                <a:solidFill>
+                  <a:srgbClr val="000000"/>
+                </a:solidFill>
+                <a:effectLst/>
+                <a:latin typeface="Tahoma" panose="020B0604030504040204" pitchFamily="34" charset="0"/>
+                <a:ea typeface="Tahoma" panose="020B0604030504040204" pitchFamily="34" charset="0"/>
+                <a:cs typeface="Tahoma" panose="020B0604030504040204" pitchFamily="34" charset="0"/>
+              </a:rPr>
+              <a:t>.</a:t>
+            </a:r>
+          </a:p>
+          <a:p>
+            <a:pPr algn="l"/>
+            <a:endParaRPr lang="it-IT" sz="2400" b="0" i="0">
+              <a:solidFill>
+                <a:srgbClr val="000000"/>
+              </a:solidFill>
+              <a:effectLst/>
+              <a:latin typeface="Tahoma" panose="020B0604030504040204" pitchFamily="34" charset="0"/>
+              <a:ea typeface="Tahoma" panose="020B0604030504040204" pitchFamily="34" charset="0"/>
+              <a:cs typeface="Tahoma" panose="020B0604030504040204" pitchFamily="34" charset="0"/>
+            </a:endParaRPr>
+          </a:p>
+          <a:p>
+            <a:pPr marL="342900" indent="-342900" algn="l">
+              <a:buFont typeface="Wingdings" panose="05000000000000000000" pitchFamily="2" charset="2"/>
+              <a:buChar char="ü"/>
+            </a:pPr>
+            <a:r>
+              <a:rPr lang="it-IT" sz="2400" b="0" i="0">
+                <a:solidFill>
+                  <a:srgbClr val="000000"/>
+                </a:solidFill>
+                <a:effectLst/>
+                <a:latin typeface="Tahoma" panose="020B0604030504040204" pitchFamily="34" charset="0"/>
+                <a:ea typeface="Tahoma" panose="020B0604030504040204" pitchFamily="34" charset="0"/>
+                <a:cs typeface="Tahoma" panose="020B0604030504040204" pitchFamily="34" charset="0"/>
+              </a:rPr>
+              <a:t>A questo punto scrivo n nella colonna vicino alla riga di codice.</a:t>
+            </a:r>
+          </a:p>
+          <a:p>
+            <a:pPr marL="342900" indent="-342900">
+              <a:buFont typeface="Wingdings" panose="05000000000000000000" pitchFamily="2" charset="2"/>
+              <a:buChar char="ü"/>
+            </a:pPr>
+            <a:endParaRPr lang="it-IT" sz="2400" b="0" i="0">
+              <a:solidFill>
+                <a:srgbClr val="000000"/>
+              </a:solidFill>
+              <a:effectLst/>
+              <a:latin typeface="Tahoma" panose="020B0604030504040204" pitchFamily="34" charset="0"/>
+              <a:ea typeface="Tahoma" panose="020B0604030504040204" pitchFamily="34" charset="0"/>
+              <a:cs typeface="Tahoma" panose="020B0604030504040204" pitchFamily="34" charset="0"/>
+            </a:endParaRPr>
+          </a:p>
+          <a:p>
+            <a:pPr marL="342900" indent="-342900">
+              <a:buFont typeface="Wingdings" panose="05000000000000000000" pitchFamily="2" charset="2"/>
+              <a:buChar char="ü"/>
+            </a:pPr>
+            <a:endParaRPr lang="it-IT" sz="2400">
+              <a:solidFill>
+                <a:srgbClr val="000000"/>
+              </a:solidFill>
+              <a:latin typeface="Tahoma" panose="020B0604030504040204" pitchFamily="34" charset="0"/>
+              <a:ea typeface="Tahoma" panose="020B0604030504040204" pitchFamily="34" charset="0"/>
+              <a:cs typeface="Tahoma" panose="020B0604030504040204" pitchFamily="34" charset="0"/>
+            </a:endParaRPr>
+          </a:p>
+          <a:p>
+            <a:pPr algn="l"/>
+            <a:endParaRPr lang="it-IT" sz="2400" b="0" i="0">
+              <a:solidFill>
+                <a:srgbClr val="000000"/>
+              </a:solidFill>
+              <a:effectLst/>
+              <a:latin typeface="Tahoma" panose="020B0604030504040204" pitchFamily="34" charset="0"/>
+              <a:ea typeface="Tahoma" panose="020B0604030504040204" pitchFamily="34" charset="0"/>
+              <a:cs typeface="Tahoma" panose="020B0604030504040204" pitchFamily="34" charset="0"/>
+            </a:endParaRPr>
+          </a:p>
+          <a:p>
+            <a:pPr marL="342900" indent="-342900">
+              <a:buFont typeface="Wingdings" panose="05000000000000000000" pitchFamily="2" charset="2"/>
+              <a:buChar char="ü"/>
+            </a:pPr>
+            <a:endParaRPr lang="it-IT" sz="2400">
+              <a:solidFill>
+                <a:srgbClr val="000000"/>
+              </a:solidFill>
+              <a:latin typeface="Tahoma" panose="020B0604030504040204" pitchFamily="34" charset="0"/>
+              <a:ea typeface="Tahoma" panose="020B0604030504040204" pitchFamily="34" charset="0"/>
+              <a:cs typeface="Tahoma" panose="020B0604030504040204" pitchFamily="34" charset="0"/>
+            </a:endParaRPr>
+          </a:p>
+          <a:p>
+            <a:pPr marL="342900" indent="-342900">
+              <a:buFont typeface="Wingdings" panose="05000000000000000000" pitchFamily="2" charset="2"/>
+              <a:buChar char="ü"/>
+            </a:pPr>
+            <a:endParaRPr lang="it-IT" sz="2400">
+              <a:solidFill>
+                <a:srgbClr val="000000"/>
+              </a:solidFill>
+              <a:latin typeface="Tahoma" panose="020B0604030504040204" pitchFamily="34" charset="0"/>
+              <a:ea typeface="Tahoma" panose="020B0604030504040204" pitchFamily="34" charset="0"/>
+              <a:cs typeface="Tahoma" panose="020B0604030504040204" pitchFamily="34" charset="0"/>
+            </a:endParaRPr>
+          </a:p>
+        </p:txBody>
+      </p:sp>
+      <p:sp>
+        <p:nvSpPr>
+          <p:cNvPr id="4" name="Titolo 4">
+            <a:extLst>
+              <a:ext uri="{FF2B5EF4-FFF2-40B4-BE49-F238E27FC236}">
+                <a16:creationId xmlns:a16="http://schemas.microsoft.com/office/drawing/2014/main" id="{B0CAFD71-4F5B-319A-8F68-C27ACA49FC3B}"/>
+              </a:ext>
+            </a:extLst>
+          </p:cNvPr>
+          <p:cNvSpPr txBox="1">
+            <a:spLocks/>
+          </p:cNvSpPr>
+          <p:nvPr/>
+        </p:nvSpPr>
+        <p:spPr bwMode="auto">
+          <a:xfrm>
+            <a:off x="397304" y="410627"/>
+            <a:ext cx="11269662" cy="384721"/>
+          </a:xfrm>
+          <a:prstGeom prst="rect">
+            <a:avLst/>
+          </a:prstGeom>
+          <a:noFill/>
+          <a:ln>
+            <a:noFill/>
+          </a:ln>
+          <a:extLst>
+            <a:ext uri="{909E8E84-426E-40DD-AFC4-6F175D3DCCD1}">
+              <a14:hiddenFill xmlns:a14="http://schemas.microsoft.com/office/drawing/2010/main">
+                <a:solidFill>
+                  <a:srgbClr val="FFFFFF"/>
+                </a:solidFill>
+              </a14:hiddenFill>
+            </a:ext>
+            <a:ext uri="{91240B29-F687-4F45-9708-019B960494DF}">
+              <a14:hiddenLine xmlns:a14="http://schemas.microsoft.com/office/drawing/2010/main" w="9525">
+                <a:solidFill>
+                  <a:srgbClr val="000000"/>
+                </a:solidFill>
+                <a:miter lim="800000"/>
+                <a:headEnd/>
+                <a:tailEnd/>
+              </a14:hiddenLine>
+            </a:ext>
+          </a:extLst>
+        </p:spPr>
+        <p:txBody>
+          <a:bodyPr vert="horz" wrap="square" lIns="0" tIns="0" rIns="0" bIns="0" numCol="1" rtlCol="0" anchor="b" anchorCtr="0" compatLnSpc="1">
+            <a:prstTxWarp prst="textNoShape">
+              <a:avLst/>
+            </a:prstTxWarp>
+            <a:spAutoFit/>
+          </a:bodyPr>
+          <a:lstStyle>
+            <a:lvl1pPr algn="l" defTabSz="457200" rtl="0" fontAlgn="base">
+              <a:lnSpc>
+                <a:spcPts val="3000"/>
+              </a:lnSpc>
+              <a:spcBef>
+                <a:spcPct val="0"/>
+              </a:spcBef>
+              <a:spcAft>
+                <a:spcPct val="0"/>
+              </a:spcAft>
+              <a:defRPr sz="2800" b="1" kern="1200" cap="none" baseline="0">
+                <a:solidFill>
+                  <a:srgbClr val="595959"/>
+                </a:solidFill>
+                <a:latin typeface="Arial" panose="020B0604020202020204" pitchFamily="34" charset="0"/>
+                <a:ea typeface="+mj-ea"/>
+                <a:cs typeface="Arial" panose="020B0604020202020204" pitchFamily="34" charset="0"/>
+              </a:defRPr>
+            </a:lvl1pPr>
+            <a:lvl2pPr algn="l" defTabSz="457200" rtl="0" fontAlgn="base">
+              <a:spcBef>
+                <a:spcPct val="0"/>
+              </a:spcBef>
+              <a:spcAft>
+                <a:spcPct val="0"/>
+              </a:spcAft>
+              <a:defRPr sz="2400" b="1">
+                <a:solidFill>
+                  <a:srgbClr val="595959"/>
+                </a:solidFill>
+                <a:latin typeface="Arial" panose="020B0604020202020204" pitchFamily="34" charset="0"/>
+                <a:cs typeface="Arial" panose="020B0604020202020204" pitchFamily="34" charset="0"/>
+              </a:defRPr>
+            </a:lvl2pPr>
+            <a:lvl3pPr algn="l" defTabSz="457200" rtl="0" fontAlgn="base">
+              <a:spcBef>
+                <a:spcPct val="0"/>
+              </a:spcBef>
+              <a:spcAft>
+                <a:spcPct val="0"/>
+              </a:spcAft>
+              <a:defRPr sz="2400" b="1">
+                <a:solidFill>
+                  <a:srgbClr val="595959"/>
+                </a:solidFill>
+                <a:latin typeface="Arial" panose="020B0604020202020204" pitchFamily="34" charset="0"/>
+                <a:cs typeface="Arial" panose="020B0604020202020204" pitchFamily="34" charset="0"/>
+              </a:defRPr>
+            </a:lvl3pPr>
+            <a:lvl4pPr algn="l" defTabSz="457200" rtl="0" fontAlgn="base">
+              <a:spcBef>
+                <a:spcPct val="0"/>
+              </a:spcBef>
+              <a:spcAft>
+                <a:spcPct val="0"/>
+              </a:spcAft>
+              <a:defRPr sz="2400" b="1">
+                <a:solidFill>
+                  <a:srgbClr val="595959"/>
+                </a:solidFill>
+                <a:latin typeface="Arial" panose="020B0604020202020204" pitchFamily="34" charset="0"/>
+                <a:cs typeface="Arial" panose="020B0604020202020204" pitchFamily="34" charset="0"/>
+              </a:defRPr>
+            </a:lvl4pPr>
+            <a:lvl5pPr algn="l" defTabSz="457200" rtl="0" fontAlgn="base">
+              <a:spcBef>
+                <a:spcPct val="0"/>
+              </a:spcBef>
+              <a:spcAft>
+                <a:spcPct val="0"/>
+              </a:spcAft>
+              <a:defRPr sz="2400" b="1">
+                <a:solidFill>
+                  <a:srgbClr val="595959"/>
+                </a:solidFill>
+                <a:latin typeface="Arial" panose="020B0604020202020204" pitchFamily="34" charset="0"/>
+                <a:cs typeface="Arial" panose="020B0604020202020204" pitchFamily="34" charset="0"/>
+              </a:defRPr>
+            </a:lvl5pPr>
+            <a:lvl6pPr eaLnBrk="1" hangingPunct="1">
+              <a:defRPr>
+                <a:solidFill>
+                  <a:schemeClr val="tx2"/>
+                </a:solidFill>
+              </a:defRPr>
+            </a:lvl6pPr>
+            <a:lvl7pPr eaLnBrk="1" hangingPunct="1">
+              <a:defRPr>
+                <a:solidFill>
+                  <a:schemeClr val="tx2"/>
+                </a:solidFill>
+              </a:defRPr>
+            </a:lvl7pPr>
+            <a:lvl8pPr eaLnBrk="1" hangingPunct="1">
+              <a:defRPr>
+                <a:solidFill>
+                  <a:schemeClr val="tx2"/>
+                </a:solidFill>
+              </a:defRPr>
+            </a:lvl8pPr>
+            <a:lvl9pPr eaLnBrk="1" hangingPunct="1">
+              <a:defRPr>
+                <a:solidFill>
+                  <a:schemeClr val="tx2"/>
+                </a:solidFill>
+              </a:defRPr>
+            </a:lvl9pPr>
+          </a:lstStyle>
+          <a:p>
+            <a:pPr eaLnBrk="1" hangingPunct="1"/>
+            <a:r>
+              <a:rPr lang="it-IT">
+                <a:solidFill>
+                  <a:schemeClr val="tx1"/>
+                </a:solidFill>
+                <a:latin typeface="Tahoma" panose="020B0604030504040204" pitchFamily="34" charset="0"/>
+                <a:ea typeface="Tahoma" panose="020B0604030504040204" pitchFamily="34" charset="0"/>
+                <a:cs typeface="Tahoma" panose="020B0604030504040204" pitchFamily="34" charset="0"/>
+              </a:rPr>
+              <a:t>Calcolare la Complessità Temporale di un Algoritmo</a:t>
+            </a:r>
+            <a:endParaRPr lang="it-IT" dirty="0"/>
+          </a:p>
+        </p:txBody>
+      </p:sp>
+      <p:pic>
+        <p:nvPicPr>
+          <p:cNvPr id="5" name="Immagine 4">
+            <a:extLst>
+              <a:ext uri="{FF2B5EF4-FFF2-40B4-BE49-F238E27FC236}">
+                <a16:creationId xmlns:a16="http://schemas.microsoft.com/office/drawing/2014/main" id="{09ADB5B9-C261-83A0-2EAC-584517D5FDB1}"/>
+              </a:ext>
+            </a:extLst>
+          </p:cNvPr>
+          <p:cNvPicPr>
+            <a:picLocks noChangeAspect="1"/>
+          </p:cNvPicPr>
+          <p:nvPr/>
+        </p:nvPicPr>
+        <p:blipFill>
+          <a:blip r:embed="rId2"/>
+          <a:stretch>
+            <a:fillRect/>
+          </a:stretch>
+        </p:blipFill>
+        <p:spPr>
+          <a:xfrm>
+            <a:off x="5105301" y="1635608"/>
+            <a:ext cx="7078173" cy="4582312"/>
+          </a:xfrm>
+          <a:prstGeom prst="rect">
+            <a:avLst/>
+          </a:prstGeom>
+        </p:spPr>
+      </p:pic>
+    </p:spTree>
+    <p:extLst>
+      <p:ext uri="{BB962C8B-B14F-4D97-AF65-F5344CB8AC3E}">
+        <p14:creationId xmlns:p14="http://schemas.microsoft.com/office/powerpoint/2010/main" val="3102743597"/>
+      </p:ext>
+    </p:extLst>
+  </p:cSld>
+  <p:clrMapOvr>
+    <a:masterClrMapping/>
+  </p:clrMapOvr>
+</p:sld>
+</file>
+
+<file path=ppt/slides/slide18.xml><?xml version="1.0" encoding="utf-8"?>
+<p:sld xmlns:a="http://schemas.openxmlformats.org/drawingml/2006/main" xmlns:r="http://schemas.openxmlformats.org/officeDocument/2006/relationships" xmlns:p="http://schemas.openxmlformats.org/presentationml/2006/main">
+  <p:cSld>
+    <p:spTree>
+      <p:nvGrpSpPr>
+        <p:cNvPr id="1" name=""/>
+        <p:cNvGrpSpPr/>
+        <p:nvPr/>
+      </p:nvGrpSpPr>
+      <p:grpSpPr>
+        <a:xfrm>
+          <a:off x="0" y="0"/>
+          <a:ext cx="0" cy="0"/>
+          <a:chOff x="0" y="0"/>
+          <a:chExt cx="0" cy="0"/>
+        </a:xfrm>
+      </p:grpSpPr>
+      <p:sp>
+        <p:nvSpPr>
+          <p:cNvPr id="7" name="Segnaposto numero diapositiva 6">
+            <a:extLst>
+              <a:ext uri="{FF2B5EF4-FFF2-40B4-BE49-F238E27FC236}">
+                <a16:creationId xmlns:a16="http://schemas.microsoft.com/office/drawing/2014/main" id="{AB740BE9-E218-4144-BFDE-AE473D230A3D}"/>
+              </a:ext>
+            </a:extLst>
+          </p:cNvPr>
+          <p:cNvSpPr>
+            <a:spLocks noGrp="1"/>
+          </p:cNvSpPr>
+          <p:nvPr>
+            <p:ph type="sldNum" sz="quarter" idx="12"/>
+          </p:nvPr>
+        </p:nvSpPr>
+        <p:spPr/>
+        <p:txBody>
+          <a:bodyPr/>
+          <a:lstStyle/>
+          <a:p>
+            <a:pPr>
+              <a:defRPr/>
+            </a:pPr>
+            <a:fld id="{48B4153A-D4C5-4CEF-8992-0D8815C829E3}" type="slidenum">
+              <a:rPr lang="en-US" smtClean="0"/>
+              <a:pPr>
+                <a:defRPr/>
+              </a:pPr>
+              <a:t>18</a:t>
+            </a:fld>
+            <a:endParaRPr lang="en-US" dirty="0"/>
+          </a:p>
+        </p:txBody>
+      </p:sp>
+      <p:sp>
+        <p:nvSpPr>
+          <p:cNvPr id="4" name="Titolo 4">
+            <a:extLst>
+              <a:ext uri="{FF2B5EF4-FFF2-40B4-BE49-F238E27FC236}">
+                <a16:creationId xmlns:a16="http://schemas.microsoft.com/office/drawing/2014/main" id="{B0CAFD71-4F5B-319A-8F68-C27ACA49FC3B}"/>
+              </a:ext>
+            </a:extLst>
+          </p:cNvPr>
+          <p:cNvSpPr txBox="1">
+            <a:spLocks/>
+          </p:cNvSpPr>
+          <p:nvPr/>
+        </p:nvSpPr>
+        <p:spPr bwMode="auto">
+          <a:xfrm>
+            <a:off x="397304" y="410627"/>
+            <a:ext cx="11269662" cy="384721"/>
+          </a:xfrm>
+          <a:prstGeom prst="rect">
+            <a:avLst/>
+          </a:prstGeom>
+          <a:noFill/>
+          <a:ln>
+            <a:noFill/>
+          </a:ln>
+          <a:extLst>
+            <a:ext uri="{909E8E84-426E-40DD-AFC4-6F175D3DCCD1}">
+              <a14:hiddenFill xmlns:a14="http://schemas.microsoft.com/office/drawing/2010/main">
+                <a:solidFill>
+                  <a:srgbClr val="FFFFFF"/>
+                </a:solidFill>
+              </a14:hiddenFill>
+            </a:ext>
+            <a:ext uri="{91240B29-F687-4F45-9708-019B960494DF}">
+              <a14:hiddenLine xmlns:a14="http://schemas.microsoft.com/office/drawing/2010/main" w="9525">
+                <a:solidFill>
+                  <a:srgbClr val="000000"/>
+                </a:solidFill>
+                <a:miter lim="800000"/>
+                <a:headEnd/>
+                <a:tailEnd/>
+              </a14:hiddenLine>
+            </a:ext>
+          </a:extLst>
+        </p:spPr>
+        <p:txBody>
+          <a:bodyPr vert="horz" wrap="square" lIns="0" tIns="0" rIns="0" bIns="0" numCol="1" rtlCol="0" anchor="b" anchorCtr="0" compatLnSpc="1">
+            <a:prstTxWarp prst="textNoShape">
+              <a:avLst/>
+            </a:prstTxWarp>
+            <a:spAutoFit/>
+          </a:bodyPr>
+          <a:lstStyle>
+            <a:lvl1pPr algn="l" defTabSz="457200" rtl="0" fontAlgn="base">
+              <a:lnSpc>
+                <a:spcPts val="3000"/>
+              </a:lnSpc>
+              <a:spcBef>
+                <a:spcPct val="0"/>
+              </a:spcBef>
+              <a:spcAft>
+                <a:spcPct val="0"/>
+              </a:spcAft>
+              <a:defRPr sz="2800" b="1" kern="1200" cap="none" baseline="0">
+                <a:solidFill>
+                  <a:srgbClr val="595959"/>
+                </a:solidFill>
+                <a:latin typeface="Arial" panose="020B0604020202020204" pitchFamily="34" charset="0"/>
+                <a:ea typeface="+mj-ea"/>
+                <a:cs typeface="Arial" panose="020B0604020202020204" pitchFamily="34" charset="0"/>
+              </a:defRPr>
+            </a:lvl1pPr>
+            <a:lvl2pPr algn="l" defTabSz="457200" rtl="0" fontAlgn="base">
+              <a:spcBef>
+                <a:spcPct val="0"/>
+              </a:spcBef>
+              <a:spcAft>
+                <a:spcPct val="0"/>
+              </a:spcAft>
+              <a:defRPr sz="2400" b="1">
+                <a:solidFill>
+                  <a:srgbClr val="595959"/>
+                </a:solidFill>
+                <a:latin typeface="Arial" panose="020B0604020202020204" pitchFamily="34" charset="0"/>
+                <a:cs typeface="Arial" panose="020B0604020202020204" pitchFamily="34" charset="0"/>
+              </a:defRPr>
+            </a:lvl2pPr>
+            <a:lvl3pPr algn="l" defTabSz="457200" rtl="0" fontAlgn="base">
+              <a:spcBef>
+                <a:spcPct val="0"/>
+              </a:spcBef>
+              <a:spcAft>
+                <a:spcPct val="0"/>
+              </a:spcAft>
+              <a:defRPr sz="2400" b="1">
+                <a:solidFill>
+                  <a:srgbClr val="595959"/>
+                </a:solidFill>
+                <a:latin typeface="Arial" panose="020B0604020202020204" pitchFamily="34" charset="0"/>
+                <a:cs typeface="Arial" panose="020B0604020202020204" pitchFamily="34" charset="0"/>
+              </a:defRPr>
+            </a:lvl3pPr>
+            <a:lvl4pPr algn="l" defTabSz="457200" rtl="0" fontAlgn="base">
+              <a:spcBef>
+                <a:spcPct val="0"/>
+              </a:spcBef>
+              <a:spcAft>
+                <a:spcPct val="0"/>
+              </a:spcAft>
+              <a:defRPr sz="2400" b="1">
+                <a:solidFill>
+                  <a:srgbClr val="595959"/>
+                </a:solidFill>
+                <a:latin typeface="Arial" panose="020B0604020202020204" pitchFamily="34" charset="0"/>
+                <a:cs typeface="Arial" panose="020B0604020202020204" pitchFamily="34" charset="0"/>
+              </a:defRPr>
+            </a:lvl4pPr>
+            <a:lvl5pPr algn="l" defTabSz="457200" rtl="0" fontAlgn="base">
+              <a:spcBef>
+                <a:spcPct val="0"/>
+              </a:spcBef>
+              <a:spcAft>
+                <a:spcPct val="0"/>
+              </a:spcAft>
+              <a:defRPr sz="2400" b="1">
+                <a:solidFill>
+                  <a:srgbClr val="595959"/>
+                </a:solidFill>
+                <a:latin typeface="Arial" panose="020B0604020202020204" pitchFamily="34" charset="0"/>
+                <a:cs typeface="Arial" panose="020B0604020202020204" pitchFamily="34" charset="0"/>
+              </a:defRPr>
+            </a:lvl5pPr>
+            <a:lvl6pPr eaLnBrk="1" hangingPunct="1">
+              <a:defRPr>
+                <a:solidFill>
+                  <a:schemeClr val="tx2"/>
+                </a:solidFill>
+              </a:defRPr>
+            </a:lvl6pPr>
+            <a:lvl7pPr eaLnBrk="1" hangingPunct="1">
+              <a:defRPr>
+                <a:solidFill>
+                  <a:schemeClr val="tx2"/>
+                </a:solidFill>
+              </a:defRPr>
+            </a:lvl7pPr>
+            <a:lvl8pPr eaLnBrk="1" hangingPunct="1">
+              <a:defRPr>
+                <a:solidFill>
+                  <a:schemeClr val="tx2"/>
+                </a:solidFill>
+              </a:defRPr>
+            </a:lvl8pPr>
+            <a:lvl9pPr eaLnBrk="1" hangingPunct="1">
+              <a:defRPr>
+                <a:solidFill>
+                  <a:schemeClr val="tx2"/>
+                </a:solidFill>
+              </a:defRPr>
+            </a:lvl9pPr>
+          </a:lstStyle>
+          <a:p>
+            <a:pPr eaLnBrk="1" hangingPunct="1"/>
+            <a:r>
+              <a:rPr lang="it-IT">
+                <a:solidFill>
+                  <a:schemeClr val="tx1"/>
+                </a:solidFill>
+                <a:latin typeface="Tahoma" panose="020B0604030504040204" pitchFamily="34" charset="0"/>
+                <a:ea typeface="Tahoma" panose="020B0604030504040204" pitchFamily="34" charset="0"/>
+                <a:cs typeface="Tahoma" panose="020B0604030504040204" pitchFamily="34" charset="0"/>
+              </a:rPr>
+              <a:t>Calcolare la Complessità Temporale di un Algoritmo</a:t>
+            </a:r>
+            <a:endParaRPr lang="it-IT" dirty="0"/>
+          </a:p>
+        </p:txBody>
+      </p:sp>
+      <p:pic>
+        <p:nvPicPr>
+          <p:cNvPr id="6" name="Immagine 5">
+            <a:extLst>
+              <a:ext uri="{FF2B5EF4-FFF2-40B4-BE49-F238E27FC236}">
+                <a16:creationId xmlns:a16="http://schemas.microsoft.com/office/drawing/2014/main" id="{19B29AE2-0E1B-3111-3F28-B1B4B46C97B0}"/>
+              </a:ext>
+            </a:extLst>
+          </p:cNvPr>
+          <p:cNvPicPr>
+            <a:picLocks noChangeAspect="1"/>
+          </p:cNvPicPr>
+          <p:nvPr/>
+        </p:nvPicPr>
+        <p:blipFill>
+          <a:blip r:embed="rId2"/>
+          <a:stretch>
+            <a:fillRect/>
+          </a:stretch>
+        </p:blipFill>
+        <p:spPr>
+          <a:xfrm>
+            <a:off x="574294" y="1049574"/>
+            <a:ext cx="10809773" cy="3603257"/>
+          </a:xfrm>
+          <a:prstGeom prst="rect">
+            <a:avLst/>
+          </a:prstGeom>
+        </p:spPr>
+      </p:pic>
+    </p:spTree>
+    <p:extLst>
+      <p:ext uri="{BB962C8B-B14F-4D97-AF65-F5344CB8AC3E}">
+        <p14:creationId xmlns:p14="http://schemas.microsoft.com/office/powerpoint/2010/main" val="2029271533"/>
+      </p:ext>
+    </p:extLst>
+  </p:cSld>
+  <p:clrMapOvr>
+    <a:masterClrMapping/>
+  </p:clrMapOvr>
+</p:sld>
+</file>
+
+<file path=ppt/slides/slide19.xml><?xml version="1.0" encoding="utf-8"?>
+<p:sld xmlns:a="http://schemas.openxmlformats.org/drawingml/2006/main" xmlns:r="http://schemas.openxmlformats.org/officeDocument/2006/relationships" xmlns:p="http://schemas.openxmlformats.org/presentationml/2006/main">
+  <p:cSld>
+    <p:spTree>
+      <p:nvGrpSpPr>
+        <p:cNvPr id="1" name=""/>
+        <p:cNvGrpSpPr/>
+        <p:nvPr/>
+      </p:nvGrpSpPr>
+      <p:grpSpPr>
+        <a:xfrm>
+          <a:off x="0" y="0"/>
+          <a:ext cx="0" cy="0"/>
+          <a:chOff x="0" y="0"/>
+          <a:chExt cx="0" cy="0"/>
+        </a:xfrm>
+      </p:grpSpPr>
+      <p:sp>
+        <p:nvSpPr>
+          <p:cNvPr id="7" name="Segnaposto numero diapositiva 6">
+            <a:extLst>
+              <a:ext uri="{FF2B5EF4-FFF2-40B4-BE49-F238E27FC236}">
+                <a16:creationId xmlns:a16="http://schemas.microsoft.com/office/drawing/2014/main" id="{AB740BE9-E218-4144-BFDE-AE473D230A3D}"/>
+              </a:ext>
+            </a:extLst>
+          </p:cNvPr>
+          <p:cNvSpPr>
+            <a:spLocks noGrp="1"/>
+          </p:cNvSpPr>
+          <p:nvPr>
+            <p:ph type="sldNum" sz="quarter" idx="12"/>
+          </p:nvPr>
+        </p:nvSpPr>
+        <p:spPr/>
+        <p:txBody>
+          <a:bodyPr/>
+          <a:lstStyle/>
+          <a:p>
+            <a:pPr>
+              <a:defRPr/>
+            </a:pPr>
+            <a:fld id="{48B4153A-D4C5-4CEF-8992-0D8815C829E3}" type="slidenum">
+              <a:rPr lang="en-US" smtClean="0"/>
+              <a:pPr>
+                <a:defRPr/>
+              </a:pPr>
+              <a:t>19</a:t>
+            </a:fld>
+            <a:endParaRPr lang="en-US" dirty="0"/>
+          </a:p>
+        </p:txBody>
+      </p:sp>
+      <p:sp>
+        <p:nvSpPr>
+          <p:cNvPr id="5" name="Titolo 4">
+            <a:extLst>
+              <a:ext uri="{FF2B5EF4-FFF2-40B4-BE49-F238E27FC236}">
+                <a16:creationId xmlns:a16="http://schemas.microsoft.com/office/drawing/2014/main" id="{82C46BA2-B380-4357-B125-BA9F08A643F5}"/>
+              </a:ext>
+            </a:extLst>
+          </p:cNvPr>
+          <p:cNvSpPr>
+            <a:spLocks noGrp="1"/>
+          </p:cNvSpPr>
+          <p:nvPr>
+            <p:ph type="title"/>
+          </p:nvPr>
+        </p:nvSpPr>
+        <p:spPr>
+          <a:xfrm>
+            <a:off x="468895" y="503475"/>
+            <a:ext cx="11269308" cy="384721"/>
+          </a:xfrm>
+        </p:spPr>
+        <p:txBody>
+          <a:bodyPr/>
+          <a:lstStyle/>
+          <a:p>
+            <a:r>
+              <a:rPr lang="it-IT" altLang="it-IT"/>
+              <a:t>Bibliografia</a:t>
+            </a:r>
+            <a:endParaRPr lang="it-IT" dirty="0"/>
+          </a:p>
+        </p:txBody>
+      </p:sp>
+      <p:sp>
+        <p:nvSpPr>
+          <p:cNvPr id="3" name="Segnaposto testo 2">
+            <a:extLst>
+              <a:ext uri="{FF2B5EF4-FFF2-40B4-BE49-F238E27FC236}">
+                <a16:creationId xmlns:a16="http://schemas.microsoft.com/office/drawing/2014/main" id="{15CD42DB-61E6-AA3D-7125-BF4BEDB5D886}"/>
+              </a:ext>
+            </a:extLst>
+          </p:cNvPr>
+          <p:cNvSpPr>
+            <a:spLocks noGrp="1"/>
+          </p:cNvSpPr>
+          <p:nvPr>
+            <p:ph type="body" idx="1"/>
+          </p:nvPr>
+        </p:nvSpPr>
+        <p:spPr>
+          <a:xfrm>
+            <a:off x="477519" y="1557338"/>
+            <a:ext cx="11043921" cy="4392612"/>
+          </a:xfrm>
+        </p:spPr>
+        <p:txBody>
+          <a:bodyPr/>
+          <a:lstStyle/>
+          <a:p>
+            <a:endParaRPr lang="it-IT" dirty="0"/>
+          </a:p>
+          <a:p>
+            <a:endParaRPr lang="it-IT" dirty="0"/>
+          </a:p>
+        </p:txBody>
+      </p:sp>
+      <p:sp>
+        <p:nvSpPr>
+          <p:cNvPr id="2" name="Rettangolo 1"/>
+          <p:cNvSpPr/>
+          <p:nvPr/>
+        </p:nvSpPr>
+        <p:spPr>
+          <a:xfrm>
+            <a:off x="574294" y="1335471"/>
+            <a:ext cx="6096000" cy="646331"/>
+          </a:xfrm>
+          <a:prstGeom prst="rect">
+            <a:avLst/>
+          </a:prstGeom>
+        </p:spPr>
+        <p:txBody>
+          <a:bodyPr>
+            <a:spAutoFit/>
+          </a:bodyPr>
+          <a:lstStyle/>
+          <a:p>
+            <a:r>
+              <a:rPr lang="it-IT"/>
+              <a:t>https://it.wikipedia.org/wiki/Teoria_della_complessit%C3%A0_computazionale</a:t>
+            </a:r>
+          </a:p>
+        </p:txBody>
+      </p:sp>
+      <p:sp>
+        <p:nvSpPr>
+          <p:cNvPr id="4" name="Rettangolo 3"/>
+          <p:cNvSpPr/>
+          <p:nvPr/>
+        </p:nvSpPr>
+        <p:spPr>
+          <a:xfrm>
+            <a:off x="477519" y="2203669"/>
+            <a:ext cx="6096000" cy="646331"/>
+          </a:xfrm>
+          <a:prstGeom prst="rect">
+            <a:avLst/>
+          </a:prstGeom>
+        </p:spPr>
+        <p:txBody>
+          <a:bodyPr>
+            <a:spAutoFit/>
+          </a:bodyPr>
+          <a:lstStyle/>
+          <a:p>
+            <a:r>
+              <a:rPr lang="it-IT"/>
+              <a:t>https://www.andreaminini.com/informatica/algoritmo/complessita-algoritmo</a:t>
+            </a:r>
+          </a:p>
+        </p:txBody>
+      </p:sp>
+    </p:spTree>
+    <p:extLst>
+      <p:ext uri="{BB962C8B-B14F-4D97-AF65-F5344CB8AC3E}">
+        <p14:creationId xmlns:p14="http://schemas.microsoft.com/office/powerpoint/2010/main" val="3490964097"/>
+      </p:ext>
+    </p:extLst>
+  </p:cSld>
+  <p:clrMapOvr>
+    <a:masterClrMapping/>
+  </p:clrMapOvr>
+</p:sld>
+</file>
+
 <file path=ppt/slides/slide2.xml><?xml version="1.0" encoding="utf-8"?>
 <p:sld xmlns:a="http://schemas.openxmlformats.org/drawingml/2006/main" xmlns:r="http://schemas.openxmlformats.org/officeDocument/2006/relationships" xmlns:p="http://schemas.openxmlformats.org/presentationml/2006/main">
   <p:cSld>
@@ -6911,7 +10573,29 @@
                 <a:ea typeface="Tahoma" panose="020B0604030504040204" pitchFamily="34" charset="0"/>
                 <a:cs typeface="Tahoma" panose="020B0604030504040204" pitchFamily="34" charset="0"/>
               </a:rPr>
-              <a:t>ci si riferisce dunque alle risorse di calcolo richieste. I problemi sono classificati in differenti classi di complessità, in base all'efficienza del migliore algoritmo noto in grado di risolvere quello specifico problema. </a:t>
+              <a:t>ci si riferisce dunque alle risorse di calcolo richieste. I problemi sono classificati in </a:t>
+            </a:r>
+            <a:r>
+              <a:rPr lang="it-IT" sz="2400" b="1">
+                <a:solidFill>
+                  <a:schemeClr val="tx1"/>
+                </a:solidFill>
+                <a:latin typeface="Tahoma" panose="020B0604030504040204" pitchFamily="34" charset="0"/>
+                <a:ea typeface="Tahoma" panose="020B0604030504040204" pitchFamily="34" charset="0"/>
+                <a:cs typeface="Tahoma" panose="020B0604030504040204" pitchFamily="34" charset="0"/>
+              </a:rPr>
+              <a:t>differenti classi di complessità</a:t>
+            </a:r>
+            <a:r>
+              <a:rPr lang="it-IT" sz="2400">
+                <a:solidFill>
+                  <a:schemeClr val="tx1"/>
+                </a:solidFill>
+                <a:latin typeface="Tahoma" panose="020B0604030504040204" pitchFamily="34" charset="0"/>
+                <a:ea typeface="Tahoma" panose="020B0604030504040204" pitchFamily="34" charset="0"/>
+                <a:cs typeface="Tahoma" panose="020B0604030504040204" pitchFamily="34" charset="0"/>
+              </a:rPr>
+              <a:t>, in base all'efficienza del migliore algoritmo noto in grado di risolvere quello specifico problema. </a:t>
             </a:r>
           </a:p>
           <a:p>
@@ -6937,7 +10621,29 @@
                 <a:ea typeface="Tahoma" panose="020B0604030504040204" pitchFamily="34" charset="0"/>
                 <a:cs typeface="Tahoma" panose="020B0604030504040204" pitchFamily="34" charset="0"/>
               </a:rPr>
-              <a:t>Una distinzione informale, ma di grande rilievo, è quella posta tra i cosiddetti problemi facili, di cui si conoscono algoritmi di risoluzione efficienti, e difficili, di cui gli unici algoritmi noti non sono efficienti. </a:t>
+              <a:t>Una distinzione informale, ma di grande rilievo, è quella posta tra i cosiddetti problemi facili, di cui si conoscono </a:t>
+            </a:r>
+            <a:r>
+              <a:rPr lang="it-IT" sz="2400" b="1">
+                <a:solidFill>
+                  <a:schemeClr val="tx1"/>
+                </a:solidFill>
+                <a:latin typeface="Tahoma" panose="020B0604030504040204" pitchFamily="34" charset="0"/>
+                <a:ea typeface="Tahoma" panose="020B0604030504040204" pitchFamily="34" charset="0"/>
+                <a:cs typeface="Tahoma" panose="020B0604030504040204" pitchFamily="34" charset="0"/>
+              </a:rPr>
+              <a:t>algoritmi di risoluzione efficienti</a:t>
+            </a:r>
+            <a:r>
+              <a:rPr lang="it-IT" sz="2400">
+                <a:solidFill>
+                  <a:schemeClr val="tx1"/>
+                </a:solidFill>
+                <a:latin typeface="Tahoma" panose="020B0604030504040204" pitchFamily="34" charset="0"/>
+                <a:ea typeface="Tahoma" panose="020B0604030504040204" pitchFamily="34" charset="0"/>
+                <a:cs typeface="Tahoma" panose="020B0604030504040204" pitchFamily="34" charset="0"/>
+              </a:rPr>
+              <a:t>, e difficili, di cui gli unici algoritmi noti non sono efficienti. </a:t>
             </a:r>
           </a:p>
         </p:txBody>
@@ -7050,8 +10756,8 @@
         </p:blipFill>
         <p:spPr>
           <a:xfrm>
-            <a:off x="6822141" y="4381100"/>
-            <a:ext cx="4686299" cy="2381250"/>
+            <a:off x="6991643" y="4381100"/>
+            <a:ext cx="4516797" cy="2381250"/>
           </a:xfrm>
           <a:prstGeom prst="rect">
             <a:avLst/>
@@ -7158,7 +10864,51 @@
                 <a:ea typeface="Tahoma" panose="020B0604030504040204" pitchFamily="34" charset="0"/>
                 <a:cs typeface="Tahoma" panose="020B0604030504040204" pitchFamily="34" charset="0"/>
               </a:rPr>
-              <a:t> moderna si fonda sull'esistenza di problemi ritenuti difficili. </a:t>
+              <a:t> </a:t>
+            </a:r>
+            <a:r>
+              <a:rPr lang="it-IT" sz="2400" b="1">
+                <a:solidFill>
+                  <a:schemeClr val="tx1"/>
+                </a:solidFill>
+                <a:latin typeface="Tahoma" panose="020B0604030504040204" pitchFamily="34" charset="0"/>
+                <a:ea typeface="Tahoma" panose="020B0604030504040204" pitchFamily="34" charset="0"/>
+                <a:cs typeface="Tahoma" panose="020B0604030504040204" pitchFamily="34" charset="0"/>
+              </a:rPr>
+              <a:t>moderna</a:t>
+            </a:r>
+            <a:r>
+              <a:rPr lang="it-IT" sz="2400">
+                <a:solidFill>
+                  <a:schemeClr val="tx1"/>
+                </a:solidFill>
+                <a:latin typeface="Tahoma" panose="020B0604030504040204" pitchFamily="34" charset="0"/>
+                <a:ea typeface="Tahoma" panose="020B0604030504040204" pitchFamily="34" charset="0"/>
+                <a:cs typeface="Tahoma" panose="020B0604030504040204" pitchFamily="34" charset="0"/>
+              </a:rPr>
+              <a:t> si fonda sull'esistenza di </a:t>
+            </a:r>
+            <a:r>
+              <a:rPr lang="it-IT" sz="2400" b="1">
+                <a:solidFill>
+                  <a:schemeClr val="tx1"/>
+                </a:solidFill>
+                <a:latin typeface="Tahoma" panose="020B0604030504040204" pitchFamily="34" charset="0"/>
+                <a:ea typeface="Tahoma" panose="020B0604030504040204" pitchFamily="34" charset="0"/>
+                <a:cs typeface="Tahoma" panose="020B0604030504040204" pitchFamily="34" charset="0"/>
+              </a:rPr>
+              <a:t>problemi ritenuti difficili</a:t>
+            </a:r>
+            <a:r>
+              <a:rPr lang="it-IT" sz="2400">
+                <a:solidFill>
+                  <a:schemeClr val="tx1"/>
+                </a:solidFill>
+                <a:latin typeface="Tahoma" panose="020B0604030504040204" pitchFamily="34" charset="0"/>
+                <a:ea typeface="Tahoma" panose="020B0604030504040204" pitchFamily="34" charset="0"/>
+                <a:cs typeface="Tahoma" panose="020B0604030504040204" pitchFamily="34" charset="0"/>
+              </a:rPr>
+              <a:t>. </a:t>
             </a:r>
           </a:p>
           <a:p>
@@ -7583,7 +11333,7 @@
                 <a:ea typeface="Tahoma" panose="020B0604030504040204" pitchFamily="34" charset="0"/>
                 <a:cs typeface="Tahoma" panose="020B0604030504040204" pitchFamily="34" charset="0"/>
               </a:rPr>
-              <a:t>Nello sviluppo di un algoritmo è particolarmente importante la complessità temporale. La </a:t>
+              <a:t>Nello sviluppo di un algoritmo è particolarmente importante la </a:t>
             </a:r>
             <a:r>
               <a:rPr lang="it-IT" sz="2400" b="1">
@@ -7594,6 +11344,28 @@
                 <a:ea typeface="Tahoma" panose="020B0604030504040204" pitchFamily="34" charset="0"/>
                 <a:cs typeface="Tahoma" panose="020B0604030504040204" pitchFamily="34" charset="0"/>
               </a:rPr>
+              <a:t>complessità temporale</a:t>
+            </a:r>
+            <a:r>
+              <a:rPr lang="it-IT" sz="2400">
+                <a:solidFill>
+                  <a:schemeClr val="tx1"/>
+                </a:solidFill>
+                <a:latin typeface="Tahoma" panose="020B0604030504040204" pitchFamily="34" charset="0"/>
+                <a:ea typeface="Tahoma" panose="020B0604030504040204" pitchFamily="34" charset="0"/>
+                <a:cs typeface="Tahoma" panose="020B0604030504040204" pitchFamily="34" charset="0"/>
+              </a:rPr>
+              <a:t>. La </a:t>
+            </a:r>
+            <a:r>
+              <a:rPr lang="it-IT" sz="2400" b="1">
+                <a:solidFill>
+                  <a:schemeClr val="tx1"/>
+                </a:solidFill>
+                <a:latin typeface="Tahoma" panose="020B0604030504040204" pitchFamily="34" charset="0"/>
+                <a:ea typeface="Tahoma" panose="020B0604030504040204" pitchFamily="34" charset="0"/>
+                <a:cs typeface="Tahoma" panose="020B0604030504040204" pitchFamily="34" charset="0"/>
+              </a:rPr>
               <a:t>complessità spaziale</a:t>
             </a:r>
             <a:r>
@@ -7605,7 +11377,29 @@
                 <a:ea typeface="Tahoma" panose="020B0604030504040204" pitchFamily="34" charset="0"/>
                 <a:cs typeface="Tahoma" panose="020B0604030504040204" pitchFamily="34" charset="0"/>
               </a:rPr>
-              <a:t> è meno importante, in quanto spesso compensata dai progressi tecnologici sui componenti hardware del computer ( es. hard disk e memorie ram più capienti ).</a:t>
+              <a:t> è meno importante, in quanto spesso compensata dai </a:t>
+            </a:r>
+            <a:r>
+              <a:rPr lang="it-IT" sz="2400" b="1">
+                <a:solidFill>
+                  <a:schemeClr val="tx1"/>
+                </a:solidFill>
+                <a:latin typeface="Tahoma" panose="020B0604030504040204" pitchFamily="34" charset="0"/>
+                <a:ea typeface="Tahoma" panose="020B0604030504040204" pitchFamily="34" charset="0"/>
+                <a:cs typeface="Tahoma" panose="020B0604030504040204" pitchFamily="34" charset="0"/>
+              </a:rPr>
+              <a:t>progressi tecnologici </a:t>
+            </a:r>
+            <a:r>
+              <a:rPr lang="it-IT" sz="2400">
+                <a:solidFill>
+                  <a:schemeClr val="tx1"/>
+                </a:solidFill>
+                <a:latin typeface="Tahoma" panose="020B0604030504040204" pitchFamily="34" charset="0"/>
+                <a:ea typeface="Tahoma" panose="020B0604030504040204" pitchFamily="34" charset="0"/>
+                <a:cs typeface="Tahoma" panose="020B0604030504040204" pitchFamily="34" charset="0"/>
+              </a:rPr>
+              <a:t>sui componenti hardware del computer ( es. hard disk e memorie ram più capienti ).</a:t>
             </a:r>
           </a:p>
           <a:p>
@@ -7814,7 +11608,9 @@
                   <a:srgbClr val="000000"/>
                 </a:solidFill>
                 <a:effectLst/>
-                <a:latin typeface="Verdana" panose="020B0604030504040204" pitchFamily="34" charset="0"/>
+                <a:latin typeface="Tahoma" panose="020B0604030504040204" pitchFamily="34" charset="0"/>
+                <a:ea typeface="Tahoma" panose="020B0604030504040204" pitchFamily="34" charset="0"/>
+                <a:cs typeface="Tahoma" panose="020B0604030504040204" pitchFamily="34" charset="0"/>
               </a:rPr>
               <a:t>La </a:t>
             </a:r>
@@ -7824,7 +11620,9 @@
                   <a:srgbClr val="000000"/>
                 </a:solidFill>
                 <a:effectLst/>
-                <a:latin typeface="Verdana" panose="020B0604030504040204" pitchFamily="34" charset="0"/>
+                <a:latin typeface="Tahoma" panose="020B0604030504040204" pitchFamily="34" charset="0"/>
+                <a:ea typeface="Tahoma" panose="020B0604030504040204" pitchFamily="34" charset="0"/>
+                <a:cs typeface="Tahoma" panose="020B0604030504040204" pitchFamily="34" charset="0"/>
               </a:rPr>
               <a:t>complessità temporale</a:t>
             </a:r>
@@ -7834,7 +11632,9 @@
                   <a:srgbClr val="000000"/>
                 </a:solidFill>
                 <a:effectLst/>
-                <a:latin typeface="Verdana" panose="020B0604030504040204" pitchFamily="34" charset="0"/>
+                <a:latin typeface="Tahoma" panose="020B0604030504040204" pitchFamily="34" charset="0"/>
+                <a:ea typeface="Tahoma" panose="020B0604030504040204" pitchFamily="34" charset="0"/>
+                <a:cs typeface="Tahoma" panose="020B0604030504040204" pitchFamily="34" charset="0"/>
               </a:rPr>
               <a:t> cresce al crescere della </a:t>
             </a:r>
@@ -7844,7 +11644,9 @@
                   <a:srgbClr val="000000"/>
                 </a:solidFill>
                 <a:effectLst/>
-                <a:latin typeface="Verdana" panose="020B0604030504040204" pitchFamily="34" charset="0"/>
+                <a:latin typeface="Tahoma" panose="020B0604030504040204" pitchFamily="34" charset="0"/>
+                <a:ea typeface="Tahoma" panose="020B0604030504040204" pitchFamily="34" charset="0"/>
+                <a:cs typeface="Tahoma" panose="020B0604030504040204" pitchFamily="34" charset="0"/>
               </a:rPr>
               <a:t>dimensione n dei dati in input</a:t>
             </a:r>
@@ -7854,7 +11656,9 @@
                   <a:srgbClr val="000000"/>
                 </a:solidFill>
                 <a:effectLst/>
-                <a:latin typeface="Verdana" panose="020B0604030504040204" pitchFamily="34" charset="0"/>
+                <a:latin typeface="Tahoma" panose="020B0604030504040204" pitchFamily="34" charset="0"/>
+                <a:ea typeface="Tahoma" panose="020B0604030504040204" pitchFamily="34" charset="0"/>
+                <a:cs typeface="Tahoma" panose="020B0604030504040204" pitchFamily="34" charset="0"/>
               </a:rPr>
               <a:t>. Per dimensione dell'input intendiamo la quantità dei dati in input di un algoritmo.</a:t>
             </a:r>
@@ -7879,7 +11683,9 @@
                   <a:srgbClr val="000000"/>
                 </a:solidFill>
                 <a:effectLst/>
-                <a:latin typeface="Verdana" panose="020B0604030504040204" pitchFamily="34" charset="0"/>
+                <a:latin typeface="Tahoma" panose="020B0604030504040204" pitchFamily="34" charset="0"/>
+                <a:ea typeface="Tahoma" panose="020B0604030504040204" pitchFamily="34" charset="0"/>
+                <a:cs typeface="Tahoma" panose="020B0604030504040204" pitchFamily="34" charset="0"/>
               </a:rPr>
               <a:t>Il</a:t>
             </a:r>
@@ -7889,7 +11695,9 @@
                   <a:srgbClr val="000000"/>
                 </a:solidFill>
                 <a:effectLst/>
-                <a:latin typeface="Verdana" panose="020B0604030504040204" pitchFamily="34" charset="0"/>
+                <a:latin typeface="Tahoma" panose="020B0604030504040204" pitchFamily="34" charset="0"/>
+                <a:ea typeface="Tahoma" panose="020B0604030504040204" pitchFamily="34" charset="0"/>
+                <a:cs typeface="Tahoma" panose="020B0604030504040204" pitchFamily="34" charset="0"/>
               </a:rPr>
               <a:t> tempo di esecuzione</a:t>
             </a:r>
@@ -7899,7 +11707,9 @@
                   <a:srgbClr val="000000"/>
                 </a:solidFill>
                 <a:effectLst/>
-                <a:latin typeface="Verdana" panose="020B0604030504040204" pitchFamily="34" charset="0"/>
+                <a:latin typeface="Tahoma" panose="020B0604030504040204" pitchFamily="34" charset="0"/>
+                <a:ea typeface="Tahoma" panose="020B0604030504040204" pitchFamily="34" charset="0"/>
+                <a:cs typeface="Tahoma" panose="020B0604030504040204" pitchFamily="34" charset="0"/>
               </a:rPr>
               <a:t> di un algoritmo è strettamente legato al funzionamento di un algoritmo. Per </a:t>
             </a:r>
@@ -7909,7 +11719,9 @@
                   <a:srgbClr val="000000"/>
                 </a:solidFill>
                 <a:effectLst/>
-                <a:latin typeface="Verdana" panose="020B0604030504040204" pitchFamily="34" charset="0"/>
+                <a:latin typeface="Tahoma" panose="020B0604030504040204" pitchFamily="34" charset="0"/>
+                <a:ea typeface="Tahoma" panose="020B0604030504040204" pitchFamily="34" charset="0"/>
+                <a:cs typeface="Tahoma" panose="020B0604030504040204" pitchFamily="34" charset="0"/>
               </a:rPr>
               <a:t>raggiungere</a:t>
             </a:r>
@@ -7919,7 +11731,9 @@
                   <a:srgbClr val="000000"/>
                 </a:solidFill>
                 <a:effectLst/>
-                <a:latin typeface="Verdana" panose="020B0604030504040204" pitchFamily="34" charset="0"/>
+                <a:latin typeface="Tahoma" panose="020B0604030504040204" pitchFamily="34" charset="0"/>
+                <a:ea typeface="Tahoma" panose="020B0604030504040204" pitchFamily="34" charset="0"/>
+                <a:cs typeface="Tahoma" panose="020B0604030504040204" pitchFamily="34" charset="0"/>
               </a:rPr>
               <a:t> </a:t>
             </a:r>
@@ -7929,7 +11743,9 @@
                   <a:srgbClr val="000000"/>
                 </a:solidFill>
                 <a:effectLst/>
-                <a:latin typeface="Verdana" panose="020B0604030504040204" pitchFamily="34" charset="0"/>
+                <a:latin typeface="Tahoma" panose="020B0604030504040204" pitchFamily="34" charset="0"/>
+                <a:ea typeface="Tahoma" panose="020B0604030504040204" pitchFamily="34" charset="0"/>
+                <a:cs typeface="Tahoma" panose="020B0604030504040204" pitchFamily="34" charset="0"/>
               </a:rPr>
               <a:t>un</a:t>
             </a:r>
@@ -7939,7 +11755,9 @@
                   <a:srgbClr val="000000"/>
                 </a:solidFill>
                 <a:effectLst/>
-                <a:latin typeface="Verdana" panose="020B0604030504040204" pitchFamily="34" charset="0"/>
+                <a:latin typeface="Tahoma" panose="020B0604030504040204" pitchFamily="34" charset="0"/>
+                <a:ea typeface="Tahoma" panose="020B0604030504040204" pitchFamily="34" charset="0"/>
+                <a:cs typeface="Tahoma" panose="020B0604030504040204" pitchFamily="34" charset="0"/>
               </a:rPr>
               <a:t> </a:t>
             </a:r>
@@ -7949,7 +11767,9 @@
                   <a:srgbClr val="000000"/>
                 </a:solidFill>
                 <a:effectLst/>
-                <a:latin typeface="Verdana" panose="020B0604030504040204" pitchFamily="34" charset="0"/>
+                <a:latin typeface="Tahoma" panose="020B0604030504040204" pitchFamily="34" charset="0"/>
+                <a:ea typeface="Tahoma" panose="020B0604030504040204" pitchFamily="34" charset="0"/>
+                <a:cs typeface="Tahoma" panose="020B0604030504040204" pitchFamily="34" charset="0"/>
               </a:rPr>
               <a:t>obiettivo</a:t>
             </a:r>
@@ -7959,9 +11779,11 @@
                   <a:srgbClr val="000000"/>
                 </a:solidFill>
                 <a:effectLst/>
-                <a:latin typeface="Verdana" panose="020B0604030504040204" pitchFamily="34" charset="0"/>
-              </a:rPr>
-              <a:t> esistono algoritmo più efficienti di altri.</a:t>
+                <a:latin typeface="Tahoma" panose="020B0604030504040204" pitchFamily="34" charset="0"/>
+                <a:ea typeface="Tahoma" panose="020B0604030504040204" pitchFamily="34" charset="0"/>
+                <a:cs typeface="Tahoma" panose="020B0604030504040204" pitchFamily="34" charset="0"/>
+              </a:rPr>
+              <a:t> esistono algoritmi più efficienti di altri.</a:t>
             </a:r>
           </a:p>
           <a:p>
@@ -8150,6 +11972,311 @@
       </p:grpSpPr>
       <p:sp>
         <p:nvSpPr>
+          <p:cNvPr id="2" name="Segnaposto testo 1">
+            <a:extLst>
+              <a:ext uri="{FF2B5EF4-FFF2-40B4-BE49-F238E27FC236}">
+                <a16:creationId xmlns:a16="http://schemas.microsoft.com/office/drawing/2014/main" id="{E5AE986C-196F-4141-A898-FA4C4198CDCC}"/>
+              </a:ext>
+            </a:extLst>
+          </p:cNvPr>
+          <p:cNvSpPr>
+            <a:spLocks noGrp="1"/>
+          </p:cNvSpPr>
+          <p:nvPr>
+            <p:ph type="body" idx="1"/>
+          </p:nvPr>
+        </p:nvSpPr>
+        <p:spPr>
+          <a:xfrm>
+            <a:off x="326297" y="1213805"/>
+            <a:ext cx="11269662" cy="4764963"/>
+          </a:xfrm>
+        </p:spPr>
+        <p:txBody>
+          <a:bodyPr/>
+          <a:lstStyle/>
+          <a:p>
+            <a:pPr marL="342900" indent="-342900" algn="just">
+              <a:lnSpc>
+                <a:spcPct val="115000"/>
+              </a:lnSpc>
+              <a:spcBef>
+                <a:spcPts val="2400"/>
+              </a:spcBef>
+              <a:buFont typeface="Wingdings" panose="05000000000000000000" pitchFamily="2" charset="2"/>
+              <a:buChar char="ü"/>
+              <a:tabLst>
+                <a:tab pos="457200" algn="l"/>
+              </a:tabLst>
+            </a:pPr>
+            <a:r>
+              <a:rPr lang="it-IT" sz="2400" b="0" i="0">
+                <a:solidFill>
+                  <a:srgbClr val="000000"/>
+                </a:solidFill>
+                <a:effectLst/>
+                <a:latin typeface="Tahoma" panose="020B0604030504040204" pitchFamily="34" charset="0"/>
+                <a:ea typeface="Tahoma" panose="020B0604030504040204" pitchFamily="34" charset="0"/>
+                <a:cs typeface="Tahoma" panose="020B0604030504040204" pitchFamily="34" charset="0"/>
+              </a:rPr>
+              <a:t>Esistono anche altri fattori che possono influenzare il tempo di esecuzione ma in un'</a:t>
+            </a:r>
+            <a:r>
+              <a:rPr lang="it-IT" sz="2400" b="1" i="0">
+                <a:solidFill>
+                  <a:srgbClr val="000000"/>
+                </a:solidFill>
+                <a:effectLst/>
+                <a:latin typeface="Tahoma" panose="020B0604030504040204" pitchFamily="34" charset="0"/>
+                <a:ea typeface="Tahoma" panose="020B0604030504040204" pitchFamily="34" charset="0"/>
+                <a:cs typeface="Tahoma" panose="020B0604030504040204" pitchFamily="34" charset="0"/>
+              </a:rPr>
+              <a:t>analisi dell'algoritmo</a:t>
+            </a:r>
+            <a:r>
+              <a:rPr lang="it-IT" sz="2400" b="0" i="0">
+                <a:solidFill>
+                  <a:srgbClr val="000000"/>
+                </a:solidFill>
+                <a:effectLst/>
+                <a:latin typeface="Tahoma" panose="020B0604030504040204" pitchFamily="34" charset="0"/>
+                <a:ea typeface="Tahoma" panose="020B0604030504040204" pitchFamily="34" charset="0"/>
+                <a:cs typeface="Tahoma" panose="020B0604030504040204" pitchFamily="34" charset="0"/>
+              </a:rPr>
+              <a:t> non vanno considerati.</a:t>
+            </a:r>
+          </a:p>
+          <a:p>
+            <a:pPr marL="342900" indent="-342900" algn="just">
+              <a:lnSpc>
+                <a:spcPct val="115000"/>
+              </a:lnSpc>
+              <a:spcBef>
+                <a:spcPts val="2400"/>
+              </a:spcBef>
+              <a:buFont typeface="Wingdings" panose="05000000000000000000" pitchFamily="2" charset="2"/>
+              <a:buChar char="ü"/>
+              <a:tabLst>
+                <a:tab pos="457200" algn="l"/>
+              </a:tabLst>
+            </a:pPr>
+            <a:r>
+              <a:rPr lang="it-IT" sz="2400" b="1" i="0">
+                <a:solidFill>
+                  <a:srgbClr val="000000"/>
+                </a:solidFill>
+                <a:effectLst/>
+                <a:latin typeface="Tahoma" panose="020B0604030504040204" pitchFamily="34" charset="0"/>
+                <a:ea typeface="Tahoma" panose="020B0604030504040204" pitchFamily="34" charset="0"/>
+                <a:cs typeface="Tahoma" panose="020B0604030504040204" pitchFamily="34" charset="0"/>
+              </a:rPr>
+              <a:t>Esempio</a:t>
+            </a:r>
+            <a:r>
+              <a:rPr lang="it-IT" sz="2400" b="0" i="0">
+                <a:solidFill>
+                  <a:srgbClr val="000000"/>
+                </a:solidFill>
+                <a:effectLst/>
+                <a:latin typeface="Tahoma" panose="020B0604030504040204" pitchFamily="34" charset="0"/>
+                <a:ea typeface="Tahoma" panose="020B0604030504040204" pitchFamily="34" charset="0"/>
+                <a:cs typeface="Tahoma" panose="020B0604030504040204" pitchFamily="34" charset="0"/>
+              </a:rPr>
+              <a:t>. Nel computo della </a:t>
+            </a:r>
+            <a:r>
+              <a:rPr lang="it-IT" sz="2400" b="1" i="0">
+                <a:solidFill>
+                  <a:srgbClr val="000000"/>
+                </a:solidFill>
+                <a:effectLst/>
+                <a:latin typeface="Tahoma" panose="020B0604030504040204" pitchFamily="34" charset="0"/>
+                <a:ea typeface="Tahoma" panose="020B0604030504040204" pitchFamily="34" charset="0"/>
+                <a:cs typeface="Tahoma" panose="020B0604030504040204" pitchFamily="34" charset="0"/>
+              </a:rPr>
+              <a:t>complessità</a:t>
+            </a:r>
+            <a:r>
+              <a:rPr lang="it-IT" sz="2400" b="0" i="0">
+                <a:solidFill>
+                  <a:srgbClr val="000000"/>
+                </a:solidFill>
+                <a:effectLst/>
+                <a:latin typeface="Tahoma" panose="020B0604030504040204" pitchFamily="34" charset="0"/>
+                <a:ea typeface="Tahoma" panose="020B0604030504040204" pitchFamily="34" charset="0"/>
+                <a:cs typeface="Tahoma" panose="020B0604030504040204" pitchFamily="34" charset="0"/>
+              </a:rPr>
+              <a:t> di un algoritmo non vanno considerati gli aspetti hardware, </a:t>
+            </a:r>
+            <a:r>
+              <a:rPr lang="it-IT" sz="2400" b="1" i="0">
+                <a:solidFill>
+                  <a:srgbClr val="000000"/>
+                </a:solidFill>
+                <a:effectLst/>
+                <a:latin typeface="Tahoma" panose="020B0604030504040204" pitchFamily="34" charset="0"/>
+                <a:ea typeface="Tahoma" panose="020B0604030504040204" pitchFamily="34" charset="0"/>
+                <a:cs typeface="Tahoma" panose="020B0604030504040204" pitchFamily="34" charset="0"/>
+              </a:rPr>
+              <a:t>la velocità del processore (cpu)</a:t>
+            </a:r>
+            <a:r>
+              <a:rPr lang="it-IT" sz="2400" b="0" i="0">
+                <a:solidFill>
+                  <a:srgbClr val="000000"/>
+                </a:solidFill>
+                <a:effectLst/>
+                <a:latin typeface="Tahoma" panose="020B0604030504040204" pitchFamily="34" charset="0"/>
+                <a:ea typeface="Tahoma" panose="020B0604030504040204" pitchFamily="34" charset="0"/>
+                <a:cs typeface="Tahoma" panose="020B0604030504040204" pitchFamily="34" charset="0"/>
+              </a:rPr>
+              <a:t>, né le tecniche di compilazione, il compilatore o il linguaggi di programmazione utilizzato.</a:t>
+            </a:r>
+          </a:p>
+          <a:p>
+            <a:pPr marL="342900" indent="-342900" algn="just">
+              <a:lnSpc>
+                <a:spcPct val="115000"/>
+              </a:lnSpc>
+              <a:spcBef>
+                <a:spcPts val="2400"/>
+              </a:spcBef>
+              <a:buFont typeface="Wingdings" panose="05000000000000000000" pitchFamily="2" charset="2"/>
+              <a:buChar char="ü"/>
+              <a:tabLst>
+                <a:tab pos="457200" algn="l"/>
+              </a:tabLst>
+            </a:pPr>
+            <a:r>
+              <a:rPr lang="it-IT" sz="2400">
+                <a:solidFill>
+                  <a:srgbClr val="000000"/>
+                </a:solidFill>
+                <a:latin typeface="Tahoma" panose="020B0604030504040204" pitchFamily="34" charset="0"/>
+                <a:ea typeface="Tahoma" panose="020B0604030504040204" pitchFamily="34" charset="0"/>
+                <a:cs typeface="Tahoma" panose="020B0604030504040204" pitchFamily="34" charset="0"/>
+              </a:rPr>
+              <a:t>In informatica per calcolare la complessità computazionale di un algoritmo si utilizza </a:t>
+            </a:r>
+            <a:r>
+              <a:rPr lang="it-IT" sz="2400" b="1">
+                <a:solidFill>
+                  <a:srgbClr val="000000"/>
+                </a:solidFill>
+                <a:latin typeface="Tahoma" panose="020B0604030504040204" pitchFamily="34" charset="0"/>
+                <a:ea typeface="Tahoma" panose="020B0604030504040204" pitchFamily="34" charset="0"/>
+                <a:cs typeface="Tahoma" panose="020B0604030504040204" pitchFamily="34" charset="0"/>
+              </a:rPr>
+              <a:t>l'analisi asintotica. </a:t>
+            </a:r>
+            <a:r>
+              <a:rPr lang="it-IT" sz="2400">
+                <a:solidFill>
+                  <a:srgbClr val="000000"/>
+                </a:solidFill>
+                <a:latin typeface="Tahoma" panose="020B0604030504040204" pitchFamily="34" charset="0"/>
+                <a:ea typeface="Tahoma" panose="020B0604030504040204" pitchFamily="34" charset="0"/>
+                <a:cs typeface="Tahoma" panose="020B0604030504040204" pitchFamily="34" charset="0"/>
+              </a:rPr>
+              <a:t>T</a:t>
+            </a:r>
+            <a:r>
+              <a:rPr lang="it-IT" sz="2400" b="0" i="0">
+                <a:solidFill>
+                  <a:srgbClr val="000000"/>
+                </a:solidFill>
+                <a:effectLst/>
+                <a:latin typeface="Tahoma" panose="020B0604030504040204" pitchFamily="34" charset="0"/>
+                <a:ea typeface="Tahoma" panose="020B0604030504040204" pitchFamily="34" charset="0"/>
+                <a:cs typeface="Tahoma" panose="020B0604030504040204" pitchFamily="34" charset="0"/>
+              </a:rPr>
+              <a:t>uttavia, l'analisi asintotica è uno </a:t>
+            </a:r>
+            <a:r>
+              <a:rPr lang="it-IT" sz="2400" b="1" i="0">
+                <a:solidFill>
+                  <a:srgbClr val="000000"/>
+                </a:solidFill>
+                <a:effectLst/>
+                <a:latin typeface="Tahoma" panose="020B0604030504040204" pitchFamily="34" charset="0"/>
+                <a:ea typeface="Tahoma" panose="020B0604030504040204" pitchFamily="34" charset="0"/>
+                <a:cs typeface="Tahoma" panose="020B0604030504040204" pitchFamily="34" charset="0"/>
+              </a:rPr>
+              <a:t>strumento</a:t>
+            </a:r>
+            <a:r>
+              <a:rPr lang="it-IT" sz="2400" b="0" i="0">
+                <a:solidFill>
+                  <a:srgbClr val="000000"/>
+                </a:solidFill>
+                <a:effectLst/>
+                <a:latin typeface="Tahoma" panose="020B0604030504040204" pitchFamily="34" charset="0"/>
+                <a:ea typeface="Tahoma" panose="020B0604030504040204" pitchFamily="34" charset="0"/>
+                <a:cs typeface="Tahoma" panose="020B0604030504040204" pitchFamily="34" charset="0"/>
+              </a:rPr>
+              <a:t> </a:t>
+            </a:r>
+            <a:r>
+              <a:rPr lang="it-IT" sz="2400" b="1" i="0">
+                <a:solidFill>
+                  <a:srgbClr val="000000"/>
+                </a:solidFill>
+                <a:effectLst/>
+                <a:latin typeface="Tahoma" panose="020B0604030504040204" pitchFamily="34" charset="0"/>
+                <a:ea typeface="Tahoma" panose="020B0604030504040204" pitchFamily="34" charset="0"/>
+                <a:cs typeface="Tahoma" panose="020B0604030504040204" pitchFamily="34" charset="0"/>
+              </a:rPr>
+              <a:t>della</a:t>
+            </a:r>
+            <a:r>
+              <a:rPr lang="it-IT" sz="2400" b="0" i="0">
+                <a:solidFill>
+                  <a:srgbClr val="000000"/>
+                </a:solidFill>
+                <a:effectLst/>
+                <a:latin typeface="Tahoma" panose="020B0604030504040204" pitchFamily="34" charset="0"/>
+                <a:ea typeface="Tahoma" panose="020B0604030504040204" pitchFamily="34" charset="0"/>
+                <a:cs typeface="Tahoma" panose="020B0604030504040204" pitchFamily="34" charset="0"/>
+              </a:rPr>
+              <a:t> </a:t>
+            </a:r>
+            <a:r>
+              <a:rPr lang="it-IT" sz="2400" b="1" i="0">
+                <a:solidFill>
+                  <a:srgbClr val="000000"/>
+                </a:solidFill>
+                <a:effectLst/>
+                <a:latin typeface="Tahoma" panose="020B0604030504040204" pitchFamily="34" charset="0"/>
+                <a:ea typeface="Tahoma" panose="020B0604030504040204" pitchFamily="34" charset="0"/>
+                <a:cs typeface="Tahoma" panose="020B0604030504040204" pitchFamily="34" charset="0"/>
+              </a:rPr>
+              <a:t>matematica</a:t>
+            </a:r>
+            <a:r>
+              <a:rPr lang="it-IT" sz="2400" b="0" i="0">
+                <a:solidFill>
+                  <a:srgbClr val="000000"/>
+                </a:solidFill>
+                <a:effectLst/>
+                <a:latin typeface="Tahoma" panose="020B0604030504040204" pitchFamily="34" charset="0"/>
+                <a:ea typeface="Tahoma" panose="020B0604030504040204" pitchFamily="34" charset="0"/>
+                <a:cs typeface="Tahoma" panose="020B0604030504040204" pitchFamily="34" charset="0"/>
+              </a:rPr>
+              <a:t> che si applica alle funzioni, mentre il tempo di esecuzione non lo è.</a:t>
+            </a:r>
+            <a:endParaRPr lang="it-IT" sz="2400">
+              <a:solidFill>
+                <a:srgbClr val="000000"/>
+              </a:solidFill>
+              <a:latin typeface="Tahoma" panose="020B0604030504040204" pitchFamily="34" charset="0"/>
+              <a:ea typeface="Tahoma" panose="020B0604030504040204" pitchFamily="34" charset="0"/>
+              <a:cs typeface="Tahoma" panose="020B0604030504040204" pitchFamily="34" charset="0"/>
+            </a:endParaRPr>
+          </a:p>
+        </p:txBody>
+      </p:sp>
+      <p:sp>
+        <p:nvSpPr>
           <p:cNvPr id="7" name="Segnaposto numero diapositiva 6">
             <a:extLst>
               <a:ext uri="{FF2B5EF4-FFF2-40B4-BE49-F238E27FC236}">
@@ -8185,10 +12312,10 @@
       </p:sp>
       <p:sp>
         <p:nvSpPr>
-          <p:cNvPr id="5" name="Titolo 4">
+          <p:cNvPr id="6" name="Titolo 4">
             <a:extLst>
               <a:ext uri="{FF2B5EF4-FFF2-40B4-BE49-F238E27FC236}">
-                <a16:creationId xmlns:a16="http://schemas.microsoft.com/office/drawing/2014/main" id="{82C46BA2-B380-4357-B125-BA9F08A643F5}"/>
+                <a16:creationId xmlns:a16="http://schemas.microsoft.com/office/drawing/2014/main" id="{CF9A4806-60B4-80DC-1F76-D2EB3E6C376B}"/>
               </a:ext>
             </a:extLst>
           </p:cNvPr>
@@ -8201,8 +12328,8 @@
         </p:nvSpPr>
         <p:spPr>
           <a:xfrm>
-            <a:off x="468895" y="503475"/>
-            <a:ext cx="11269308" cy="384721"/>
+            <a:off x="397304" y="410627"/>
+            <a:ext cx="11269662" cy="384721"/>
           </a:xfrm>
         </p:spPr>
         <p:txBody>
@@ -8210,19 +12337,56 @@
           <a:lstStyle/>
           <a:p>
             <a:r>
-              <a:rPr lang="it-IT" altLang="it-IT"/>
-              <a:t>Bibliografia</a:t>
+              <a:rPr lang="it-IT">
+                <a:solidFill>
+                  <a:schemeClr val="tx1"/>
+                </a:solidFill>
+                <a:latin typeface="Tahoma" panose="020B0604030504040204" pitchFamily="34" charset="0"/>
+                <a:ea typeface="Tahoma" panose="020B0604030504040204" pitchFamily="34" charset="0"/>
+                <a:cs typeface="Tahoma" panose="020B0604030504040204" pitchFamily="34" charset="0"/>
+              </a:rPr>
+              <a:t>Complessità Temporale</a:t>
             </a:r>
             <a:endParaRPr lang="it-IT" dirty="0"/>
           </a:p>
         </p:txBody>
       </p:sp>
-      <p:sp>
-        <p:nvSpPr>
-          <p:cNvPr id="3" name="Segnaposto testo 2">
+    </p:spTree>
+    <p:extLst>
+      <p:ext uri="{BB962C8B-B14F-4D97-AF65-F5344CB8AC3E}">
+        <p14:creationId xmlns:p14="http://schemas.microsoft.com/office/powerpoint/2010/main" val="1000385248"/>
+      </p:ext>
+    </p:extLst>
+  </p:cSld>
+  <p:clrMapOvr>
+    <a:masterClrMapping/>
+  </p:clrMapOvr>
+</p:sld>
+</file>
+
+<file path=ppt/slides/slide7.xml><?xml version="1.0" encoding="utf-8"?>
+<p:sld xmlns:a="http://schemas.openxmlformats.org/drawingml/2006/main" xmlns:r="http://schemas.openxmlformats.org/officeDocument/2006/relationships" xmlns:p="http://schemas.openxmlformats.org/presentationml/2006/main">
+  <p:cSld>
+    <p:spTree>
+      <p:nvGrpSpPr>
+        <p:cNvPr id="1" name=""/>
+        <p:cNvGrpSpPr/>
+        <p:nvPr/>
+      </p:nvGrpSpPr>
+      <p:grpSpPr>
+        <a:xfrm>
+          <a:off x="0" y="0"/>
+          <a:ext cx="0" cy="0"/>
+          <a:chOff x="0" y="0"/>
+          <a:chExt cx="0" cy="0"/>
+        </a:xfrm>
+      </p:grpSpPr>
+      <p:sp>
+        <p:nvSpPr>
+          <p:cNvPr id="2" name="Segnaposto testo 1">
             <a:extLst>
               <a:ext uri="{FF2B5EF4-FFF2-40B4-BE49-F238E27FC236}">
-                <a16:creationId xmlns:a16="http://schemas.microsoft.com/office/drawing/2014/main" id="{15CD42DB-61E6-AA3D-7125-BF4BEDB5D886}"/>
+                <a16:creationId xmlns:a16="http://schemas.microsoft.com/office/drawing/2014/main" id="{E5AE986C-196F-4141-A898-FA4C4198CDCC}"/>
               </a:ext>
             </a:extLst>
           </p:cNvPr>
@@ -8235,81 +12399,945 @@
         </p:nvSpPr>
         <p:spPr>
           <a:xfrm>
-            <a:off x="477519" y="1557338"/>
-            <a:ext cx="11043921" cy="4392612"/>
+            <a:off x="326297" y="1213805"/>
+            <a:ext cx="11269662" cy="4764963"/>
           </a:xfrm>
         </p:spPr>
         <p:txBody>
           <a:bodyPr/>
           <a:lstStyle/>
           <a:p>
+            <a:pPr marL="342900" indent="-342900" algn="just">
+              <a:lnSpc>
+                <a:spcPct val="115000"/>
+              </a:lnSpc>
+              <a:spcBef>
+                <a:spcPts val="2400"/>
+              </a:spcBef>
+              <a:buFont typeface="Wingdings" panose="05000000000000000000" pitchFamily="2" charset="2"/>
+              <a:buChar char="ü"/>
+              <a:tabLst>
+                <a:tab pos="457200" algn="l"/>
+              </a:tabLst>
+            </a:pPr>
+            <a:r>
+              <a:rPr lang="it-IT" sz="2400">
+                <a:solidFill>
+                  <a:srgbClr val="000000"/>
+                </a:solidFill>
+                <a:latin typeface="Tahoma" panose="020B0604030504040204" pitchFamily="34" charset="0"/>
+                <a:ea typeface="Tahoma" panose="020B0604030504040204" pitchFamily="34" charset="0"/>
+                <a:cs typeface="Tahoma" panose="020B0604030504040204" pitchFamily="34" charset="0"/>
+              </a:rPr>
+              <a:t>Quindi, per usare l'analisi asintotica devo </a:t>
+            </a:r>
+            <a:r>
+              <a:rPr lang="it-IT" sz="2400" b="1">
+                <a:solidFill>
+                  <a:srgbClr val="000000"/>
+                </a:solidFill>
+                <a:latin typeface="Tahoma" panose="020B0604030504040204" pitchFamily="34" charset="0"/>
+                <a:ea typeface="Tahoma" panose="020B0604030504040204" pitchFamily="34" charset="0"/>
+                <a:cs typeface="Tahoma" panose="020B0604030504040204" pitchFamily="34" charset="0"/>
+              </a:rPr>
+              <a:t>trasformare il tempo di esecuzione dell'algoritmo in una funzione T(n)</a:t>
+            </a:r>
+            <a:r>
+              <a:rPr lang="it-IT" sz="2400">
+                <a:solidFill>
+                  <a:srgbClr val="000000"/>
+                </a:solidFill>
+                <a:latin typeface="Tahoma" panose="020B0604030504040204" pitchFamily="34" charset="0"/>
+                <a:ea typeface="Tahoma" panose="020B0604030504040204" pitchFamily="34" charset="0"/>
+                <a:cs typeface="Tahoma" panose="020B0604030504040204" pitchFamily="34" charset="0"/>
+              </a:rPr>
+              <a:t> in funzione della dimensione n dei dati input. In genere la funzione T(n) misura il numero di comandi eseguiti dall'algoritmo.</a:t>
+            </a:r>
+          </a:p>
+          <a:p>
+            <a:pPr marL="342900" indent="-342900" algn="just">
+              <a:lnSpc>
+                <a:spcPct val="115000"/>
+              </a:lnSpc>
+              <a:spcBef>
+                <a:spcPts val="2400"/>
+              </a:spcBef>
+              <a:buFont typeface="Wingdings" panose="05000000000000000000" pitchFamily="2" charset="2"/>
+              <a:buChar char="ü"/>
+              <a:tabLst>
+                <a:tab pos="457200" algn="l"/>
+              </a:tabLst>
+            </a:pPr>
+            <a:r>
+              <a:rPr lang="it-IT" sz="2400" b="0" i="0">
+                <a:solidFill>
+                  <a:srgbClr val="000000"/>
+                </a:solidFill>
+                <a:effectLst/>
+                <a:latin typeface="Tahoma" panose="020B0604030504040204" pitchFamily="34" charset="0"/>
+                <a:ea typeface="Tahoma" panose="020B0604030504040204" pitchFamily="34" charset="0"/>
+                <a:cs typeface="Tahoma" panose="020B0604030504040204" pitchFamily="34" charset="0"/>
+              </a:rPr>
+              <a:t>Data </a:t>
+            </a:r>
+            <a:r>
+              <a:rPr lang="it-IT" sz="2400" b="1" i="0">
+                <a:solidFill>
+                  <a:srgbClr val="000000"/>
+                </a:solidFill>
+                <a:effectLst/>
+                <a:latin typeface="Tahoma" panose="020B0604030504040204" pitchFamily="34" charset="0"/>
+                <a:ea typeface="Tahoma" panose="020B0604030504040204" pitchFamily="34" charset="0"/>
+                <a:cs typeface="Tahoma" panose="020B0604030504040204" pitchFamily="34" charset="0"/>
+              </a:rPr>
+              <a:t>un'istanza di dimensione n</a:t>
+            </a:r>
+            <a:r>
+              <a:rPr lang="it-IT" sz="2400" b="0" i="0">
+                <a:solidFill>
+                  <a:srgbClr val="000000"/>
+                </a:solidFill>
+                <a:effectLst/>
+                <a:latin typeface="Tahoma" panose="020B0604030504040204" pitchFamily="34" charset="0"/>
+                <a:ea typeface="Tahoma" panose="020B0604030504040204" pitchFamily="34" charset="0"/>
+                <a:cs typeface="Tahoma" panose="020B0604030504040204" pitchFamily="34" charset="0"/>
+              </a:rPr>
+              <a:t>, nel caso peggiore l'algoritmo ha una complessità temporale </a:t>
+            </a:r>
+            <a:r>
+              <a:rPr lang="it-IT" sz="2400" b="1" i="0">
+                <a:solidFill>
+                  <a:srgbClr val="000000"/>
+                </a:solidFill>
+                <a:effectLst/>
+                <a:latin typeface="Tahoma" panose="020B0604030504040204" pitchFamily="34" charset="0"/>
+                <a:ea typeface="Tahoma" panose="020B0604030504040204" pitchFamily="34" charset="0"/>
+                <a:cs typeface="Tahoma" panose="020B0604030504040204" pitchFamily="34" charset="0"/>
+              </a:rPr>
+              <a:t>O(f(n)) se T(n)=O(f(n)).</a:t>
+            </a:r>
+          </a:p>
+          <a:p>
+            <a:pPr marL="342900" indent="-342900" algn="just">
+              <a:lnSpc>
+                <a:spcPct val="115000"/>
+              </a:lnSpc>
+              <a:spcBef>
+                <a:spcPts val="2400"/>
+              </a:spcBef>
+              <a:buFont typeface="Wingdings" panose="05000000000000000000" pitchFamily="2" charset="2"/>
+              <a:buChar char="ü"/>
+              <a:tabLst>
+                <a:tab pos="457200" algn="l"/>
+              </a:tabLst>
+            </a:pPr>
+            <a:r>
+              <a:rPr lang="it-IT" sz="2400">
+                <a:solidFill>
+                  <a:srgbClr val="000000"/>
+                </a:solidFill>
+                <a:latin typeface="Tahoma" panose="020B0604030504040204" pitchFamily="34" charset="0"/>
+                <a:ea typeface="Tahoma" panose="020B0604030504040204" pitchFamily="34" charset="0"/>
+                <a:cs typeface="Tahoma" panose="020B0604030504040204" pitchFamily="34" charset="0"/>
+              </a:rPr>
+              <a:t>Dove n è il </a:t>
+            </a:r>
+            <a:r>
+              <a:rPr lang="it-IT" sz="2400" b="1">
+                <a:solidFill>
+                  <a:srgbClr val="000000"/>
+                </a:solidFill>
+                <a:latin typeface="Tahoma" panose="020B0604030504040204" pitchFamily="34" charset="0"/>
+                <a:ea typeface="Tahoma" panose="020B0604030504040204" pitchFamily="34" charset="0"/>
+                <a:cs typeface="Tahoma" panose="020B0604030504040204" pitchFamily="34" charset="0"/>
+              </a:rPr>
+              <a:t>numero delle righe eseguite</a:t>
+            </a:r>
+            <a:r>
+              <a:rPr lang="it-IT" sz="2400">
+                <a:solidFill>
+                  <a:srgbClr val="000000"/>
+                </a:solidFill>
+                <a:latin typeface="Tahoma" panose="020B0604030504040204" pitchFamily="34" charset="0"/>
+                <a:ea typeface="Tahoma" panose="020B0604030504040204" pitchFamily="34" charset="0"/>
+                <a:cs typeface="Tahoma" panose="020B0604030504040204" pitchFamily="34" charset="0"/>
+              </a:rPr>
+              <a:t> ( dimensione n dei dati ) mentre </a:t>
+            </a:r>
+            <a:r>
+              <a:rPr lang="it-IT" sz="2400" b="1">
+                <a:solidFill>
+                  <a:srgbClr val="000000"/>
+                </a:solidFill>
+                <a:latin typeface="Tahoma" panose="020B0604030504040204" pitchFamily="34" charset="0"/>
+                <a:ea typeface="Tahoma" panose="020B0604030504040204" pitchFamily="34" charset="0"/>
+                <a:cs typeface="Tahoma" panose="020B0604030504040204" pitchFamily="34" charset="0"/>
+              </a:rPr>
+              <a:t>f(n)</a:t>
+            </a:r>
+            <a:r>
+              <a:rPr lang="it-IT" sz="2400">
+                <a:solidFill>
+                  <a:srgbClr val="000000"/>
+                </a:solidFill>
+                <a:latin typeface="Tahoma" panose="020B0604030504040204" pitchFamily="34" charset="0"/>
+                <a:ea typeface="Tahoma" panose="020B0604030504040204" pitchFamily="34" charset="0"/>
+                <a:cs typeface="Tahoma" panose="020B0604030504040204" pitchFamily="34" charset="0"/>
+              </a:rPr>
+              <a:t> è un limite superiore del tempo di esecuzione dell'algoritmo nell'ipotesi peggiore.</a:t>
+            </a:r>
+          </a:p>
+        </p:txBody>
+      </p:sp>
+      <p:sp>
+        <p:nvSpPr>
+          <p:cNvPr id="7" name="Segnaposto numero diapositiva 6">
+            <a:extLst>
+              <a:ext uri="{FF2B5EF4-FFF2-40B4-BE49-F238E27FC236}">
+                <a16:creationId xmlns:a16="http://schemas.microsoft.com/office/drawing/2014/main" id="{AB740BE9-E218-4144-BFDE-AE473D230A3D}"/>
+              </a:ext>
+            </a:extLst>
+          </p:cNvPr>
+          <p:cNvSpPr>
+            <a:spLocks noGrp="1"/>
+          </p:cNvSpPr>
+          <p:nvPr>
+            <p:ph type="sldNum" sz="quarter" idx="12"/>
+          </p:nvPr>
+        </p:nvSpPr>
+        <p:spPr/>
+        <p:txBody>
+          <a:bodyPr/>
+          <a:lstStyle/>
+          <a:p>
+            <a:pPr>
+              <a:defRPr/>
+            </a:pPr>
+            <a:fld id="{48B4153A-D4C5-4CEF-8992-0D8815C829E3}" type="slidenum">
+              <a:rPr lang="en-US" smtClean="0"/>
+              <a:pPr>
+                <a:defRPr/>
+              </a:pPr>
+              <a:t>7</a:t>
+            </a:fld>
+            <a:endParaRPr lang="en-US" dirty="0"/>
+          </a:p>
+        </p:txBody>
+      </p:sp>
+      <p:sp>
+        <p:nvSpPr>
+          <p:cNvPr id="6" name="Titolo 4">
+            <a:extLst>
+              <a:ext uri="{FF2B5EF4-FFF2-40B4-BE49-F238E27FC236}">
+                <a16:creationId xmlns:a16="http://schemas.microsoft.com/office/drawing/2014/main" id="{CF9A4806-60B4-80DC-1F76-D2EB3E6C376B}"/>
+              </a:ext>
+            </a:extLst>
+          </p:cNvPr>
+          <p:cNvSpPr>
+            <a:spLocks noGrp="1"/>
+          </p:cNvSpPr>
+          <p:nvPr>
+            <p:ph type="title"/>
+          </p:nvPr>
+        </p:nvSpPr>
+        <p:spPr>
+          <a:xfrm>
+            <a:off x="397304" y="410627"/>
+            <a:ext cx="11269662" cy="384721"/>
+          </a:xfrm>
+        </p:spPr>
+        <p:txBody>
+          <a:bodyPr/>
+          <a:lstStyle/>
+          <a:p>
+            <a:r>
+              <a:rPr lang="it-IT">
+                <a:solidFill>
+                  <a:schemeClr val="tx1"/>
+                </a:solidFill>
+                <a:latin typeface="Tahoma" panose="020B0604030504040204" pitchFamily="34" charset="0"/>
+                <a:ea typeface="Tahoma" panose="020B0604030504040204" pitchFamily="34" charset="0"/>
+                <a:cs typeface="Tahoma" panose="020B0604030504040204" pitchFamily="34" charset="0"/>
+              </a:rPr>
+              <a:t>Complessità Temporale</a:t>
+            </a:r>
             <a:endParaRPr lang="it-IT" dirty="0"/>
           </a:p>
-          <a:p>
+        </p:txBody>
+      </p:sp>
+    </p:spTree>
+    <p:extLst>
+      <p:ext uri="{BB962C8B-B14F-4D97-AF65-F5344CB8AC3E}">
+        <p14:creationId xmlns:p14="http://schemas.microsoft.com/office/powerpoint/2010/main" val="1803895660"/>
+      </p:ext>
+    </p:extLst>
+  </p:cSld>
+  <p:clrMapOvr>
+    <a:masterClrMapping/>
+  </p:clrMapOvr>
+</p:sld>
+</file>
+
+<file path=ppt/slides/slide8.xml><?xml version="1.0" encoding="utf-8"?>
+<p:sld xmlns:a="http://schemas.openxmlformats.org/drawingml/2006/main" xmlns:r="http://schemas.openxmlformats.org/officeDocument/2006/relationships" xmlns:p="http://schemas.openxmlformats.org/presentationml/2006/main">
+  <p:cSld>
+    <p:spTree>
+      <p:nvGrpSpPr>
+        <p:cNvPr id="1" name=""/>
+        <p:cNvGrpSpPr/>
+        <p:nvPr/>
+      </p:nvGrpSpPr>
+      <p:grpSpPr>
+        <a:xfrm>
+          <a:off x="0" y="0"/>
+          <a:ext cx="0" cy="0"/>
+          <a:chOff x="0" y="0"/>
+          <a:chExt cx="0" cy="0"/>
+        </a:xfrm>
+      </p:grpSpPr>
+      <p:sp>
+        <p:nvSpPr>
+          <p:cNvPr id="2" name="Segnaposto testo 1">
+            <a:extLst>
+              <a:ext uri="{FF2B5EF4-FFF2-40B4-BE49-F238E27FC236}">
+                <a16:creationId xmlns:a16="http://schemas.microsoft.com/office/drawing/2014/main" id="{E5AE986C-196F-4141-A898-FA4C4198CDCC}"/>
+              </a:ext>
+            </a:extLst>
+          </p:cNvPr>
+          <p:cNvSpPr>
+            <a:spLocks noGrp="1"/>
+          </p:cNvSpPr>
+          <p:nvPr>
+            <p:ph type="body" idx="1"/>
+          </p:nvPr>
+        </p:nvSpPr>
+        <p:spPr>
+          <a:xfrm>
+            <a:off x="326297" y="1213805"/>
+            <a:ext cx="11269662" cy="4764963"/>
+          </a:xfrm>
+        </p:spPr>
+        <p:txBody>
+          <a:bodyPr/>
+          <a:lstStyle/>
+          <a:p>
+            <a:pPr marL="342900" indent="-342900" algn="just">
+              <a:lnSpc>
+                <a:spcPct val="115000"/>
+              </a:lnSpc>
+              <a:spcBef>
+                <a:spcPts val="2400"/>
+              </a:spcBef>
+              <a:buFont typeface="Wingdings" panose="05000000000000000000" pitchFamily="2" charset="2"/>
+              <a:buChar char="ü"/>
+              <a:tabLst>
+                <a:tab pos="457200" algn="l"/>
+              </a:tabLst>
+            </a:pPr>
+            <a:r>
+              <a:rPr lang="it-IT" sz="2400">
+                <a:solidFill>
+                  <a:srgbClr val="000000"/>
+                </a:solidFill>
+                <a:latin typeface="Tahoma" panose="020B0604030504040204" pitchFamily="34" charset="0"/>
+                <a:ea typeface="Tahoma" panose="020B0604030504040204" pitchFamily="34" charset="0"/>
+                <a:cs typeface="Tahoma" panose="020B0604030504040204" pitchFamily="34" charset="0"/>
+              </a:rPr>
+              <a:t>Oltre a </a:t>
+            </a:r>
+            <a:r>
+              <a:rPr lang="it-IT" sz="2400" b="1">
+                <a:solidFill>
+                  <a:srgbClr val="000000"/>
+                </a:solidFill>
+                <a:latin typeface="Tahoma" panose="020B0604030504040204" pitchFamily="34" charset="0"/>
+                <a:ea typeface="Tahoma" panose="020B0604030504040204" pitchFamily="34" charset="0"/>
+                <a:cs typeface="Tahoma" panose="020B0604030504040204" pitchFamily="34" charset="0"/>
+              </a:rPr>
+              <a:t>O</a:t>
+            </a:r>
+            <a:r>
+              <a:rPr lang="it-IT" sz="2400">
+                <a:solidFill>
+                  <a:srgbClr val="000000"/>
+                </a:solidFill>
+                <a:latin typeface="Tahoma" panose="020B0604030504040204" pitchFamily="34" charset="0"/>
+                <a:ea typeface="Tahoma" panose="020B0604030504040204" pitchFamily="34" charset="0"/>
+                <a:cs typeface="Tahoma" panose="020B0604030504040204" pitchFamily="34" charset="0"/>
+              </a:rPr>
+              <a:t> grande si utilizzano anche le altre notazioni del </a:t>
+            </a:r>
+            <a:r>
+              <a:rPr lang="it-IT" sz="2400" b="1">
+                <a:solidFill>
+                  <a:srgbClr val="000000"/>
+                </a:solidFill>
+                <a:latin typeface="Tahoma" panose="020B0604030504040204" pitchFamily="34" charset="0"/>
+                <a:ea typeface="Tahoma" panose="020B0604030504040204" pitchFamily="34" charset="0"/>
+                <a:cs typeface="Tahoma" panose="020B0604030504040204" pitchFamily="34" charset="0"/>
+              </a:rPr>
+              <a:t>calcolo</a:t>
+            </a:r>
+            <a:r>
+              <a:rPr lang="it-IT" sz="2400">
+                <a:solidFill>
+                  <a:srgbClr val="000000"/>
+                </a:solidFill>
+                <a:latin typeface="Tahoma" panose="020B0604030504040204" pitchFamily="34" charset="0"/>
+                <a:ea typeface="Tahoma" panose="020B0604030504040204" pitchFamily="34" charset="0"/>
+                <a:cs typeface="Tahoma" panose="020B0604030504040204" pitchFamily="34" charset="0"/>
+              </a:rPr>
+              <a:t> </a:t>
+            </a:r>
+            <a:r>
+              <a:rPr lang="it-IT" sz="2400" b="1">
+                <a:solidFill>
+                  <a:srgbClr val="000000"/>
+                </a:solidFill>
+                <a:latin typeface="Tahoma" panose="020B0604030504040204" pitchFamily="34" charset="0"/>
+                <a:ea typeface="Tahoma" panose="020B0604030504040204" pitchFamily="34" charset="0"/>
+                <a:cs typeface="Tahoma" panose="020B0604030504040204" pitchFamily="34" charset="0"/>
+              </a:rPr>
+              <a:t>asintotico</a:t>
+            </a:r>
+            <a:r>
+              <a:rPr lang="it-IT" sz="2400">
+                <a:solidFill>
+                  <a:srgbClr val="000000"/>
+                </a:solidFill>
+                <a:latin typeface="Tahoma" panose="020B0604030504040204" pitchFamily="34" charset="0"/>
+                <a:ea typeface="Tahoma" panose="020B0604030504040204" pitchFamily="34" charset="0"/>
+                <a:cs typeface="Tahoma" panose="020B0604030504040204" pitchFamily="34" charset="0"/>
+              </a:rPr>
+              <a:t>, ossia omega </a:t>
+            </a:r>
+            <a:r>
+              <a:rPr lang="it-IT" sz="2400" b="1">
+                <a:solidFill>
+                  <a:srgbClr val="000000"/>
+                </a:solidFill>
+                <a:latin typeface="Tahoma" panose="020B0604030504040204" pitchFamily="34" charset="0"/>
+                <a:ea typeface="Tahoma" panose="020B0604030504040204" pitchFamily="34" charset="0"/>
+                <a:cs typeface="Tahoma" panose="020B0604030504040204" pitchFamily="34" charset="0"/>
+              </a:rPr>
+              <a:t>(Ω)</a:t>
+            </a:r>
+            <a:r>
+              <a:rPr lang="it-IT" sz="2400">
+                <a:solidFill>
+                  <a:srgbClr val="000000"/>
+                </a:solidFill>
+                <a:latin typeface="Tahoma" panose="020B0604030504040204" pitchFamily="34" charset="0"/>
+                <a:ea typeface="Tahoma" panose="020B0604030504040204" pitchFamily="34" charset="0"/>
+                <a:cs typeface="Tahoma" panose="020B0604030504040204" pitchFamily="34" charset="0"/>
+              </a:rPr>
+              <a:t> e theta </a:t>
+            </a:r>
+            <a:r>
+              <a:rPr lang="it-IT" sz="2400" b="1">
+                <a:solidFill>
+                  <a:srgbClr val="000000"/>
+                </a:solidFill>
+                <a:latin typeface="Tahoma" panose="020B0604030504040204" pitchFamily="34" charset="0"/>
+                <a:ea typeface="Tahoma" panose="020B0604030504040204" pitchFamily="34" charset="0"/>
+                <a:cs typeface="Tahoma" panose="020B0604030504040204" pitchFamily="34" charset="0"/>
+              </a:rPr>
+              <a:t>(θ)</a:t>
+            </a:r>
+            <a:r>
+              <a:rPr lang="it-IT" sz="2400">
+                <a:solidFill>
+                  <a:srgbClr val="000000"/>
+                </a:solidFill>
+                <a:latin typeface="Tahoma" panose="020B0604030504040204" pitchFamily="34" charset="0"/>
+                <a:ea typeface="Tahoma" panose="020B0604030504040204" pitchFamily="34" charset="0"/>
+                <a:cs typeface="Tahoma" panose="020B0604030504040204" pitchFamily="34" charset="0"/>
+              </a:rPr>
+              <a:t>. Qui ci limitiamo ad accennare la loro esistenza per non appesantire la spiegazione. La differenza tra O, Ω e θ è la delimitazione superiore, inferiore o media della funzione T(n). Per approfondire la differenza rimando alla lettura del </a:t>
+            </a:r>
+            <a:r>
+              <a:rPr lang="it-IT" sz="2400" b="1">
+                <a:solidFill>
+                  <a:srgbClr val="000000"/>
+                </a:solidFill>
+                <a:latin typeface="Tahoma" panose="020B0604030504040204" pitchFamily="34" charset="0"/>
+                <a:ea typeface="Tahoma" panose="020B0604030504040204" pitchFamily="34" charset="0"/>
+                <a:cs typeface="Tahoma" panose="020B0604030504040204" pitchFamily="34" charset="0"/>
+              </a:rPr>
+              <a:t>calcolo asintotico</a:t>
+            </a:r>
+            <a:r>
+              <a:rPr lang="it-IT" sz="2400">
+                <a:solidFill>
+                  <a:srgbClr val="000000"/>
+                </a:solidFill>
+                <a:latin typeface="Tahoma" panose="020B0604030504040204" pitchFamily="34" charset="0"/>
+                <a:ea typeface="Tahoma" panose="020B0604030504040204" pitchFamily="34" charset="0"/>
+                <a:cs typeface="Tahoma" panose="020B0604030504040204" pitchFamily="34" charset="0"/>
+              </a:rPr>
+              <a:t>.</a:t>
+            </a:r>
+          </a:p>
+        </p:txBody>
+      </p:sp>
+      <p:sp>
+        <p:nvSpPr>
+          <p:cNvPr id="7" name="Segnaposto numero diapositiva 6">
+            <a:extLst>
+              <a:ext uri="{FF2B5EF4-FFF2-40B4-BE49-F238E27FC236}">
+                <a16:creationId xmlns:a16="http://schemas.microsoft.com/office/drawing/2014/main" id="{AB740BE9-E218-4144-BFDE-AE473D230A3D}"/>
+              </a:ext>
+            </a:extLst>
+          </p:cNvPr>
+          <p:cNvSpPr>
+            <a:spLocks noGrp="1"/>
+          </p:cNvSpPr>
+          <p:nvPr>
+            <p:ph type="sldNum" sz="quarter" idx="12"/>
+          </p:nvPr>
+        </p:nvSpPr>
+        <p:spPr/>
+        <p:txBody>
+          <a:bodyPr/>
+          <a:lstStyle/>
+          <a:p>
+            <a:pPr>
+              <a:defRPr/>
+            </a:pPr>
+            <a:fld id="{48B4153A-D4C5-4CEF-8992-0D8815C829E3}" type="slidenum">
+              <a:rPr lang="en-US" smtClean="0"/>
+              <a:pPr>
+                <a:defRPr/>
+              </a:pPr>
+              <a:t>8</a:t>
+            </a:fld>
+            <a:endParaRPr lang="en-US" dirty="0"/>
+          </a:p>
+        </p:txBody>
+      </p:sp>
+      <p:sp>
+        <p:nvSpPr>
+          <p:cNvPr id="6" name="Titolo 4">
+            <a:extLst>
+              <a:ext uri="{FF2B5EF4-FFF2-40B4-BE49-F238E27FC236}">
+                <a16:creationId xmlns:a16="http://schemas.microsoft.com/office/drawing/2014/main" id="{CF9A4806-60B4-80DC-1F76-D2EB3E6C376B}"/>
+              </a:ext>
+            </a:extLst>
+          </p:cNvPr>
+          <p:cNvSpPr>
+            <a:spLocks noGrp="1"/>
+          </p:cNvSpPr>
+          <p:nvPr>
+            <p:ph type="title"/>
+          </p:nvPr>
+        </p:nvSpPr>
+        <p:spPr>
+          <a:xfrm>
+            <a:off x="397304" y="410627"/>
+            <a:ext cx="11269662" cy="384721"/>
+          </a:xfrm>
+        </p:spPr>
+        <p:txBody>
+          <a:bodyPr/>
+          <a:lstStyle/>
+          <a:p>
+            <a:r>
+              <a:rPr lang="it-IT">
+                <a:solidFill>
+                  <a:schemeClr val="tx1"/>
+                </a:solidFill>
+                <a:latin typeface="Tahoma" panose="020B0604030504040204" pitchFamily="34" charset="0"/>
+                <a:ea typeface="Tahoma" panose="020B0604030504040204" pitchFamily="34" charset="0"/>
+                <a:cs typeface="Tahoma" panose="020B0604030504040204" pitchFamily="34" charset="0"/>
+              </a:rPr>
+              <a:t>Complessità Temporale</a:t>
+            </a:r>
             <a:endParaRPr lang="it-IT" dirty="0"/>
           </a:p>
         </p:txBody>
       </p:sp>
-      <p:sp>
-        <p:nvSpPr>
-          <p:cNvPr id="2" name="Rettangolo 1"/>
-          <p:cNvSpPr/>
+      <p:pic>
+        <p:nvPicPr>
+          <p:cNvPr id="4" name="Immagine 3" descr="Immagine che contiene diagramma&#10;&#10;Descrizione generata automaticamente">
+            <a:extLst>
+              <a:ext uri="{FF2B5EF4-FFF2-40B4-BE49-F238E27FC236}">
+                <a16:creationId xmlns:a16="http://schemas.microsoft.com/office/drawing/2014/main" id="{EBF7D5C6-DD84-5C3E-A6BD-E8D30CBA0FD7}"/>
+              </a:ext>
+            </a:extLst>
+          </p:cNvPr>
+          <p:cNvPicPr>
+            <a:picLocks noChangeAspect="1"/>
+          </p:cNvPicPr>
           <p:nvPr/>
-        </p:nvSpPr>
+        </p:nvPicPr>
+        <p:blipFill>
+          <a:blip r:embed="rId2"/>
+          <a:stretch>
+            <a:fillRect/>
+          </a:stretch>
+        </p:blipFill>
         <p:spPr>
           <a:xfrm>
-            <a:off x="574294" y="1335471"/>
-            <a:ext cx="6096000" cy="646331"/>
+            <a:off x="2611775" y="3428999"/>
+            <a:ext cx="7641833" cy="3184097"/>
           </a:xfrm>
           <a:prstGeom prst="rect">
             <a:avLst/>
           </a:prstGeom>
         </p:spPr>
+      </p:pic>
+    </p:spTree>
+    <p:extLst>
+      <p:ext uri="{BB962C8B-B14F-4D97-AF65-F5344CB8AC3E}">
+        <p14:creationId xmlns:p14="http://schemas.microsoft.com/office/powerpoint/2010/main" val="853131535"/>
+      </p:ext>
+    </p:extLst>
+  </p:cSld>
+  <p:clrMapOvr>
+    <a:masterClrMapping/>
+  </p:clrMapOvr>
+</p:sld>
+</file>
+
+<file path=ppt/slides/slide9.xml><?xml version="1.0" encoding="utf-8"?>
+<p:sld xmlns:a="http://schemas.openxmlformats.org/drawingml/2006/main" xmlns:r="http://schemas.openxmlformats.org/officeDocument/2006/relationships" xmlns:p="http://schemas.openxmlformats.org/presentationml/2006/main">
+  <p:cSld>
+    <p:spTree>
+      <p:nvGrpSpPr>
+        <p:cNvPr id="1" name=""/>
+        <p:cNvGrpSpPr/>
+        <p:nvPr/>
+      </p:nvGrpSpPr>
+      <p:grpSpPr>
+        <a:xfrm>
+          <a:off x="0" y="0"/>
+          <a:ext cx="0" cy="0"/>
+          <a:chOff x="0" y="0"/>
+          <a:chExt cx="0" cy="0"/>
+        </a:xfrm>
+      </p:grpSpPr>
+      <p:sp>
+        <p:nvSpPr>
+          <p:cNvPr id="2" name="Segnaposto testo 1">
+            <a:extLst>
+              <a:ext uri="{FF2B5EF4-FFF2-40B4-BE49-F238E27FC236}">
+                <a16:creationId xmlns:a16="http://schemas.microsoft.com/office/drawing/2014/main" id="{E5AE986C-196F-4141-A898-FA4C4198CDCC}"/>
+              </a:ext>
+            </a:extLst>
+          </p:cNvPr>
+          <p:cNvSpPr>
+            <a:spLocks noGrp="1"/>
+          </p:cNvSpPr>
+          <p:nvPr>
+            <p:ph type="body" idx="1"/>
+          </p:nvPr>
+        </p:nvSpPr>
+        <p:spPr>
+          <a:xfrm>
+            <a:off x="326297" y="1213805"/>
+            <a:ext cx="11269662" cy="4764963"/>
+          </a:xfrm>
+        </p:spPr>
         <p:txBody>
-          <a:bodyPr>
-            <a:spAutoFit/>
-          </a:bodyPr>
+          <a:bodyPr/>
           <a:lstStyle/>
           <a:p>
-            <a:r>
-              <a:rPr lang="it-IT"/>
-              <a:t>https://it.wikipedia.org/wiki/Teoria_della_complessit%C3%A0_computazionale</a:t>
-            </a:r>
+            <a:pPr marL="342900" indent="-342900" algn="just">
+              <a:lnSpc>
+                <a:spcPct val="115000"/>
+              </a:lnSpc>
+              <a:spcBef>
+                <a:spcPts val="2400"/>
+              </a:spcBef>
+              <a:buFont typeface="Wingdings" panose="05000000000000000000" pitchFamily="2" charset="2"/>
+              <a:buChar char="ü"/>
+              <a:tabLst>
+                <a:tab pos="457200" algn="l"/>
+              </a:tabLst>
+            </a:pPr>
+            <a:r>
+              <a:rPr lang="it-IT" sz="2400" b="0" i="0">
+                <a:solidFill>
+                  <a:srgbClr val="000000"/>
+                </a:solidFill>
+                <a:effectLst/>
+                <a:latin typeface="Tahoma" panose="020B0604030504040204" pitchFamily="34" charset="0"/>
+                <a:ea typeface="Tahoma" panose="020B0604030504040204" pitchFamily="34" charset="0"/>
+                <a:cs typeface="Tahoma" panose="020B0604030504040204" pitchFamily="34" charset="0"/>
+              </a:rPr>
+              <a:t>In ogni caso, per valutare la </a:t>
+            </a:r>
+            <a:r>
+              <a:rPr lang="it-IT" sz="2400" b="1" i="0">
+                <a:solidFill>
+                  <a:srgbClr val="000000"/>
+                </a:solidFill>
+                <a:effectLst/>
+                <a:latin typeface="Tahoma" panose="020B0604030504040204" pitchFamily="34" charset="0"/>
+                <a:ea typeface="Tahoma" panose="020B0604030504040204" pitchFamily="34" charset="0"/>
+                <a:cs typeface="Tahoma" panose="020B0604030504040204" pitchFamily="34" charset="0"/>
+              </a:rPr>
+              <a:t>complessità di un algoritmo</a:t>
+            </a:r>
+            <a:r>
+              <a:rPr lang="it-IT" sz="2400" b="0" i="0">
+                <a:solidFill>
+                  <a:srgbClr val="000000"/>
+                </a:solidFill>
+                <a:effectLst/>
+                <a:latin typeface="Tahoma" panose="020B0604030504040204" pitchFamily="34" charset="0"/>
+                <a:ea typeface="Tahoma" panose="020B0604030504040204" pitchFamily="34" charset="0"/>
+                <a:cs typeface="Tahoma" panose="020B0604030504040204" pitchFamily="34" charset="0"/>
+              </a:rPr>
+              <a:t> si utilizza sempre l'ipotesi del </a:t>
+            </a:r>
+            <a:r>
+              <a:rPr lang="it-IT" sz="2400" b="1" i="0">
+                <a:solidFill>
+                  <a:srgbClr val="000000"/>
+                </a:solidFill>
+                <a:effectLst/>
+                <a:latin typeface="Tahoma" panose="020B0604030504040204" pitchFamily="34" charset="0"/>
+                <a:ea typeface="Tahoma" panose="020B0604030504040204" pitchFamily="34" charset="0"/>
+                <a:cs typeface="Tahoma" panose="020B0604030504040204" pitchFamily="34" charset="0"/>
+              </a:rPr>
+              <a:t>caso peggiore</a:t>
+            </a:r>
+            <a:r>
+              <a:rPr lang="it-IT" sz="2400" b="0" i="0">
+                <a:solidFill>
+                  <a:srgbClr val="000000"/>
+                </a:solidFill>
+                <a:effectLst/>
+                <a:latin typeface="Tahoma" panose="020B0604030504040204" pitchFamily="34" charset="0"/>
+                <a:ea typeface="Tahoma" panose="020B0604030504040204" pitchFamily="34" charset="0"/>
+                <a:cs typeface="Tahoma" panose="020B0604030504040204" pitchFamily="34" charset="0"/>
+              </a:rPr>
+              <a:t>.</a:t>
+            </a:r>
+          </a:p>
+          <a:p>
+            <a:pPr marL="342900" indent="-342900" algn="just">
+              <a:lnSpc>
+                <a:spcPct val="115000"/>
+              </a:lnSpc>
+              <a:spcBef>
+                <a:spcPts val="2400"/>
+              </a:spcBef>
+              <a:buFont typeface="Wingdings" panose="05000000000000000000" pitchFamily="2" charset="2"/>
+              <a:buChar char="ü"/>
+              <a:tabLst>
+                <a:tab pos="457200" algn="l"/>
+              </a:tabLst>
+            </a:pPr>
+            <a:r>
+              <a:rPr lang="it-IT" sz="2400" b="1" i="0">
+                <a:solidFill>
+                  <a:srgbClr val="000000"/>
+                </a:solidFill>
+                <a:effectLst/>
+                <a:latin typeface="Tahoma" panose="020B0604030504040204" pitchFamily="34" charset="0"/>
+                <a:ea typeface="Tahoma" panose="020B0604030504040204" pitchFamily="34" charset="0"/>
+                <a:cs typeface="Tahoma" panose="020B0604030504040204" pitchFamily="34" charset="0"/>
+              </a:rPr>
+              <a:t>Perché si utilizza il caso peggiore? </a:t>
+            </a:r>
+            <a:r>
+              <a:rPr lang="it-IT" sz="2400" b="0" i="0">
+                <a:solidFill>
+                  <a:srgbClr val="000000"/>
+                </a:solidFill>
+                <a:effectLst/>
+                <a:latin typeface="Tahoma" panose="020B0604030504040204" pitchFamily="34" charset="0"/>
+                <a:ea typeface="Tahoma" panose="020B0604030504040204" pitchFamily="34" charset="0"/>
+                <a:cs typeface="Tahoma" panose="020B0604030504040204" pitchFamily="34" charset="0"/>
+              </a:rPr>
+              <a:t>Facciamo un esempio pratico, un algoritmo cerca sequenzialmente un </a:t>
+            </a:r>
+            <a:r>
+              <a:rPr lang="it-IT" sz="2400" b="1" i="0">
+                <a:solidFill>
+                  <a:srgbClr val="000000"/>
+                </a:solidFill>
+                <a:effectLst/>
+                <a:latin typeface="Tahoma" panose="020B0604030504040204" pitchFamily="34" charset="0"/>
+                <a:ea typeface="Tahoma" panose="020B0604030504040204" pitchFamily="34" charset="0"/>
+                <a:cs typeface="Tahoma" panose="020B0604030504040204" pitchFamily="34" charset="0"/>
+              </a:rPr>
+              <a:t>dato X</a:t>
+            </a:r>
+            <a:r>
+              <a:rPr lang="it-IT" sz="2400" b="0" i="0">
+                <a:solidFill>
+                  <a:srgbClr val="000000"/>
+                </a:solidFill>
+                <a:effectLst/>
+                <a:latin typeface="Tahoma" panose="020B0604030504040204" pitchFamily="34" charset="0"/>
+                <a:ea typeface="Tahoma" panose="020B0604030504040204" pitchFamily="34" charset="0"/>
+                <a:cs typeface="Tahoma" panose="020B0604030504040204" pitchFamily="34" charset="0"/>
+              </a:rPr>
+              <a:t> in un file composto da </a:t>
+            </a:r>
+            <a:r>
+              <a:rPr lang="it-IT" sz="2400" b="1" i="0">
+                <a:solidFill>
+                  <a:srgbClr val="000000"/>
+                </a:solidFill>
+                <a:effectLst/>
+                <a:latin typeface="Tahoma" panose="020B0604030504040204" pitchFamily="34" charset="0"/>
+                <a:ea typeface="Tahoma" panose="020B0604030504040204" pitchFamily="34" charset="0"/>
+                <a:cs typeface="Tahoma" panose="020B0604030504040204" pitchFamily="34" charset="0"/>
+              </a:rPr>
+              <a:t>1000 record</a:t>
+            </a:r>
+            <a:r>
+              <a:rPr lang="it-IT" sz="2400" b="0" i="0">
+                <a:solidFill>
+                  <a:srgbClr val="000000"/>
+                </a:solidFill>
+                <a:effectLst/>
+                <a:latin typeface="Tahoma" panose="020B0604030504040204" pitchFamily="34" charset="0"/>
+                <a:ea typeface="Tahoma" panose="020B0604030504040204" pitchFamily="34" charset="0"/>
+                <a:cs typeface="Tahoma" panose="020B0604030504040204" pitchFamily="34" charset="0"/>
+              </a:rPr>
+              <a:t>, partendo dal primo all'ultimo.</a:t>
+            </a:r>
+          </a:p>
+          <a:p>
+            <a:pPr marL="342900" indent="-342900" algn="just">
+              <a:lnSpc>
+                <a:spcPct val="115000"/>
+              </a:lnSpc>
+              <a:spcBef>
+                <a:spcPts val="2400"/>
+              </a:spcBef>
+              <a:buFont typeface="Wingdings" panose="05000000000000000000" pitchFamily="2" charset="2"/>
+              <a:buChar char="ü"/>
+              <a:tabLst>
+                <a:tab pos="457200" algn="l"/>
+              </a:tabLst>
+            </a:pPr>
+            <a:endParaRPr lang="it-IT" sz="2400">
+              <a:solidFill>
+                <a:srgbClr val="000000"/>
+              </a:solidFill>
+              <a:latin typeface="Tahoma" panose="020B0604030504040204" pitchFamily="34" charset="0"/>
+              <a:ea typeface="Tahoma" panose="020B0604030504040204" pitchFamily="34" charset="0"/>
+              <a:cs typeface="Tahoma" panose="020B0604030504040204" pitchFamily="34" charset="0"/>
+            </a:endParaRPr>
           </a:p>
         </p:txBody>
       </p:sp>
       <p:sp>
         <p:nvSpPr>
-          <p:cNvPr id="4" name="Rettangolo 3"/>
-          <p:cNvSpPr/>
+          <p:cNvPr id="7" name="Segnaposto numero diapositiva 6">
+            <a:extLst>
+              <a:ext uri="{FF2B5EF4-FFF2-40B4-BE49-F238E27FC236}">
+                <a16:creationId xmlns:a16="http://schemas.microsoft.com/office/drawing/2014/main" id="{AB740BE9-E218-4144-BFDE-AE473D230A3D}"/>
+              </a:ext>
+            </a:extLst>
+          </p:cNvPr>
+          <p:cNvSpPr>
+            <a:spLocks noGrp="1"/>
+          </p:cNvSpPr>
+          <p:nvPr>
+            <p:ph type="sldNum" sz="quarter" idx="12"/>
+          </p:nvPr>
+        </p:nvSpPr>
+        <p:spPr/>
+        <p:txBody>
+          <a:bodyPr/>
+          <a:lstStyle/>
+          <a:p>
+            <a:pPr>
+              <a:defRPr/>
+            </a:pPr>
+            <a:fld id="{48B4153A-D4C5-4CEF-8992-0D8815C829E3}" type="slidenum">
+              <a:rPr lang="en-US" smtClean="0"/>
+              <a:pPr>
+                <a:defRPr/>
+              </a:pPr>
+              <a:t>9</a:t>
+            </a:fld>
+            <a:endParaRPr lang="en-US" dirty="0"/>
+          </a:p>
+        </p:txBody>
+      </p:sp>
+      <p:sp>
+        <p:nvSpPr>
+          <p:cNvPr id="6" name="Titolo 4">
+            <a:extLst>
+              <a:ext uri="{FF2B5EF4-FFF2-40B4-BE49-F238E27FC236}">
+                <a16:creationId xmlns:a16="http://schemas.microsoft.com/office/drawing/2014/main" id="{CF9A4806-60B4-80DC-1F76-D2EB3E6C376B}"/>
+              </a:ext>
+            </a:extLst>
+          </p:cNvPr>
+          <p:cNvSpPr>
+            <a:spLocks noGrp="1"/>
+          </p:cNvSpPr>
+          <p:nvPr>
+            <p:ph type="title"/>
+          </p:nvPr>
+        </p:nvSpPr>
+        <p:spPr>
+          <a:xfrm>
+            <a:off x="397304" y="410627"/>
+            <a:ext cx="11269662" cy="384721"/>
+          </a:xfrm>
+        </p:spPr>
+        <p:txBody>
+          <a:bodyPr/>
+          <a:lstStyle/>
+          <a:p>
+            <a:r>
+              <a:rPr lang="it-IT">
+                <a:solidFill>
+                  <a:schemeClr val="tx1"/>
+                </a:solidFill>
+                <a:latin typeface="Tahoma" panose="020B0604030504040204" pitchFamily="34" charset="0"/>
+                <a:ea typeface="Tahoma" panose="020B0604030504040204" pitchFamily="34" charset="0"/>
+                <a:cs typeface="Tahoma" panose="020B0604030504040204" pitchFamily="34" charset="0"/>
+              </a:rPr>
+              <a:t>Complessità Temporale</a:t>
+            </a:r>
+            <a:endParaRPr lang="it-IT" dirty="0"/>
+          </a:p>
+        </p:txBody>
+      </p:sp>
+      <p:pic>
+        <p:nvPicPr>
+          <p:cNvPr id="5" name="Immagine 4" descr="Immagine che contiene tavolo&#10;&#10;Descrizione generata automaticamente">
+            <a:extLst>
+              <a:ext uri="{FF2B5EF4-FFF2-40B4-BE49-F238E27FC236}">
+                <a16:creationId xmlns:a16="http://schemas.microsoft.com/office/drawing/2014/main" id="{12697796-35FC-50D8-5330-4D2236D8A5FF}"/>
+              </a:ext>
+            </a:extLst>
+          </p:cNvPr>
+          <p:cNvPicPr>
+            <a:picLocks noChangeAspect="1"/>
+          </p:cNvPicPr>
           <p:nvPr/>
-        </p:nvSpPr>
+        </p:nvPicPr>
+        <p:blipFill>
+          <a:blip r:embed="rId2"/>
+          <a:stretch>
+            <a:fillRect/>
+          </a:stretch>
+        </p:blipFill>
         <p:spPr>
           <a:xfrm>
-            <a:off x="574294" y="2203669"/>
-            <a:ext cx="6096000" cy="646331"/>
+            <a:off x="793698" y="4249801"/>
+            <a:ext cx="10873268" cy="2329986"/>
           </a:xfrm>
           <a:prstGeom prst="rect">
             <a:avLst/>
           </a:prstGeom>
         </p:spPr>
-        <p:txBody>
-          <a:bodyPr>
-            <a:spAutoFit/>
-          </a:bodyPr>
-          <a:lstStyle/>
-          <a:p>
-            <a:r>
-              <a:rPr lang="it-IT"/>
-              <a:t>https://www.andreaminini.com/informatica/algoritmo/complessita-algoritmo</a:t>
-            </a:r>
-          </a:p>
-        </p:txBody>
-      </p:sp>
+      </p:pic>
     </p:spTree>
     <p:extLst>
       <p:ext uri="{BB962C8B-B14F-4D97-AF65-F5344CB8AC3E}">
-        <p14:creationId xmlns:p14="http://schemas.microsoft.com/office/powerpoint/2010/main" val="3490964097"/>
+        <p14:creationId xmlns:p14="http://schemas.microsoft.com/office/powerpoint/2010/main" val="3689153299"/>
       </p:ext>
     </p:extLst>
   </p:cSld>
@@ -8898,65 +13926,6 @@
 </file>
 
 <file path=customXml/item2.xml><?xml version="1.0" encoding="utf-8"?>
-<?mso-contentType ?>
-<FormTemplates xmlns="http://schemas.microsoft.com/sharepoint/v3/contenttype/forms">
-  <Display>DocumentLibraryForm</Display>
-  <Edit>DocumentLibraryForm</Edit>
-  <New>DocumentLibraryForm</New>
-</FormTemplates>
-</file>
-
-<file path=customXml/item3.xml><?xml version="1.0" encoding="utf-8"?>
-<?mso-contentType ?>
-<spe:Receivers xmlns:spe="http://schemas.microsoft.com/sharepoint/events">
-  <Receiver>
-    <Name>Document ID Generator</Name>
-    <Synchronization>Synchronous</Synchronization>
-    <Type>10001</Type>
-    <SequenceNumber>1000</SequenceNumber>
-    <Url/>
-    <Assembly>Microsoft.Office.DocumentManagement, Version=15.0.0.0, Culture=neutral, PublicKeyToken=71e9bce111e9429c</Assembly>
-    <Class>Microsoft.Office.DocumentManagement.Internal.DocIdHandler</Class>
-    <Data/>
-    <Filter/>
-  </Receiver>
-  <Receiver>
-    <Name>Document ID Generator</Name>
-    <Synchronization>Synchronous</Synchronization>
-    <Type>10002</Type>
-    <SequenceNumber>1001</SequenceNumber>
-    <Url/>
-    <Assembly>Microsoft.Office.DocumentManagement, Version=15.0.0.0, Culture=neutral, PublicKeyToken=71e9bce111e9429c</Assembly>
-    <Class>Microsoft.Office.DocumentManagement.Internal.DocIdHandler</Class>
-    <Data/>
-    <Filter/>
-  </Receiver>
-  <Receiver>
-    <Name>Document ID Generator</Name>
-    <Synchronization>Synchronous</Synchronization>
-    <Type>10004</Type>
-    <SequenceNumber>1002</SequenceNumber>
-    <Url/>
-    <Assembly>Microsoft.Office.DocumentManagement, Version=15.0.0.0, Culture=neutral, PublicKeyToken=71e9bce111e9429c</Assembly>
-    <Class>Microsoft.Office.DocumentManagement.Internal.DocIdHandler</Class>
-    <Data/>
-    <Filter/>
-  </Receiver>
-  <Receiver>
-    <Name>Document ID Generator</Name>
-    <Synchronization>Synchronous</Synchronization>
-    <Type>10006</Type>
-    <SequenceNumber>1003</SequenceNumber>
-    <Url/>
-    <Assembly>Microsoft.Office.DocumentManagement, Version=15.0.0.0, Culture=neutral, PublicKeyToken=71e9bce111e9429c</Assembly>
-    <Class>Microsoft.Office.DocumentManagement.Internal.DocIdHandler</Class>
-    <Data/>
-    <Filter/>
-  </Receiver>
-</spe:Receivers>
-</file>
-
-<file path=customXml/item4.xml><?xml version="1.0" encoding="utf-8"?>
 <ct:contentTypeSchema xmlns:ct="http://schemas.microsoft.com/office/2006/metadata/contentType" xmlns:ma="http://schemas.microsoft.com/office/2006/metadata/properties/metaAttributes" ct:_="" ma:_="" ma:contentTypeName="Documento" ma:contentTypeID="0x010100661A2BE3120D674DA36C11D6006822D4" ma:contentTypeVersion="3" ma:contentTypeDescription="Creare un nuovo documento." ma:contentTypeScope="" ma:versionID="2ad8b07f9840a1ce9cd199d874146b74">
   <xsd:schema xmlns:xsd="http://www.w3.org/2001/XMLSchema" xmlns:xs="http://www.w3.org/2001/XMLSchema" xmlns:p="http://schemas.microsoft.com/office/2006/metadata/properties" xmlns:ns2="c58f2efd-82a8-4ecf-b395-8c25e928921d" xmlns:ns3="459159c4-d20a-4ff3-9b11-fbd127bd52e5" xmlns:ns4="679261c3-551f-4e86-913f-177e0e529669" targetNamespace="http://schemas.microsoft.com/office/2006/metadata/properties" ma:root="true" ma:fieldsID="fffb0e16fb90ffea59fef1085e90ecca" ns2:_="" ns3:_="" ns4:_="">
     <xsd:import namespace="c58f2efd-82a8-4ecf-b395-8c25e928921d"/>
@@ -9143,6 +14112,65 @@
 </ct:contentTypeSchema>
 </file>
 
+<file path=customXml/item3.xml><?xml version="1.0" encoding="utf-8"?>
+<?mso-contentType ?>
+<spe:Receivers xmlns:spe="http://schemas.microsoft.com/sharepoint/events">
+  <Receiver>
+    <Name>Document ID Generator</Name>
+    <Synchronization>Synchronous</Synchronization>
+    <Type>10001</Type>
+    <SequenceNumber>1000</SequenceNumber>
+    <Url/>
+    <Assembly>Microsoft.Office.DocumentManagement, Version=15.0.0.0, Culture=neutral, PublicKeyToken=71e9bce111e9429c</Assembly>
+    <Class>Microsoft.Office.DocumentManagement.Internal.DocIdHandler</Class>
+    <Data/>
+    <Filter/>
+  </Receiver>
+  <Receiver>
+    <Name>Document ID Generator</Name>
+    <Synchronization>Synchronous</Synchronization>
+    <Type>10002</Type>
+    <SequenceNumber>1001</SequenceNumber>
+    <Url/>
+    <Assembly>Microsoft.Office.DocumentManagement, Version=15.0.0.0, Culture=neutral, PublicKeyToken=71e9bce111e9429c</Assembly>
+    <Class>Microsoft.Office.DocumentManagement.Internal.DocIdHandler</Class>
+    <Data/>
+    <Filter/>
+  </Receiver>
+  <Receiver>
+    <Name>Document ID Generator</Name>
+    <Synchronization>Synchronous</Synchronization>
+    <Type>10004</Type>
+    <SequenceNumber>1002</SequenceNumber>
+    <Url/>
+    <Assembly>Microsoft.Office.DocumentManagement, Version=15.0.0.0, Culture=neutral, PublicKeyToken=71e9bce111e9429c</Assembly>
+    <Class>Microsoft.Office.DocumentManagement.Internal.DocIdHandler</Class>
+    <Data/>
+    <Filter/>
+  </Receiver>
+  <Receiver>
+    <Name>Document ID Generator</Name>
+    <Synchronization>Synchronous</Synchronization>
+    <Type>10006</Type>
+    <SequenceNumber>1003</SequenceNumber>
+    <Url/>
+    <Assembly>Microsoft.Office.DocumentManagement, Version=15.0.0.0, Culture=neutral, PublicKeyToken=71e9bce111e9429c</Assembly>
+    <Class>Microsoft.Office.DocumentManagement.Internal.DocIdHandler</Class>
+    <Data/>
+    <Filter/>
+  </Receiver>
+</spe:Receivers>
+</file>
+
+<file path=customXml/item4.xml><?xml version="1.0" encoding="utf-8"?>
+<?mso-contentType ?>
+<FormTemplates xmlns="http://schemas.microsoft.com/sharepoint/v3/contenttype/forms">
+  <Display>DocumentLibraryForm</Display>
+  <Edit>DocumentLibraryForm</Edit>
+  <New>DocumentLibraryForm</New>
+</FormTemplates>
+</file>
+
 <file path=customXml/itemProps1.xml><?xml version="1.0" encoding="utf-8"?>
 <ds:datastoreItem xmlns:ds="http://schemas.openxmlformats.org/officeDocument/2006/customXml" ds:itemID="{3EF378BC-F4D0-4510-B4EC-07B6EFE18CF8}">
   <ds:schemaRefs>
@@ -9162,22 +14190,6 @@
 </file>
 
 <file path=customXml/itemProps2.xml><?xml version="1.0" encoding="utf-8"?>
-<ds:datastoreItem xmlns:ds="http://schemas.openxmlformats.org/officeDocument/2006/customXml" ds:itemID="{BD9C238D-4D5C-4783-820B-4854DCE45D41}">
-  <ds:schemaRefs>
-    <ds:schemaRef ds:uri="http://schemas.microsoft.com/sharepoint/v3/contenttype/forms"/>
-  </ds:schemaRefs>
-</ds:datastoreItem>
-</file>
-
-<file path=customXml/itemProps3.xml><?xml version="1.0" encoding="utf-8"?>
-<ds:datastoreItem xmlns:ds="http://schemas.openxmlformats.org/officeDocument/2006/customXml" ds:itemID="{D9296C4F-9DE9-4B43-AA80-1FC85656CFFA}">
-  <ds:schemaRefs>
-    <ds:schemaRef ds:uri="http://schemas.microsoft.com/sharepoint/events"/>
-  </ds:schemaRefs>
-</ds:datastoreItem>
-</file>
-
-<file path=customXml/itemProps4.xml><?xml version="1.0" encoding="utf-8"?>
 <ds:datastoreItem xmlns:ds="http://schemas.openxmlformats.org/officeDocument/2006/customXml" ds:itemID="{3F66F418-6054-4EA5-BF8E-6AF3CEAE6265}">
   <ds:schemaRefs>
     <ds:schemaRef ds:uri="http://schemas.microsoft.com/office/2006/metadata/contentType"/>
@@ -9195,4 +14207,20 @@
     <ds:schemaRef ds:uri="http://schemas.microsoft.com/internal/obd"/>
   </ds:schemaRefs>
 </ds:datastoreItem>
+</file>
+
+<file path=customXml/itemProps3.xml><?xml version="1.0" encoding="utf-8"?>
+<ds:datastoreItem xmlns:ds="http://schemas.openxmlformats.org/officeDocument/2006/customXml" ds:itemID="{D9296C4F-9DE9-4B43-AA80-1FC85656CFFA}">
+  <ds:schemaRefs>
+    <ds:schemaRef ds:uri="http://schemas.microsoft.com/sharepoint/events"/>
+  </ds:schemaRefs>
+</ds:datastoreItem>
+</file>
+
+<file path=customXml/itemProps4.xml><?xml version="1.0" encoding="utf-8"?>
+<ds:datastoreItem xmlns:ds="http://schemas.openxmlformats.org/officeDocument/2006/customXml" ds:itemID="{BD9C238D-4D5C-4783-820B-4854DCE45D41}">
+  <ds:schemaRefs>
+    <ds:schemaRef ds:uri="http://schemas.microsoft.com/sharepoint/v3/contenttype/forms"/>
+  </ds:schemaRefs>
+</ds:datastoreItem>
 </file>